--- a/Slides/Module 9 - Introduction to Orchestrations.pptx
+++ b/Slides/Module 9 - Introduction to Orchestrations.pptx
@@ -3,44 +3,45 @@
 <p:presentation xmlns:a="http://schemas.openxmlformats.org/drawingml/2006/main" xmlns:r="http://schemas.openxmlformats.org/officeDocument/2006/relationships" xmlns:p="http://schemas.openxmlformats.org/presentationml/2006/main" saveSubsetFonts="1">
   <p:sldMasterIdLst>
     <p:sldMasterId id="2147484016" r:id="rId2"/>
+    <p:sldMasterId id="2147484029" r:id="rId3"/>
   </p:sldMasterIdLst>
   <p:notesMasterIdLst>
-    <p:notesMasterId r:id="rId33"/>
+    <p:notesMasterId r:id="rId34"/>
   </p:notesMasterIdLst>
   <p:handoutMasterIdLst>
-    <p:handoutMasterId r:id="rId34"/>
+    <p:handoutMasterId r:id="rId35"/>
   </p:handoutMasterIdLst>
   <p:sldIdLst>
-    <p:sldId id="326" r:id="rId3"/>
-    <p:sldId id="276" r:id="rId4"/>
-    <p:sldId id="308" r:id="rId5"/>
-    <p:sldId id="315" r:id="rId6"/>
-    <p:sldId id="312" r:id="rId7"/>
-    <p:sldId id="348" r:id="rId8"/>
-    <p:sldId id="349" r:id="rId9"/>
-    <p:sldId id="336" r:id="rId10"/>
-    <p:sldId id="350" r:id="rId11"/>
-    <p:sldId id="351" r:id="rId12"/>
-    <p:sldId id="337" r:id="rId13"/>
-    <p:sldId id="339" r:id="rId14"/>
-    <p:sldId id="357" r:id="rId15"/>
-    <p:sldId id="352" r:id="rId16"/>
-    <p:sldId id="341" r:id="rId17"/>
-    <p:sldId id="359" r:id="rId18"/>
-    <p:sldId id="356" r:id="rId19"/>
-    <p:sldId id="338" r:id="rId20"/>
-    <p:sldId id="340" r:id="rId21"/>
-    <p:sldId id="353" r:id="rId22"/>
-    <p:sldId id="354" r:id="rId23"/>
-    <p:sldId id="358" r:id="rId24"/>
-    <p:sldId id="342" r:id="rId25"/>
-    <p:sldId id="343" r:id="rId26"/>
-    <p:sldId id="322" r:id="rId27"/>
-    <p:sldId id="319" r:id="rId28"/>
-    <p:sldId id="327" r:id="rId29"/>
-    <p:sldId id="328" r:id="rId30"/>
-    <p:sldId id="360" r:id="rId31"/>
-    <p:sldId id="361" r:id="rId32"/>
+    <p:sldId id="326" r:id="rId4"/>
+    <p:sldId id="276" r:id="rId5"/>
+    <p:sldId id="308" r:id="rId6"/>
+    <p:sldId id="315" r:id="rId7"/>
+    <p:sldId id="312" r:id="rId8"/>
+    <p:sldId id="348" r:id="rId9"/>
+    <p:sldId id="349" r:id="rId10"/>
+    <p:sldId id="336" r:id="rId11"/>
+    <p:sldId id="350" r:id="rId12"/>
+    <p:sldId id="351" r:id="rId13"/>
+    <p:sldId id="337" r:id="rId14"/>
+    <p:sldId id="339" r:id="rId15"/>
+    <p:sldId id="357" r:id="rId16"/>
+    <p:sldId id="352" r:id="rId17"/>
+    <p:sldId id="341" r:id="rId18"/>
+    <p:sldId id="359" r:id="rId19"/>
+    <p:sldId id="356" r:id="rId20"/>
+    <p:sldId id="338" r:id="rId21"/>
+    <p:sldId id="340" r:id="rId22"/>
+    <p:sldId id="353" r:id="rId23"/>
+    <p:sldId id="354" r:id="rId24"/>
+    <p:sldId id="358" r:id="rId25"/>
+    <p:sldId id="342" r:id="rId26"/>
+    <p:sldId id="343" r:id="rId27"/>
+    <p:sldId id="322" r:id="rId28"/>
+    <p:sldId id="319" r:id="rId29"/>
+    <p:sldId id="327" r:id="rId30"/>
+    <p:sldId id="328" r:id="rId31"/>
+    <p:sldId id="360" r:id="rId32"/>
+    <p:sldId id="361" r:id="rId33"/>
   </p:sldIdLst>
   <p:sldSz cx="9144000" cy="6858000" type="screen4x3"/>
   <p:notesSz cx="6858000" cy="9144000"/>
@@ -2255,8 +2256,8 @@
       </dsp:nvSpPr>
       <dsp:spPr>
         <a:xfrm rot="5400000">
-          <a:off x="4100368" y="-2263032"/>
-          <a:ext cx="416861" cy="5047488"/>
+          <a:off x="4343038" y="-2396976"/>
+          <a:ext cx="441499" cy="5346192"/>
         </a:xfrm>
         <a:prstGeom prst="round2SameRect">
           <a:avLst/>
@@ -2265,36 +2266,41 @@
           <a:gsLst>
             <a:gs pos="0">
               <a:schemeClr val="accent5">
-                <a:lumMod val="110000"/>
-                <a:satMod val="105000"/>
-                <a:tint val="67000"/>
+                <a:tint val="50000"/>
+                <a:satMod val="300000"/>
               </a:schemeClr>
             </a:gs>
-            <a:gs pos="50000">
+            <a:gs pos="35000">
               <a:schemeClr val="accent5">
-                <a:lumMod val="105000"/>
-                <a:satMod val="103000"/>
-                <a:tint val="73000"/>
+                <a:tint val="37000"/>
+                <a:satMod val="300000"/>
               </a:schemeClr>
             </a:gs>
             <a:gs pos="100000">
               <a:schemeClr val="accent5">
-                <a:lumMod val="105000"/>
-                <a:satMod val="109000"/>
-                <a:tint val="81000"/>
+                <a:tint val="15000"/>
+                <a:satMod val="350000"/>
               </a:schemeClr>
             </a:gs>
           </a:gsLst>
-          <a:lin ang="5400000" scaled="0"/>
+          <a:lin ang="16200000" scaled="1"/>
         </a:gradFill>
-        <a:ln w="6350" cap="flat" cmpd="sng" algn="ctr">
+        <a:ln w="9525" cap="flat" cmpd="sng" algn="ctr">
           <a:solidFill>
-            <a:schemeClr val="accent5"/>
+            <a:schemeClr val="accent5">
+              <a:shade val="95000"/>
+              <a:satMod val="105000"/>
+            </a:schemeClr>
           </a:solidFill>
           <a:prstDash val="solid"/>
-          <a:miter lim="800000"/>
         </a:ln>
-        <a:effectLst/>
+        <a:effectLst>
+          <a:outerShdw blurRad="40000" dist="20000" dir="5400000" rotWithShape="0">
+            <a:srgbClr val="000000">
+              <a:alpha val="38000"/>
+            </a:srgbClr>
+          </a:outerShdw>
+        </a:effectLst>
         <a:scene3d>
           <a:camera prst="orthographicFront"/>
           <a:lightRig rig="flat" dir="t"/>
@@ -2316,12 +2322,12 @@
         </a:fontRef>
       </dsp:style>
       <dsp:txBody>
-        <a:bodyPr spcFirstLastPara="0" vert="horz" wrap="square" lIns="41910" tIns="20955" rIns="41910" bIns="20955" numCol="1" spcCol="1270" anchor="ctr" anchorCtr="0">
+        <a:bodyPr spcFirstLastPara="0" vert="horz" wrap="square" lIns="49530" tIns="24765" rIns="49530" bIns="24765" numCol="1" spcCol="1270" anchor="ctr" anchorCtr="0">
           <a:noAutofit/>
         </a:bodyPr>
         <a:lstStyle/>
         <a:p>
-          <a:pPr marL="57150" lvl="1" indent="-57150" algn="l" defTabSz="488950" rtl="0">
+          <a:pPr marL="114300" lvl="1" indent="-114300" algn="l" defTabSz="577850" rtl="0">
             <a:lnSpc>
               <a:spcPct val="90000"/>
             </a:lnSpc>
@@ -2334,14 +2340,14 @@
             <a:buChar char="•"/>
           </a:pPr>
           <a:r>
-            <a:rPr lang="en-US" sz="1100" kern="1200" dirty="0"/>
+            <a:rPr lang="en-US" sz="1300" kern="1200" dirty="0"/>
             <a:t>Add shapes to represent the business process</a:t>
           </a:r>
         </a:p>
       </dsp:txBody>
       <dsp:txXfrm rot="-5400000">
-        <a:off x="1785055" y="72630"/>
-        <a:ext cx="5027139" cy="376163"/>
+        <a:off x="1890692" y="76922"/>
+        <a:ext cx="5324640" cy="398395"/>
       </dsp:txXfrm>
     </dsp:sp>
     <dsp:sp modelId="{11908AA2-17DB-48BB-B152-062C361AC5C4}">
@@ -2351,8 +2357,8 @@
       </dsp:nvSpPr>
       <dsp:spPr>
         <a:xfrm>
-          <a:off x="1054156" y="172"/>
-          <a:ext cx="730898" cy="521076"/>
+          <a:off x="1116540" y="182"/>
+          <a:ext cx="774151" cy="551873"/>
         </a:xfrm>
         <a:prstGeom prst="roundRect">
           <a:avLst/>
@@ -2361,41 +2367,45 @@
           <a:gsLst>
             <a:gs pos="0">
               <a:schemeClr val="accent1">
-                <a:lumMod val="110000"/>
-                <a:satMod val="105000"/>
-                <a:tint val="67000"/>
+                <a:tint val="50000"/>
+                <a:satMod val="300000"/>
               </a:schemeClr>
             </a:gs>
-            <a:gs pos="50000">
+            <a:gs pos="35000">
               <a:schemeClr val="accent1">
-                <a:lumMod val="105000"/>
-                <a:satMod val="103000"/>
-                <a:tint val="73000"/>
+                <a:tint val="37000"/>
+                <a:satMod val="300000"/>
               </a:schemeClr>
             </a:gs>
             <a:gs pos="100000">
               <a:schemeClr val="accent1">
-                <a:lumMod val="105000"/>
-                <a:satMod val="109000"/>
-                <a:tint val="81000"/>
+                <a:tint val="15000"/>
+                <a:satMod val="350000"/>
               </a:schemeClr>
             </a:gs>
           </a:gsLst>
-          <a:lin ang="5400000" scaled="0"/>
+          <a:lin ang="16200000" scaled="1"/>
         </a:gradFill>
-        <a:ln w="6350" cap="flat" cmpd="sng" algn="ctr">
+        <a:ln w="9525" cap="flat" cmpd="sng" algn="ctr">
           <a:solidFill>
-            <a:schemeClr val="accent1"/>
+            <a:schemeClr val="accent1">
+              <a:shade val="95000"/>
+              <a:satMod val="105000"/>
+            </a:schemeClr>
           </a:solidFill>
           <a:prstDash val="solid"/>
-          <a:miter lim="800000"/>
         </a:ln>
-        <a:effectLst/>
+        <a:effectLst>
+          <a:outerShdw blurRad="40000" dist="20000" dir="5400000" rotWithShape="0">
+            <a:srgbClr val="000000">
+              <a:alpha val="38000"/>
+            </a:srgbClr>
+          </a:outerShdw>
+        </a:effectLst>
         <a:scene3d>
           <a:camera prst="orthographicFront"/>
           <a:lightRig rig="flat" dir="t"/>
         </a:scene3d>
-        <a:sp3d/>
       </dsp:spPr>
       <dsp:style>
         <a:lnRef idx="1">
@@ -2412,12 +2422,12 @@
         </a:fontRef>
       </dsp:style>
       <dsp:txBody>
-        <a:bodyPr spcFirstLastPara="0" vert="horz" wrap="square" lIns="99060" tIns="49530" rIns="99060" bIns="49530" numCol="1" spcCol="1270" anchor="ctr" anchorCtr="0">
+        <a:bodyPr spcFirstLastPara="0" vert="horz" wrap="square" lIns="110490" tIns="55245" rIns="110490" bIns="55245" numCol="1" spcCol="1270" anchor="ctr" anchorCtr="0">
           <a:noAutofit/>
         </a:bodyPr>
         <a:lstStyle/>
         <a:p>
-          <a:pPr marL="0" lvl="0" indent="0" algn="ctr" defTabSz="1155700" rtl="0">
+          <a:pPr marL="0" lvl="0" indent="0" algn="ctr" defTabSz="1289050" rtl="0">
             <a:lnSpc>
               <a:spcPct val="90000"/>
             </a:lnSpc>
@@ -2430,14 +2440,14 @@
             <a:buNone/>
           </a:pPr>
           <a:r>
-            <a:rPr lang="en-US" sz="2600" kern="1200" dirty="0"/>
+            <a:rPr lang="en-US" sz="2900" kern="1200" dirty="0"/>
             <a:t>1</a:t>
           </a:r>
         </a:p>
       </dsp:txBody>
       <dsp:txXfrm>
-        <a:off x="1079593" y="25609"/>
-        <a:ext cx="680024" cy="470202"/>
+        <a:off x="1143480" y="27122"/>
+        <a:ext cx="720271" cy="497993"/>
       </dsp:txXfrm>
     </dsp:sp>
     <dsp:sp modelId="{CC005D75-9949-46F5-816A-84FDF35D1A84}">
@@ -2447,8 +2457,8 @@
       </dsp:nvSpPr>
       <dsp:spPr>
         <a:xfrm rot="5400000">
-          <a:off x="4100368" y="-1715902"/>
-          <a:ext cx="416861" cy="5047488"/>
+          <a:off x="4343038" y="-1817508"/>
+          <a:ext cx="441499" cy="5346192"/>
         </a:xfrm>
         <a:prstGeom prst="round2SameRect">
           <a:avLst/>
@@ -2457,36 +2467,41 @@
           <a:gsLst>
             <a:gs pos="0">
               <a:schemeClr val="accent5">
-                <a:lumMod val="110000"/>
-                <a:satMod val="105000"/>
-                <a:tint val="67000"/>
+                <a:tint val="50000"/>
+                <a:satMod val="300000"/>
               </a:schemeClr>
             </a:gs>
-            <a:gs pos="50000">
+            <a:gs pos="35000">
               <a:schemeClr val="accent5">
-                <a:lumMod val="105000"/>
-                <a:satMod val="103000"/>
-                <a:tint val="73000"/>
+                <a:tint val="37000"/>
+                <a:satMod val="300000"/>
               </a:schemeClr>
             </a:gs>
             <a:gs pos="100000">
               <a:schemeClr val="accent5">
-                <a:lumMod val="105000"/>
-                <a:satMod val="109000"/>
-                <a:tint val="81000"/>
+                <a:tint val="15000"/>
+                <a:satMod val="350000"/>
               </a:schemeClr>
             </a:gs>
           </a:gsLst>
-          <a:lin ang="5400000" scaled="0"/>
+          <a:lin ang="16200000" scaled="1"/>
         </a:gradFill>
-        <a:ln w="6350" cap="flat" cmpd="sng" algn="ctr">
+        <a:ln w="9525" cap="flat" cmpd="sng" algn="ctr">
           <a:solidFill>
-            <a:schemeClr val="accent5"/>
+            <a:schemeClr val="accent5">
+              <a:shade val="95000"/>
+              <a:satMod val="105000"/>
+            </a:schemeClr>
           </a:solidFill>
           <a:prstDash val="solid"/>
-          <a:miter lim="800000"/>
         </a:ln>
-        <a:effectLst/>
+        <a:effectLst>
+          <a:outerShdw blurRad="40000" dist="20000" dir="5400000" rotWithShape="0">
+            <a:srgbClr val="000000">
+              <a:alpha val="38000"/>
+            </a:srgbClr>
+          </a:outerShdw>
+        </a:effectLst>
         <a:scene3d>
           <a:camera prst="orthographicFront"/>
           <a:lightRig rig="flat" dir="t"/>
@@ -2508,12 +2523,12 @@
         </a:fontRef>
       </dsp:style>
       <dsp:txBody>
-        <a:bodyPr spcFirstLastPara="0" vert="horz" wrap="square" lIns="41910" tIns="20955" rIns="41910" bIns="20955" numCol="1" spcCol="1270" anchor="ctr" anchorCtr="0">
+        <a:bodyPr spcFirstLastPara="0" vert="horz" wrap="square" lIns="49530" tIns="24765" rIns="49530" bIns="24765" numCol="1" spcCol="1270" anchor="ctr" anchorCtr="0">
           <a:noAutofit/>
         </a:bodyPr>
         <a:lstStyle/>
         <a:p>
-          <a:pPr marL="57150" lvl="1" indent="-57150" algn="l" defTabSz="488950" rtl="0">
+          <a:pPr marL="114300" lvl="1" indent="-114300" algn="l" defTabSz="577850" rtl="0">
             <a:lnSpc>
               <a:spcPct val="90000"/>
             </a:lnSpc>
@@ -2526,14 +2541,14 @@
             <a:buChar char="•"/>
           </a:pPr>
           <a:r>
-            <a:rPr lang="en-US" sz="1100" kern="1200" dirty="0"/>
+            <a:rPr lang="en-US" sz="1300" kern="1200" dirty="0"/>
             <a:t>Add schemas to describe message formats</a:t>
           </a:r>
         </a:p>
       </dsp:txBody>
       <dsp:txXfrm rot="-5400000">
-        <a:off x="1785055" y="619760"/>
-        <a:ext cx="5027139" cy="376163"/>
+        <a:off x="1890692" y="656390"/>
+        <a:ext cx="5324640" cy="398395"/>
       </dsp:txXfrm>
     </dsp:sp>
     <dsp:sp modelId="{B2E8BDA2-7497-48D7-82A9-BA15BF6459D6}">
@@ -2543,8 +2558,8 @@
       </dsp:nvSpPr>
       <dsp:spPr>
         <a:xfrm>
-          <a:off x="1054156" y="547303"/>
-          <a:ext cx="730898" cy="521076"/>
+          <a:off x="1116540" y="579650"/>
+          <a:ext cx="774151" cy="551873"/>
         </a:xfrm>
         <a:prstGeom prst="roundRect">
           <a:avLst/>
@@ -2553,41 +2568,45 @@
           <a:gsLst>
             <a:gs pos="0">
               <a:schemeClr val="accent1">
-                <a:lumMod val="110000"/>
-                <a:satMod val="105000"/>
-                <a:tint val="67000"/>
+                <a:tint val="50000"/>
+                <a:satMod val="300000"/>
               </a:schemeClr>
             </a:gs>
-            <a:gs pos="50000">
+            <a:gs pos="35000">
               <a:schemeClr val="accent1">
-                <a:lumMod val="105000"/>
-                <a:satMod val="103000"/>
-                <a:tint val="73000"/>
+                <a:tint val="37000"/>
+                <a:satMod val="300000"/>
               </a:schemeClr>
             </a:gs>
             <a:gs pos="100000">
               <a:schemeClr val="accent1">
-                <a:lumMod val="105000"/>
-                <a:satMod val="109000"/>
-                <a:tint val="81000"/>
+                <a:tint val="15000"/>
+                <a:satMod val="350000"/>
               </a:schemeClr>
             </a:gs>
           </a:gsLst>
-          <a:lin ang="5400000" scaled="0"/>
+          <a:lin ang="16200000" scaled="1"/>
         </a:gradFill>
-        <a:ln w="6350" cap="flat" cmpd="sng" algn="ctr">
+        <a:ln w="9525" cap="flat" cmpd="sng" algn="ctr">
           <a:solidFill>
-            <a:schemeClr val="accent1"/>
+            <a:schemeClr val="accent1">
+              <a:shade val="95000"/>
+              <a:satMod val="105000"/>
+            </a:schemeClr>
           </a:solidFill>
           <a:prstDash val="solid"/>
-          <a:miter lim="800000"/>
         </a:ln>
-        <a:effectLst/>
+        <a:effectLst>
+          <a:outerShdw blurRad="40000" dist="20000" dir="5400000" rotWithShape="0">
+            <a:srgbClr val="000000">
+              <a:alpha val="38000"/>
+            </a:srgbClr>
+          </a:outerShdw>
+        </a:effectLst>
         <a:scene3d>
           <a:camera prst="orthographicFront"/>
           <a:lightRig rig="flat" dir="t"/>
         </a:scene3d>
-        <a:sp3d/>
       </dsp:spPr>
       <dsp:style>
         <a:lnRef idx="1">
@@ -2604,12 +2623,12 @@
         </a:fontRef>
       </dsp:style>
       <dsp:txBody>
-        <a:bodyPr spcFirstLastPara="0" vert="horz" wrap="square" lIns="99060" tIns="49530" rIns="99060" bIns="49530" numCol="1" spcCol="1270" anchor="ctr" anchorCtr="0">
+        <a:bodyPr spcFirstLastPara="0" vert="horz" wrap="square" lIns="110490" tIns="55245" rIns="110490" bIns="55245" numCol="1" spcCol="1270" anchor="ctr" anchorCtr="0">
           <a:noAutofit/>
         </a:bodyPr>
         <a:lstStyle/>
         <a:p>
-          <a:pPr marL="0" lvl="0" indent="0" algn="ctr" defTabSz="1155700" rtl="0">
+          <a:pPr marL="0" lvl="0" indent="0" algn="ctr" defTabSz="1289050" rtl="0">
             <a:lnSpc>
               <a:spcPct val="90000"/>
             </a:lnSpc>
@@ -2622,14 +2641,14 @@
             <a:buNone/>
           </a:pPr>
           <a:r>
-            <a:rPr lang="en-US" sz="2600" kern="1200" dirty="0"/>
+            <a:rPr lang="en-US" sz="2900" kern="1200" dirty="0"/>
             <a:t>2</a:t>
           </a:r>
         </a:p>
       </dsp:txBody>
       <dsp:txXfrm>
-        <a:off x="1079593" y="572740"/>
-        <a:ext cx="680024" cy="470202"/>
+        <a:off x="1143480" y="606590"/>
+        <a:ext cx="720271" cy="497993"/>
       </dsp:txXfrm>
     </dsp:sp>
     <dsp:sp modelId="{5D864B8D-FACF-48E7-8326-E483DE976D5A}">
@@ -2639,8 +2658,8 @@
       </dsp:nvSpPr>
       <dsp:spPr>
         <a:xfrm rot="5400000">
-          <a:off x="4100368" y="-1168771"/>
-          <a:ext cx="416861" cy="5047488"/>
+          <a:off x="4343038" y="-1238041"/>
+          <a:ext cx="441499" cy="5346192"/>
         </a:xfrm>
         <a:prstGeom prst="round2SameRect">
           <a:avLst/>
@@ -2649,36 +2668,41 @@
           <a:gsLst>
             <a:gs pos="0">
               <a:schemeClr val="accent5">
-                <a:lumMod val="110000"/>
-                <a:satMod val="105000"/>
-                <a:tint val="67000"/>
+                <a:tint val="50000"/>
+                <a:satMod val="300000"/>
               </a:schemeClr>
             </a:gs>
-            <a:gs pos="50000">
+            <a:gs pos="35000">
               <a:schemeClr val="accent5">
-                <a:lumMod val="105000"/>
-                <a:satMod val="103000"/>
-                <a:tint val="73000"/>
+                <a:tint val="37000"/>
+                <a:satMod val="300000"/>
               </a:schemeClr>
             </a:gs>
             <a:gs pos="100000">
               <a:schemeClr val="accent5">
-                <a:lumMod val="105000"/>
-                <a:satMod val="109000"/>
-                <a:tint val="81000"/>
+                <a:tint val="15000"/>
+                <a:satMod val="350000"/>
               </a:schemeClr>
             </a:gs>
           </a:gsLst>
-          <a:lin ang="5400000" scaled="0"/>
+          <a:lin ang="16200000" scaled="1"/>
         </a:gradFill>
-        <a:ln w="6350" cap="flat" cmpd="sng" algn="ctr">
+        <a:ln w="9525" cap="flat" cmpd="sng" algn="ctr">
           <a:solidFill>
-            <a:schemeClr val="accent5"/>
+            <a:schemeClr val="accent5">
+              <a:shade val="95000"/>
+              <a:satMod val="105000"/>
+            </a:schemeClr>
           </a:solidFill>
           <a:prstDash val="solid"/>
-          <a:miter lim="800000"/>
         </a:ln>
-        <a:effectLst/>
+        <a:effectLst>
+          <a:outerShdw blurRad="40000" dist="20000" dir="5400000" rotWithShape="0">
+            <a:srgbClr val="000000">
+              <a:alpha val="38000"/>
+            </a:srgbClr>
+          </a:outerShdw>
+        </a:effectLst>
         <a:scene3d>
           <a:camera prst="orthographicFront"/>
           <a:lightRig rig="flat" dir="t"/>
@@ -2700,12 +2724,12 @@
         </a:fontRef>
       </dsp:style>
       <dsp:txBody>
-        <a:bodyPr spcFirstLastPara="0" vert="horz" wrap="square" lIns="41910" tIns="20955" rIns="41910" bIns="20955" numCol="1" spcCol="1270" anchor="ctr" anchorCtr="0">
+        <a:bodyPr spcFirstLastPara="0" vert="horz" wrap="square" lIns="49530" tIns="24765" rIns="49530" bIns="24765" numCol="1" spcCol="1270" anchor="ctr" anchorCtr="0">
           <a:noAutofit/>
         </a:bodyPr>
         <a:lstStyle/>
         <a:p>
-          <a:pPr marL="57150" lvl="1" indent="-57150" algn="l" defTabSz="488950" rtl="0">
+          <a:pPr marL="114300" lvl="1" indent="-114300" algn="l" defTabSz="577850" rtl="0">
             <a:lnSpc>
               <a:spcPct val="90000"/>
             </a:lnSpc>
@@ -2718,14 +2742,14 @@
             <a:buChar char="•"/>
           </a:pPr>
           <a:r>
-            <a:rPr lang="en-US" sz="1100" kern="1200" dirty="0"/>
+            <a:rPr lang="en-US" sz="1300" kern="1200" dirty="0"/>
             <a:t>Define ports through which messages are received and sent</a:t>
           </a:r>
         </a:p>
       </dsp:txBody>
       <dsp:txXfrm rot="-5400000">
-        <a:off x="1785055" y="1166891"/>
-        <a:ext cx="5027139" cy="376163"/>
+        <a:off x="1890692" y="1235857"/>
+        <a:ext cx="5324640" cy="398395"/>
       </dsp:txXfrm>
     </dsp:sp>
     <dsp:sp modelId="{839A0C55-6F4F-487B-ABCB-7E5C2EC4A22A}">
@@ -2735,8 +2759,8 @@
       </dsp:nvSpPr>
       <dsp:spPr>
         <a:xfrm>
-          <a:off x="1054156" y="1094434"/>
-          <a:ext cx="730898" cy="521076"/>
+          <a:off x="1116540" y="1159117"/>
+          <a:ext cx="774151" cy="551873"/>
         </a:xfrm>
         <a:prstGeom prst="roundRect">
           <a:avLst/>
@@ -2745,41 +2769,45 @@
           <a:gsLst>
             <a:gs pos="0">
               <a:schemeClr val="accent1">
-                <a:lumMod val="110000"/>
-                <a:satMod val="105000"/>
-                <a:tint val="67000"/>
+                <a:tint val="50000"/>
+                <a:satMod val="300000"/>
               </a:schemeClr>
             </a:gs>
-            <a:gs pos="50000">
+            <a:gs pos="35000">
               <a:schemeClr val="accent1">
-                <a:lumMod val="105000"/>
-                <a:satMod val="103000"/>
-                <a:tint val="73000"/>
+                <a:tint val="37000"/>
+                <a:satMod val="300000"/>
               </a:schemeClr>
             </a:gs>
             <a:gs pos="100000">
               <a:schemeClr val="accent1">
-                <a:lumMod val="105000"/>
-                <a:satMod val="109000"/>
-                <a:tint val="81000"/>
+                <a:tint val="15000"/>
+                <a:satMod val="350000"/>
               </a:schemeClr>
             </a:gs>
           </a:gsLst>
-          <a:lin ang="5400000" scaled="0"/>
+          <a:lin ang="16200000" scaled="1"/>
         </a:gradFill>
-        <a:ln w="6350" cap="flat" cmpd="sng" algn="ctr">
+        <a:ln w="9525" cap="flat" cmpd="sng" algn="ctr">
           <a:solidFill>
-            <a:schemeClr val="accent1"/>
+            <a:schemeClr val="accent1">
+              <a:shade val="95000"/>
+              <a:satMod val="105000"/>
+            </a:schemeClr>
           </a:solidFill>
           <a:prstDash val="solid"/>
-          <a:miter lim="800000"/>
         </a:ln>
-        <a:effectLst/>
+        <a:effectLst>
+          <a:outerShdw blurRad="40000" dist="20000" dir="5400000" rotWithShape="0">
+            <a:srgbClr val="000000">
+              <a:alpha val="38000"/>
+            </a:srgbClr>
+          </a:outerShdw>
+        </a:effectLst>
         <a:scene3d>
           <a:camera prst="orthographicFront"/>
           <a:lightRig rig="flat" dir="t"/>
         </a:scene3d>
-        <a:sp3d/>
       </dsp:spPr>
       <dsp:style>
         <a:lnRef idx="1">
@@ -2796,12 +2824,12 @@
         </a:fontRef>
       </dsp:style>
       <dsp:txBody>
-        <a:bodyPr spcFirstLastPara="0" vert="horz" wrap="square" lIns="99060" tIns="49530" rIns="99060" bIns="49530" numCol="1" spcCol="1270" anchor="ctr" anchorCtr="0">
+        <a:bodyPr spcFirstLastPara="0" vert="horz" wrap="square" lIns="110490" tIns="55245" rIns="110490" bIns="55245" numCol="1" spcCol="1270" anchor="ctr" anchorCtr="0">
           <a:noAutofit/>
         </a:bodyPr>
         <a:lstStyle/>
         <a:p>
-          <a:pPr marL="0" lvl="0" indent="0" algn="ctr" defTabSz="1155700" rtl="0">
+          <a:pPr marL="0" lvl="0" indent="0" algn="ctr" defTabSz="1289050" rtl="0">
             <a:lnSpc>
               <a:spcPct val="90000"/>
             </a:lnSpc>
@@ -2814,14 +2842,14 @@
             <a:buNone/>
           </a:pPr>
           <a:r>
-            <a:rPr lang="en-US" sz="2600" kern="1200" dirty="0"/>
+            <a:rPr lang="en-US" sz="2900" kern="1200" dirty="0"/>
             <a:t>3</a:t>
           </a:r>
         </a:p>
       </dsp:txBody>
       <dsp:txXfrm>
-        <a:off x="1079593" y="1119871"/>
-        <a:ext cx="680024" cy="470202"/>
+        <a:off x="1143480" y="1186057"/>
+        <a:ext cx="720271" cy="497993"/>
       </dsp:txXfrm>
     </dsp:sp>
     <dsp:sp modelId="{BE5DC509-EF7C-4DB0-B3AB-DF9320A0FF2B}">
@@ -2831,8 +2859,8 @@
       </dsp:nvSpPr>
       <dsp:spPr>
         <a:xfrm rot="5400000">
-          <a:off x="4100368" y="-621640"/>
-          <a:ext cx="416861" cy="5047488"/>
+          <a:off x="4343038" y="-658573"/>
+          <a:ext cx="441499" cy="5346192"/>
         </a:xfrm>
         <a:prstGeom prst="round2SameRect">
           <a:avLst/>
@@ -2841,36 +2869,41 @@
           <a:gsLst>
             <a:gs pos="0">
               <a:schemeClr val="accent5">
-                <a:lumMod val="110000"/>
-                <a:satMod val="105000"/>
-                <a:tint val="67000"/>
+                <a:tint val="50000"/>
+                <a:satMod val="300000"/>
               </a:schemeClr>
             </a:gs>
-            <a:gs pos="50000">
+            <a:gs pos="35000">
               <a:schemeClr val="accent5">
-                <a:lumMod val="105000"/>
-                <a:satMod val="103000"/>
-                <a:tint val="73000"/>
+                <a:tint val="37000"/>
+                <a:satMod val="300000"/>
               </a:schemeClr>
             </a:gs>
             <a:gs pos="100000">
               <a:schemeClr val="accent5">
-                <a:lumMod val="105000"/>
-                <a:satMod val="109000"/>
-                <a:tint val="81000"/>
+                <a:tint val="15000"/>
+                <a:satMod val="350000"/>
               </a:schemeClr>
             </a:gs>
           </a:gsLst>
-          <a:lin ang="5400000" scaled="0"/>
+          <a:lin ang="16200000" scaled="1"/>
         </a:gradFill>
-        <a:ln w="6350" cap="flat" cmpd="sng" algn="ctr">
+        <a:ln w="9525" cap="flat" cmpd="sng" algn="ctr">
           <a:solidFill>
-            <a:schemeClr val="accent5"/>
+            <a:schemeClr val="accent5">
+              <a:shade val="95000"/>
+              <a:satMod val="105000"/>
+            </a:schemeClr>
           </a:solidFill>
           <a:prstDash val="solid"/>
-          <a:miter lim="800000"/>
         </a:ln>
-        <a:effectLst/>
+        <a:effectLst>
+          <a:outerShdw blurRad="40000" dist="20000" dir="5400000" rotWithShape="0">
+            <a:srgbClr val="000000">
+              <a:alpha val="38000"/>
+            </a:srgbClr>
+          </a:outerShdw>
+        </a:effectLst>
         <a:scene3d>
           <a:camera prst="orthographicFront"/>
           <a:lightRig rig="flat" dir="t"/>
@@ -2892,12 +2925,12 @@
         </a:fontRef>
       </dsp:style>
       <dsp:txBody>
-        <a:bodyPr spcFirstLastPara="0" vert="horz" wrap="square" lIns="41910" tIns="20955" rIns="41910" bIns="20955" numCol="1" spcCol="1270" anchor="ctr" anchorCtr="0">
+        <a:bodyPr spcFirstLastPara="0" vert="horz" wrap="square" lIns="49530" tIns="24765" rIns="49530" bIns="24765" numCol="1" spcCol="1270" anchor="ctr" anchorCtr="0">
           <a:noAutofit/>
         </a:bodyPr>
         <a:lstStyle/>
         <a:p>
-          <a:pPr marL="57150" lvl="1" indent="-57150" algn="l" defTabSz="488950" rtl="0">
+          <a:pPr marL="114300" lvl="1" indent="-114300" algn="l" defTabSz="577850" rtl="0">
             <a:lnSpc>
               <a:spcPct val="90000"/>
             </a:lnSpc>
@@ -2910,14 +2943,14 @@
             <a:buChar char="•"/>
           </a:pPr>
           <a:r>
-            <a:rPr lang="en-US" sz="1100" kern="1200" dirty="0"/>
+            <a:rPr lang="en-US" sz="1300" kern="1200" dirty="0"/>
             <a:t>Connect receive and send shapes to ports</a:t>
           </a:r>
         </a:p>
       </dsp:txBody>
       <dsp:txXfrm rot="-5400000">
-        <a:off x="1785055" y="1714022"/>
-        <a:ext cx="5027139" cy="376163"/>
+        <a:off x="1890692" y="1815325"/>
+        <a:ext cx="5324640" cy="398395"/>
       </dsp:txXfrm>
     </dsp:sp>
     <dsp:sp modelId="{2B5F9629-87A4-4333-8255-3876546754DC}">
@@ -2927,8 +2960,8 @@
       </dsp:nvSpPr>
       <dsp:spPr>
         <a:xfrm>
-          <a:off x="1054156" y="1641565"/>
-          <a:ext cx="730898" cy="521076"/>
+          <a:off x="1116540" y="1738585"/>
+          <a:ext cx="774151" cy="551873"/>
         </a:xfrm>
         <a:prstGeom prst="roundRect">
           <a:avLst/>
@@ -2937,41 +2970,45 @@
           <a:gsLst>
             <a:gs pos="0">
               <a:schemeClr val="accent1">
-                <a:lumMod val="110000"/>
-                <a:satMod val="105000"/>
-                <a:tint val="67000"/>
+                <a:tint val="50000"/>
+                <a:satMod val="300000"/>
               </a:schemeClr>
             </a:gs>
-            <a:gs pos="50000">
+            <a:gs pos="35000">
               <a:schemeClr val="accent1">
-                <a:lumMod val="105000"/>
-                <a:satMod val="103000"/>
-                <a:tint val="73000"/>
+                <a:tint val="37000"/>
+                <a:satMod val="300000"/>
               </a:schemeClr>
             </a:gs>
             <a:gs pos="100000">
               <a:schemeClr val="accent1">
-                <a:lumMod val="105000"/>
-                <a:satMod val="109000"/>
-                <a:tint val="81000"/>
+                <a:tint val="15000"/>
+                <a:satMod val="350000"/>
               </a:schemeClr>
             </a:gs>
           </a:gsLst>
-          <a:lin ang="5400000" scaled="0"/>
+          <a:lin ang="16200000" scaled="1"/>
         </a:gradFill>
-        <a:ln w="6350" cap="flat" cmpd="sng" algn="ctr">
+        <a:ln w="9525" cap="flat" cmpd="sng" algn="ctr">
           <a:solidFill>
-            <a:schemeClr val="accent1"/>
+            <a:schemeClr val="accent1">
+              <a:shade val="95000"/>
+              <a:satMod val="105000"/>
+            </a:schemeClr>
           </a:solidFill>
           <a:prstDash val="solid"/>
-          <a:miter lim="800000"/>
         </a:ln>
-        <a:effectLst/>
+        <a:effectLst>
+          <a:outerShdw blurRad="40000" dist="20000" dir="5400000" rotWithShape="0">
+            <a:srgbClr val="000000">
+              <a:alpha val="38000"/>
+            </a:srgbClr>
+          </a:outerShdw>
+        </a:effectLst>
         <a:scene3d>
           <a:camera prst="orthographicFront"/>
           <a:lightRig rig="flat" dir="t"/>
         </a:scene3d>
-        <a:sp3d/>
       </dsp:spPr>
       <dsp:style>
         <a:lnRef idx="1">
@@ -2988,12 +3025,12 @@
         </a:fontRef>
       </dsp:style>
       <dsp:txBody>
-        <a:bodyPr spcFirstLastPara="0" vert="horz" wrap="square" lIns="99060" tIns="49530" rIns="99060" bIns="49530" numCol="1" spcCol="1270" anchor="ctr" anchorCtr="0">
+        <a:bodyPr spcFirstLastPara="0" vert="horz" wrap="square" lIns="110490" tIns="55245" rIns="110490" bIns="55245" numCol="1" spcCol="1270" anchor="ctr" anchorCtr="0">
           <a:noAutofit/>
         </a:bodyPr>
         <a:lstStyle/>
         <a:p>
-          <a:pPr marL="0" lvl="0" indent="0" algn="ctr" defTabSz="1155700" rtl="0">
+          <a:pPr marL="0" lvl="0" indent="0" algn="ctr" defTabSz="1289050" rtl="0">
             <a:lnSpc>
               <a:spcPct val="90000"/>
             </a:lnSpc>
@@ -3006,15 +3043,15 @@
             <a:buNone/>
           </a:pPr>
           <a:r>
-            <a:rPr lang="en-US" sz="2600" kern="1200"/>
+            <a:rPr lang="en-US" sz="2900" kern="1200"/>
             <a:t>4</a:t>
           </a:r>
-          <a:endParaRPr lang="en-US" sz="2600" kern="1200" dirty="0"/>
+          <a:endParaRPr lang="en-US" sz="2900" kern="1200" dirty="0"/>
         </a:p>
       </dsp:txBody>
       <dsp:txXfrm>
-        <a:off x="1079593" y="1667002"/>
-        <a:ext cx="680024" cy="470202"/>
+        <a:off x="1143480" y="1765525"/>
+        <a:ext cx="720271" cy="497993"/>
       </dsp:txXfrm>
     </dsp:sp>
     <dsp:sp modelId="{3D1B0631-0032-40A3-85B0-FD9B8847A623}">
@@ -3024,8 +3061,8 @@
       </dsp:nvSpPr>
       <dsp:spPr>
         <a:xfrm rot="5400000">
-          <a:off x="4100368" y="-74509"/>
-          <a:ext cx="416861" cy="5047488"/>
+          <a:off x="4343038" y="-79106"/>
+          <a:ext cx="441499" cy="5346192"/>
         </a:xfrm>
         <a:prstGeom prst="round2SameRect">
           <a:avLst/>
@@ -3034,36 +3071,41 @@
           <a:gsLst>
             <a:gs pos="0">
               <a:schemeClr val="accent5">
-                <a:lumMod val="110000"/>
-                <a:satMod val="105000"/>
-                <a:tint val="67000"/>
+                <a:tint val="50000"/>
+                <a:satMod val="300000"/>
               </a:schemeClr>
             </a:gs>
-            <a:gs pos="50000">
+            <a:gs pos="35000">
               <a:schemeClr val="accent5">
-                <a:lumMod val="105000"/>
-                <a:satMod val="103000"/>
-                <a:tint val="73000"/>
+                <a:tint val="37000"/>
+                <a:satMod val="300000"/>
               </a:schemeClr>
             </a:gs>
             <a:gs pos="100000">
               <a:schemeClr val="accent5">
-                <a:lumMod val="105000"/>
-                <a:satMod val="109000"/>
-                <a:tint val="81000"/>
+                <a:tint val="15000"/>
+                <a:satMod val="350000"/>
               </a:schemeClr>
             </a:gs>
           </a:gsLst>
-          <a:lin ang="5400000" scaled="0"/>
+          <a:lin ang="16200000" scaled="1"/>
         </a:gradFill>
-        <a:ln w="6350" cap="flat" cmpd="sng" algn="ctr">
+        <a:ln w="9525" cap="flat" cmpd="sng" algn="ctr">
           <a:solidFill>
-            <a:schemeClr val="accent5"/>
+            <a:schemeClr val="accent5">
+              <a:shade val="95000"/>
+              <a:satMod val="105000"/>
+            </a:schemeClr>
           </a:solidFill>
           <a:prstDash val="solid"/>
-          <a:miter lim="800000"/>
         </a:ln>
-        <a:effectLst/>
+        <a:effectLst>
+          <a:outerShdw blurRad="40000" dist="20000" dir="5400000" rotWithShape="0">
+            <a:srgbClr val="000000">
+              <a:alpha val="38000"/>
+            </a:srgbClr>
+          </a:outerShdw>
+        </a:effectLst>
         <a:scene3d>
           <a:camera prst="orthographicFront"/>
           <a:lightRig rig="flat" dir="t"/>
@@ -3085,12 +3127,12 @@
         </a:fontRef>
       </dsp:style>
       <dsp:txBody>
-        <a:bodyPr spcFirstLastPara="0" vert="horz" wrap="square" lIns="41910" tIns="20955" rIns="41910" bIns="20955" numCol="1" spcCol="1270" anchor="ctr" anchorCtr="0">
+        <a:bodyPr spcFirstLastPara="0" vert="horz" wrap="square" lIns="49530" tIns="24765" rIns="49530" bIns="24765" numCol="1" spcCol="1270" anchor="ctr" anchorCtr="0">
           <a:noAutofit/>
         </a:bodyPr>
         <a:lstStyle/>
         <a:p>
-          <a:pPr marL="57150" lvl="1" indent="-57150" algn="l" defTabSz="488950" rtl="0">
+          <a:pPr marL="114300" lvl="1" indent="-114300" algn="l" defTabSz="577850" rtl="0">
             <a:lnSpc>
               <a:spcPct val="90000"/>
             </a:lnSpc>
@@ -3103,14 +3145,14 @@
             <a:buChar char="•"/>
           </a:pPr>
           <a:r>
-            <a:rPr lang="en-US" sz="1100" kern="1200" dirty="0"/>
+            <a:rPr lang="en-US" sz="1300" kern="1200" dirty="0"/>
             <a:t>Transform and otherwise process the messages to complete the business process</a:t>
           </a:r>
         </a:p>
       </dsp:txBody>
       <dsp:txXfrm rot="-5400000">
-        <a:off x="1785055" y="2261153"/>
-        <a:ext cx="5027139" cy="376163"/>
+        <a:off x="1890692" y="2394792"/>
+        <a:ext cx="5324640" cy="398395"/>
       </dsp:txXfrm>
     </dsp:sp>
     <dsp:sp modelId="{39A0F9F3-4CB7-4BF6-BAC8-7A839E4552BC}">
@@ -3120,8 +3162,8 @@
       </dsp:nvSpPr>
       <dsp:spPr>
         <a:xfrm>
-          <a:off x="1054156" y="2188695"/>
-          <a:ext cx="730898" cy="521076"/>
+          <a:off x="1116540" y="2318052"/>
+          <a:ext cx="774151" cy="551873"/>
         </a:xfrm>
         <a:prstGeom prst="roundRect">
           <a:avLst/>
@@ -3130,41 +3172,45 @@
           <a:gsLst>
             <a:gs pos="0">
               <a:schemeClr val="accent1">
-                <a:lumMod val="110000"/>
-                <a:satMod val="105000"/>
-                <a:tint val="67000"/>
+                <a:tint val="50000"/>
+                <a:satMod val="300000"/>
               </a:schemeClr>
             </a:gs>
-            <a:gs pos="50000">
+            <a:gs pos="35000">
               <a:schemeClr val="accent1">
-                <a:lumMod val="105000"/>
-                <a:satMod val="103000"/>
-                <a:tint val="73000"/>
+                <a:tint val="37000"/>
+                <a:satMod val="300000"/>
               </a:schemeClr>
             </a:gs>
             <a:gs pos="100000">
               <a:schemeClr val="accent1">
-                <a:lumMod val="105000"/>
-                <a:satMod val="109000"/>
-                <a:tint val="81000"/>
+                <a:tint val="15000"/>
+                <a:satMod val="350000"/>
               </a:schemeClr>
             </a:gs>
           </a:gsLst>
-          <a:lin ang="5400000" scaled="0"/>
+          <a:lin ang="16200000" scaled="1"/>
         </a:gradFill>
-        <a:ln w="6350" cap="flat" cmpd="sng" algn="ctr">
+        <a:ln w="9525" cap="flat" cmpd="sng" algn="ctr">
           <a:solidFill>
-            <a:schemeClr val="accent1"/>
+            <a:schemeClr val="accent1">
+              <a:shade val="95000"/>
+              <a:satMod val="105000"/>
+            </a:schemeClr>
           </a:solidFill>
           <a:prstDash val="solid"/>
-          <a:miter lim="800000"/>
         </a:ln>
-        <a:effectLst/>
+        <a:effectLst>
+          <a:outerShdw blurRad="40000" dist="20000" dir="5400000" rotWithShape="0">
+            <a:srgbClr val="000000">
+              <a:alpha val="38000"/>
+            </a:srgbClr>
+          </a:outerShdw>
+        </a:effectLst>
         <a:scene3d>
           <a:camera prst="orthographicFront"/>
           <a:lightRig rig="flat" dir="t"/>
         </a:scene3d>
-        <a:sp3d/>
       </dsp:spPr>
       <dsp:style>
         <a:lnRef idx="1">
@@ -3181,12 +3227,12 @@
         </a:fontRef>
       </dsp:style>
       <dsp:txBody>
-        <a:bodyPr spcFirstLastPara="0" vert="horz" wrap="square" lIns="99060" tIns="49530" rIns="99060" bIns="49530" numCol="1" spcCol="1270" anchor="ctr" anchorCtr="0">
+        <a:bodyPr spcFirstLastPara="0" vert="horz" wrap="square" lIns="110490" tIns="55245" rIns="110490" bIns="55245" numCol="1" spcCol="1270" anchor="ctr" anchorCtr="0">
           <a:noAutofit/>
         </a:bodyPr>
         <a:lstStyle/>
         <a:p>
-          <a:pPr marL="0" lvl="0" indent="0" algn="ctr" defTabSz="1155700" rtl="0">
+          <a:pPr marL="0" lvl="0" indent="0" algn="ctr" defTabSz="1289050" rtl="0">
             <a:lnSpc>
               <a:spcPct val="90000"/>
             </a:lnSpc>
@@ -3199,14 +3245,14 @@
             <a:buNone/>
           </a:pPr>
           <a:r>
-            <a:rPr lang="en-US" sz="2600" kern="1200" dirty="0"/>
+            <a:rPr lang="en-US" sz="2900" kern="1200" dirty="0"/>
             <a:t>5</a:t>
           </a:r>
         </a:p>
       </dsp:txBody>
       <dsp:txXfrm>
-        <a:off x="1079593" y="2214132"/>
-        <a:ext cx="680024" cy="470202"/>
+        <a:off x="1143480" y="2344992"/>
+        <a:ext cx="720271" cy="497993"/>
       </dsp:txXfrm>
     </dsp:sp>
     <dsp:sp modelId="{30AB6637-9A62-4D5A-B033-8441DA4840C6}">
@@ -3216,8 +3262,8 @@
       </dsp:nvSpPr>
       <dsp:spPr>
         <a:xfrm rot="5400000">
-          <a:off x="4100368" y="472621"/>
-          <a:ext cx="416861" cy="5047488"/>
+          <a:off x="4343038" y="500361"/>
+          <a:ext cx="441499" cy="5346192"/>
         </a:xfrm>
         <a:prstGeom prst="round2SameRect">
           <a:avLst/>
@@ -3226,36 +3272,41 @@
           <a:gsLst>
             <a:gs pos="0">
               <a:schemeClr val="accent5">
-                <a:lumMod val="110000"/>
-                <a:satMod val="105000"/>
-                <a:tint val="67000"/>
+                <a:tint val="50000"/>
+                <a:satMod val="300000"/>
               </a:schemeClr>
             </a:gs>
-            <a:gs pos="50000">
+            <a:gs pos="35000">
               <a:schemeClr val="accent5">
-                <a:lumMod val="105000"/>
-                <a:satMod val="103000"/>
-                <a:tint val="73000"/>
+                <a:tint val="37000"/>
+                <a:satMod val="300000"/>
               </a:schemeClr>
             </a:gs>
             <a:gs pos="100000">
               <a:schemeClr val="accent5">
-                <a:lumMod val="105000"/>
-                <a:satMod val="109000"/>
-                <a:tint val="81000"/>
+                <a:tint val="15000"/>
+                <a:satMod val="350000"/>
               </a:schemeClr>
             </a:gs>
           </a:gsLst>
-          <a:lin ang="5400000" scaled="0"/>
+          <a:lin ang="16200000" scaled="1"/>
         </a:gradFill>
-        <a:ln w="6350" cap="flat" cmpd="sng" algn="ctr">
+        <a:ln w="9525" cap="flat" cmpd="sng" algn="ctr">
           <a:solidFill>
-            <a:schemeClr val="accent5"/>
+            <a:schemeClr val="accent5">
+              <a:shade val="95000"/>
+              <a:satMod val="105000"/>
+            </a:schemeClr>
           </a:solidFill>
           <a:prstDash val="solid"/>
-          <a:miter lim="800000"/>
         </a:ln>
-        <a:effectLst/>
+        <a:effectLst>
+          <a:outerShdw blurRad="40000" dist="20000" dir="5400000" rotWithShape="0">
+            <a:srgbClr val="000000">
+              <a:alpha val="38000"/>
+            </a:srgbClr>
+          </a:outerShdw>
+        </a:effectLst>
         <a:scene3d>
           <a:camera prst="orthographicFront"/>
           <a:lightRig rig="flat" dir="t"/>
@@ -3277,12 +3328,12 @@
         </a:fontRef>
       </dsp:style>
       <dsp:txBody>
-        <a:bodyPr spcFirstLastPara="0" vert="horz" wrap="square" lIns="41910" tIns="20955" rIns="41910" bIns="20955" numCol="1" spcCol="1270" anchor="ctr" anchorCtr="0">
+        <a:bodyPr spcFirstLastPara="0" vert="horz" wrap="square" lIns="49530" tIns="24765" rIns="49530" bIns="24765" numCol="1" spcCol="1270" anchor="ctr" anchorCtr="0">
           <a:noAutofit/>
         </a:bodyPr>
         <a:lstStyle/>
         <a:p>
-          <a:pPr marL="57150" lvl="1" indent="-57150" algn="l" defTabSz="488950" rtl="0">
+          <a:pPr marL="114300" lvl="1" indent="-114300" algn="l" defTabSz="577850" rtl="0">
             <a:lnSpc>
               <a:spcPct val="90000"/>
             </a:lnSpc>
@@ -3295,14 +3346,14 @@
             <a:buChar char="•"/>
           </a:pPr>
           <a:r>
-            <a:rPr lang="en-US" sz="1100" kern="1200" dirty="0"/>
+            <a:rPr lang="en-US" sz="1300" kern="1200" dirty="0"/>
             <a:t>Build the orchestration</a:t>
           </a:r>
         </a:p>
       </dsp:txBody>
       <dsp:txXfrm rot="-5400000">
-        <a:off x="1785055" y="2808284"/>
-        <a:ext cx="5027139" cy="376163"/>
+        <a:off x="1890692" y="2974259"/>
+        <a:ext cx="5324640" cy="398395"/>
       </dsp:txXfrm>
     </dsp:sp>
     <dsp:sp modelId="{90266AE3-A32C-4E0B-A200-54AB7459131E}">
@@ -3312,8 +3363,8 @@
       </dsp:nvSpPr>
       <dsp:spPr>
         <a:xfrm>
-          <a:off x="1054156" y="2735826"/>
-          <a:ext cx="730898" cy="521076"/>
+          <a:off x="1116540" y="2897520"/>
+          <a:ext cx="774151" cy="551873"/>
         </a:xfrm>
         <a:prstGeom prst="roundRect">
           <a:avLst/>
@@ -3322,41 +3373,45 @@
           <a:gsLst>
             <a:gs pos="0">
               <a:schemeClr val="accent1">
-                <a:lumMod val="110000"/>
-                <a:satMod val="105000"/>
-                <a:tint val="67000"/>
+                <a:tint val="50000"/>
+                <a:satMod val="300000"/>
               </a:schemeClr>
             </a:gs>
-            <a:gs pos="50000">
+            <a:gs pos="35000">
               <a:schemeClr val="accent1">
-                <a:lumMod val="105000"/>
-                <a:satMod val="103000"/>
-                <a:tint val="73000"/>
+                <a:tint val="37000"/>
+                <a:satMod val="300000"/>
               </a:schemeClr>
             </a:gs>
             <a:gs pos="100000">
               <a:schemeClr val="accent1">
-                <a:lumMod val="105000"/>
-                <a:satMod val="109000"/>
-                <a:tint val="81000"/>
+                <a:tint val="15000"/>
+                <a:satMod val="350000"/>
               </a:schemeClr>
             </a:gs>
           </a:gsLst>
-          <a:lin ang="5400000" scaled="0"/>
+          <a:lin ang="16200000" scaled="1"/>
         </a:gradFill>
-        <a:ln w="6350" cap="flat" cmpd="sng" algn="ctr">
+        <a:ln w="9525" cap="flat" cmpd="sng" algn="ctr">
           <a:solidFill>
-            <a:schemeClr val="accent1"/>
+            <a:schemeClr val="accent1">
+              <a:shade val="95000"/>
+              <a:satMod val="105000"/>
+            </a:schemeClr>
           </a:solidFill>
           <a:prstDash val="solid"/>
-          <a:miter lim="800000"/>
         </a:ln>
-        <a:effectLst/>
+        <a:effectLst>
+          <a:outerShdw blurRad="40000" dist="20000" dir="5400000" rotWithShape="0">
+            <a:srgbClr val="000000">
+              <a:alpha val="38000"/>
+            </a:srgbClr>
+          </a:outerShdw>
+        </a:effectLst>
         <a:scene3d>
           <a:camera prst="orthographicFront"/>
           <a:lightRig rig="flat" dir="t"/>
         </a:scene3d>
-        <a:sp3d/>
       </dsp:spPr>
       <dsp:style>
         <a:lnRef idx="1">
@@ -3373,12 +3428,12 @@
         </a:fontRef>
       </dsp:style>
       <dsp:txBody>
-        <a:bodyPr spcFirstLastPara="0" vert="horz" wrap="square" lIns="99060" tIns="49530" rIns="99060" bIns="49530" numCol="1" spcCol="1270" anchor="ctr" anchorCtr="0">
+        <a:bodyPr spcFirstLastPara="0" vert="horz" wrap="square" lIns="110490" tIns="55245" rIns="110490" bIns="55245" numCol="1" spcCol="1270" anchor="ctr" anchorCtr="0">
           <a:noAutofit/>
         </a:bodyPr>
         <a:lstStyle/>
         <a:p>
-          <a:pPr marL="0" lvl="0" indent="0" algn="ctr" defTabSz="1155700" rtl="0">
+          <a:pPr marL="0" lvl="0" indent="0" algn="ctr" defTabSz="1289050" rtl="0">
             <a:lnSpc>
               <a:spcPct val="90000"/>
             </a:lnSpc>
@@ -3391,14 +3446,14 @@
             <a:buNone/>
           </a:pPr>
           <a:r>
-            <a:rPr lang="en-US" sz="2600" kern="1200" dirty="0"/>
+            <a:rPr lang="en-US" sz="2900" kern="1200" dirty="0"/>
             <a:t>6</a:t>
           </a:r>
         </a:p>
       </dsp:txBody>
       <dsp:txXfrm>
-        <a:off x="1079593" y="2761263"/>
-        <a:ext cx="680024" cy="470202"/>
+        <a:off x="1143480" y="2924460"/>
+        <a:ext cx="720271" cy="497993"/>
       </dsp:txXfrm>
     </dsp:sp>
     <dsp:sp modelId="{29725053-3690-4A4A-97CF-0AFFCCD144BE}">
@@ -3408,8 +3463,8 @@
       </dsp:nvSpPr>
       <dsp:spPr>
         <a:xfrm rot="5400000">
-          <a:off x="4100368" y="1019752"/>
-          <a:ext cx="416861" cy="5047488"/>
+          <a:off x="4343038" y="1079828"/>
+          <a:ext cx="441499" cy="5346192"/>
         </a:xfrm>
         <a:prstGeom prst="round2SameRect">
           <a:avLst/>
@@ -3418,36 +3473,41 @@
           <a:gsLst>
             <a:gs pos="0">
               <a:schemeClr val="accent5">
-                <a:lumMod val="110000"/>
-                <a:satMod val="105000"/>
-                <a:tint val="67000"/>
+                <a:tint val="50000"/>
+                <a:satMod val="300000"/>
               </a:schemeClr>
             </a:gs>
-            <a:gs pos="50000">
+            <a:gs pos="35000">
               <a:schemeClr val="accent5">
-                <a:lumMod val="105000"/>
-                <a:satMod val="103000"/>
-                <a:tint val="73000"/>
+                <a:tint val="37000"/>
+                <a:satMod val="300000"/>
               </a:schemeClr>
             </a:gs>
             <a:gs pos="100000">
               <a:schemeClr val="accent5">
-                <a:lumMod val="105000"/>
-                <a:satMod val="109000"/>
-                <a:tint val="81000"/>
+                <a:tint val="15000"/>
+                <a:satMod val="350000"/>
               </a:schemeClr>
             </a:gs>
           </a:gsLst>
-          <a:lin ang="5400000" scaled="0"/>
+          <a:lin ang="16200000" scaled="1"/>
         </a:gradFill>
-        <a:ln w="6350" cap="flat" cmpd="sng" algn="ctr">
+        <a:ln w="9525" cap="flat" cmpd="sng" algn="ctr">
           <a:solidFill>
-            <a:schemeClr val="accent5"/>
+            <a:schemeClr val="accent5">
+              <a:shade val="95000"/>
+              <a:satMod val="105000"/>
+            </a:schemeClr>
           </a:solidFill>
           <a:prstDash val="solid"/>
-          <a:miter lim="800000"/>
         </a:ln>
-        <a:effectLst/>
+        <a:effectLst>
+          <a:outerShdw blurRad="40000" dist="20000" dir="5400000" rotWithShape="0">
+            <a:srgbClr val="000000">
+              <a:alpha val="38000"/>
+            </a:srgbClr>
+          </a:outerShdw>
+        </a:effectLst>
         <a:scene3d>
           <a:camera prst="orthographicFront"/>
           <a:lightRig rig="flat" dir="t"/>
@@ -3469,12 +3529,12 @@
         </a:fontRef>
       </dsp:style>
       <dsp:txBody>
-        <a:bodyPr spcFirstLastPara="0" vert="horz" wrap="square" lIns="41910" tIns="20955" rIns="41910" bIns="20955" numCol="1" spcCol="1270" anchor="ctr" anchorCtr="0">
+        <a:bodyPr spcFirstLastPara="0" vert="horz" wrap="square" lIns="49530" tIns="24765" rIns="49530" bIns="24765" numCol="1" spcCol="1270" anchor="ctr" anchorCtr="0">
           <a:noAutofit/>
         </a:bodyPr>
         <a:lstStyle/>
         <a:p>
-          <a:pPr marL="57150" lvl="1" indent="-57150" algn="l" defTabSz="488950">
+          <a:pPr marL="114300" lvl="1" indent="-114300" algn="l" defTabSz="577850">
             <a:lnSpc>
               <a:spcPct val="90000"/>
             </a:lnSpc>
@@ -3487,15 +3547,15 @@
             <a:buChar char="•"/>
           </a:pPr>
           <a:r>
-            <a:rPr lang="en-US" sz="1100" kern="1200" dirty="0"/>
+            <a:rPr lang="en-US" sz="1300" kern="1200" dirty="0"/>
             <a:t>Deploy and bind the orchestration</a:t>
           </a:r>
-          <a:endParaRPr lang="sv-SE" sz="1100" kern="1200" dirty="0"/>
+          <a:endParaRPr lang="sv-SE" sz="1300" kern="1200" dirty="0"/>
         </a:p>
       </dsp:txBody>
       <dsp:txXfrm rot="-5400000">
-        <a:off x="1785055" y="3355415"/>
-        <a:ext cx="5027139" cy="376163"/>
+        <a:off x="1890692" y="3553726"/>
+        <a:ext cx="5324640" cy="398395"/>
       </dsp:txXfrm>
     </dsp:sp>
     <dsp:sp modelId="{4DC76654-D347-49FF-AFF2-9901AB9DB73E}">
@@ -3505,8 +3565,8 @@
       </dsp:nvSpPr>
       <dsp:spPr>
         <a:xfrm>
-          <a:off x="1054156" y="3282957"/>
-          <a:ext cx="730898" cy="521076"/>
+          <a:off x="1116540" y="3476987"/>
+          <a:ext cx="774151" cy="551873"/>
         </a:xfrm>
         <a:prstGeom prst="roundRect">
           <a:avLst/>
@@ -3515,41 +3575,45 @@
           <a:gsLst>
             <a:gs pos="0">
               <a:schemeClr val="accent1">
-                <a:lumMod val="110000"/>
-                <a:satMod val="105000"/>
-                <a:tint val="67000"/>
+                <a:tint val="50000"/>
+                <a:satMod val="300000"/>
               </a:schemeClr>
             </a:gs>
-            <a:gs pos="50000">
+            <a:gs pos="35000">
               <a:schemeClr val="accent1">
-                <a:lumMod val="105000"/>
-                <a:satMod val="103000"/>
-                <a:tint val="73000"/>
+                <a:tint val="37000"/>
+                <a:satMod val="300000"/>
               </a:schemeClr>
             </a:gs>
             <a:gs pos="100000">
               <a:schemeClr val="accent1">
-                <a:lumMod val="105000"/>
-                <a:satMod val="109000"/>
-                <a:tint val="81000"/>
+                <a:tint val="15000"/>
+                <a:satMod val="350000"/>
               </a:schemeClr>
             </a:gs>
           </a:gsLst>
-          <a:lin ang="5400000" scaled="0"/>
+          <a:lin ang="16200000" scaled="1"/>
         </a:gradFill>
-        <a:ln w="6350" cap="flat" cmpd="sng" algn="ctr">
+        <a:ln w="9525" cap="flat" cmpd="sng" algn="ctr">
           <a:solidFill>
-            <a:schemeClr val="accent1"/>
+            <a:schemeClr val="accent1">
+              <a:shade val="95000"/>
+              <a:satMod val="105000"/>
+            </a:schemeClr>
           </a:solidFill>
           <a:prstDash val="solid"/>
-          <a:miter lim="800000"/>
         </a:ln>
-        <a:effectLst/>
+        <a:effectLst>
+          <a:outerShdw blurRad="40000" dist="20000" dir="5400000" rotWithShape="0">
+            <a:srgbClr val="000000">
+              <a:alpha val="38000"/>
+            </a:srgbClr>
+          </a:outerShdw>
+        </a:effectLst>
         <a:scene3d>
           <a:camera prst="orthographicFront"/>
           <a:lightRig rig="flat" dir="t"/>
         </a:scene3d>
-        <a:sp3d/>
       </dsp:spPr>
       <dsp:style>
         <a:lnRef idx="1">
@@ -3566,12 +3630,12 @@
         </a:fontRef>
       </dsp:style>
       <dsp:txBody>
-        <a:bodyPr spcFirstLastPara="0" vert="horz" wrap="square" lIns="99060" tIns="49530" rIns="99060" bIns="49530" numCol="1" spcCol="1270" anchor="ctr" anchorCtr="0">
+        <a:bodyPr spcFirstLastPara="0" vert="horz" wrap="square" lIns="110490" tIns="55245" rIns="110490" bIns="55245" numCol="1" spcCol="1270" anchor="ctr" anchorCtr="0">
           <a:noAutofit/>
         </a:bodyPr>
         <a:lstStyle/>
         <a:p>
-          <a:pPr marL="0" lvl="0" indent="0" algn="ctr" defTabSz="1155700" rtl="0">
+          <a:pPr marL="0" lvl="0" indent="0" algn="ctr" defTabSz="1289050" rtl="0">
             <a:lnSpc>
               <a:spcPct val="90000"/>
             </a:lnSpc>
@@ -3584,14 +3648,14 @@
             <a:buNone/>
           </a:pPr>
           <a:r>
-            <a:rPr lang="en-US" sz="2600" kern="1200" dirty="0"/>
+            <a:rPr lang="en-US" sz="2900" kern="1200" dirty="0"/>
             <a:t>7</a:t>
           </a:r>
         </a:p>
       </dsp:txBody>
       <dsp:txXfrm>
-        <a:off x="1079593" y="3308394"/>
-        <a:ext cx="680024" cy="470202"/>
+        <a:off x="1143480" y="3503927"/>
+        <a:ext cx="720271" cy="497993"/>
       </dsp:txXfrm>
     </dsp:sp>
     <dsp:sp modelId="{6B068343-8AEE-4D1A-BB98-49539ECB81C6}">
@@ -3601,8 +3665,8 @@
       </dsp:nvSpPr>
       <dsp:spPr>
         <a:xfrm rot="5400000">
-          <a:off x="4100368" y="1566882"/>
-          <a:ext cx="416861" cy="5047488"/>
+          <a:off x="4343038" y="1659296"/>
+          <a:ext cx="441499" cy="5346192"/>
         </a:xfrm>
         <a:prstGeom prst="round2SameRect">
           <a:avLst/>
@@ -3611,36 +3675,41 @@
           <a:gsLst>
             <a:gs pos="0">
               <a:schemeClr val="accent5">
-                <a:lumMod val="110000"/>
-                <a:satMod val="105000"/>
-                <a:tint val="67000"/>
+                <a:tint val="50000"/>
+                <a:satMod val="300000"/>
               </a:schemeClr>
             </a:gs>
-            <a:gs pos="50000">
+            <a:gs pos="35000">
               <a:schemeClr val="accent5">
-                <a:lumMod val="105000"/>
-                <a:satMod val="103000"/>
-                <a:tint val="73000"/>
+                <a:tint val="37000"/>
+                <a:satMod val="300000"/>
               </a:schemeClr>
             </a:gs>
             <a:gs pos="100000">
               <a:schemeClr val="accent5">
-                <a:lumMod val="105000"/>
-                <a:satMod val="109000"/>
-                <a:tint val="81000"/>
+                <a:tint val="15000"/>
+                <a:satMod val="350000"/>
               </a:schemeClr>
             </a:gs>
           </a:gsLst>
-          <a:lin ang="5400000" scaled="0"/>
+          <a:lin ang="16200000" scaled="1"/>
         </a:gradFill>
-        <a:ln w="6350" cap="flat" cmpd="sng" algn="ctr">
+        <a:ln w="9525" cap="flat" cmpd="sng" algn="ctr">
           <a:solidFill>
-            <a:schemeClr val="accent5"/>
+            <a:schemeClr val="accent5">
+              <a:shade val="95000"/>
+              <a:satMod val="105000"/>
+            </a:schemeClr>
           </a:solidFill>
           <a:prstDash val="solid"/>
-          <a:miter lim="800000"/>
         </a:ln>
-        <a:effectLst/>
+        <a:effectLst>
+          <a:outerShdw blurRad="40000" dist="20000" dir="5400000" rotWithShape="0">
+            <a:srgbClr val="000000">
+              <a:alpha val="38000"/>
+            </a:srgbClr>
+          </a:outerShdw>
+        </a:effectLst>
         <a:scene3d>
           <a:camera prst="orthographicFront"/>
           <a:lightRig rig="flat" dir="t"/>
@@ -3662,12 +3731,12 @@
         </a:fontRef>
       </dsp:style>
       <dsp:txBody>
-        <a:bodyPr spcFirstLastPara="0" vert="horz" wrap="square" lIns="41910" tIns="20955" rIns="41910" bIns="20955" numCol="1" spcCol="1270" anchor="ctr" anchorCtr="0">
+        <a:bodyPr spcFirstLastPara="0" vert="horz" wrap="square" lIns="49530" tIns="24765" rIns="49530" bIns="24765" numCol="1" spcCol="1270" anchor="ctr" anchorCtr="0">
           <a:noAutofit/>
         </a:bodyPr>
         <a:lstStyle/>
         <a:p>
-          <a:pPr marL="57150" lvl="1" indent="-57150" algn="l" defTabSz="488950" rtl="0">
+          <a:pPr marL="114300" lvl="1" indent="-114300" algn="l" defTabSz="577850" rtl="0">
             <a:lnSpc>
               <a:spcPct val="90000"/>
             </a:lnSpc>
@@ -3680,14 +3749,14 @@
             <a:buChar char="•"/>
           </a:pPr>
           <a:r>
-            <a:rPr lang="en-US" sz="1100" kern="1200" dirty="0"/>
+            <a:rPr lang="en-US" sz="1300" kern="1200" dirty="0"/>
             <a:t>Start and test the orchestration</a:t>
           </a:r>
         </a:p>
       </dsp:txBody>
       <dsp:txXfrm rot="-5400000">
-        <a:off x="1785055" y="3902545"/>
-        <a:ext cx="5027139" cy="376163"/>
+        <a:off x="1890692" y="4133194"/>
+        <a:ext cx="5324640" cy="398395"/>
       </dsp:txXfrm>
     </dsp:sp>
     <dsp:sp modelId="{5EB87B31-1029-4A1F-9C0A-AFFB28CA0F5E}">
@@ -3697,8 +3766,8 @@
       </dsp:nvSpPr>
       <dsp:spPr>
         <a:xfrm>
-          <a:off x="1054156" y="3830088"/>
-          <a:ext cx="730898" cy="521076"/>
+          <a:off x="1116540" y="4056455"/>
+          <a:ext cx="774151" cy="551873"/>
         </a:xfrm>
         <a:prstGeom prst="roundRect">
           <a:avLst/>
@@ -3707,41 +3776,45 @@
           <a:gsLst>
             <a:gs pos="0">
               <a:schemeClr val="accent1">
-                <a:lumMod val="110000"/>
-                <a:satMod val="105000"/>
-                <a:tint val="67000"/>
+                <a:tint val="50000"/>
+                <a:satMod val="300000"/>
               </a:schemeClr>
             </a:gs>
-            <a:gs pos="50000">
+            <a:gs pos="35000">
               <a:schemeClr val="accent1">
-                <a:lumMod val="105000"/>
-                <a:satMod val="103000"/>
-                <a:tint val="73000"/>
+                <a:tint val="37000"/>
+                <a:satMod val="300000"/>
               </a:schemeClr>
             </a:gs>
             <a:gs pos="100000">
               <a:schemeClr val="accent1">
-                <a:lumMod val="105000"/>
-                <a:satMod val="109000"/>
-                <a:tint val="81000"/>
+                <a:tint val="15000"/>
+                <a:satMod val="350000"/>
               </a:schemeClr>
             </a:gs>
           </a:gsLst>
-          <a:lin ang="5400000" scaled="0"/>
+          <a:lin ang="16200000" scaled="1"/>
         </a:gradFill>
-        <a:ln w="6350" cap="flat" cmpd="sng" algn="ctr">
+        <a:ln w="9525" cap="flat" cmpd="sng" algn="ctr">
           <a:solidFill>
-            <a:schemeClr val="accent1"/>
+            <a:schemeClr val="accent1">
+              <a:shade val="95000"/>
+              <a:satMod val="105000"/>
+            </a:schemeClr>
           </a:solidFill>
           <a:prstDash val="solid"/>
-          <a:miter lim="800000"/>
         </a:ln>
-        <a:effectLst/>
+        <a:effectLst>
+          <a:outerShdw blurRad="40000" dist="20000" dir="5400000" rotWithShape="0">
+            <a:srgbClr val="000000">
+              <a:alpha val="38000"/>
+            </a:srgbClr>
+          </a:outerShdw>
+        </a:effectLst>
         <a:scene3d>
           <a:camera prst="orthographicFront"/>
           <a:lightRig rig="flat" dir="t"/>
         </a:scene3d>
-        <a:sp3d/>
       </dsp:spPr>
       <dsp:style>
         <a:lnRef idx="1">
@@ -3758,12 +3831,12 @@
         </a:fontRef>
       </dsp:style>
       <dsp:txBody>
-        <a:bodyPr spcFirstLastPara="0" vert="horz" wrap="square" lIns="99060" tIns="49530" rIns="99060" bIns="49530" numCol="1" spcCol="1270" anchor="ctr" anchorCtr="0">
+        <a:bodyPr spcFirstLastPara="0" vert="horz" wrap="square" lIns="110490" tIns="55245" rIns="110490" bIns="55245" numCol="1" spcCol="1270" anchor="ctr" anchorCtr="0">
           <a:noAutofit/>
         </a:bodyPr>
         <a:lstStyle/>
         <a:p>
-          <a:pPr marL="0" lvl="0" indent="0" algn="ctr" defTabSz="1155700" rtl="0">
+          <a:pPr marL="0" lvl="0" indent="0" algn="ctr" defTabSz="1289050" rtl="0">
             <a:lnSpc>
               <a:spcPct val="90000"/>
             </a:lnSpc>
@@ -3776,14 +3849,14 @@
             <a:buNone/>
           </a:pPr>
           <a:r>
-            <a:rPr lang="en-US" sz="2600" kern="1200" dirty="0"/>
+            <a:rPr lang="en-US" sz="2900" kern="1200" dirty="0"/>
             <a:t>8</a:t>
           </a:r>
         </a:p>
       </dsp:txBody>
       <dsp:txXfrm>
-        <a:off x="1079593" y="3855525"/>
-        <a:ext cx="680024" cy="470202"/>
+        <a:off x="1143480" y="4083395"/>
+        <a:ext cx="720271" cy="497993"/>
       </dsp:txXfrm>
     </dsp:sp>
   </dsp:spTree>
@@ -5266,7 +5339,7 @@
               <a:pPr>
                 <a:defRPr/>
               </a:pPr>
-              <a:t>09 December 2016</a:t>
+              <a:t>16 December 2016</a:t>
             </a:fld>
             <a:endParaRPr lang="de-DE"/>
           </a:p>
@@ -5578,7 +5651,7 @@
               <a:pPr>
                 <a:defRPr/>
               </a:pPr>
-              <a:t>9. Dezember 2016</a:t>
+              <a:t>16. Dezember 2016</a:t>
             </a:fld>
             <a:r>
               <a:rPr lang="de-DE"/>
@@ -5896,7 +5969,7 @@
               <a:pPr>
                 <a:defRPr/>
               </a:pPr>
-              <a:t>9. Dezember 2016</a:t>
+              <a:t>16. Dezember 2016</a:t>
             </a:fld>
             <a:r>
               <a:rPr lang="de-DE"/>
@@ -6042,7 +6115,7 @@
               <a:pPr>
                 <a:defRPr/>
               </a:pPr>
-              <a:t>9. Dezember 2016</a:t>
+              <a:t>16. Dezember 2016</a:t>
             </a:fld>
             <a:r>
               <a:rPr lang="de-DE"/>
@@ -6371,7 +6444,7 @@
               <a:pPr>
                 <a:defRPr/>
               </a:pPr>
-              <a:t>9. Dezember 2016</a:t>
+              <a:t>16. Dezember 2016</a:t>
             </a:fld>
             <a:r>
               <a:rPr lang="de-DE"/>
@@ -6495,7 +6568,7 @@
               <a:pPr>
                 <a:defRPr/>
               </a:pPr>
-              <a:t>9. Dezember 2016</a:t>
+              <a:t>16. Dezember 2016</a:t>
             </a:fld>
             <a:r>
               <a:rPr lang="de-DE"/>
@@ -6591,7 +6664,6 @@
               <a:rPr lang="en-US"/>
               <a:t>Click to edit Master title style</a:t>
             </a:r>
-            <a:endParaRPr lang="en-US"/>
           </a:p>
         </p:txBody>
       </p:sp>
@@ -6656,7 +6728,6 @@
               <a:rPr lang="en-US"/>
               <a:t>Click to edit Master subtitle style</a:t>
             </a:r>
-            <a:endParaRPr lang="en-US"/>
           </a:p>
         </p:txBody>
       </p:sp>
@@ -6677,7 +6748,7 @@
           <a:p>
             <a:fld id="{03B38507-6AEA-4C49-9333-41CEBC218416}" type="datetimeFigureOut">
               <a:rPr lang="en-US" smtClean="0"/>
-              <a:t>12/9/2016</a:t>
+              <a:t>12/16/2016</a:t>
             </a:fld>
             <a:endParaRPr lang="en-US"/>
           </a:p>
@@ -6774,7 +6845,6 @@
               <a:rPr lang="en-US"/>
               <a:t>Click to edit Master title style</a:t>
             </a:r>
-            <a:endParaRPr lang="en-US"/>
           </a:p>
         </p:txBody>
       </p:sp>
@@ -6826,7 +6896,6 @@
               <a:rPr lang="en-US"/>
               <a:t>Fifth level</a:t>
             </a:r>
-            <a:endParaRPr lang="en-US"/>
           </a:p>
         </p:txBody>
       </p:sp>
@@ -6847,7 +6916,7 @@
           <a:p>
             <a:fld id="{03B38507-6AEA-4C49-9333-41CEBC218416}" type="datetimeFigureOut">
               <a:rPr lang="en-US" smtClean="0"/>
-              <a:t>12/9/2016</a:t>
+              <a:t>12/16/2016</a:t>
             </a:fld>
             <a:endParaRPr lang="en-US"/>
           </a:p>
@@ -6949,7 +7018,6 @@
               <a:rPr lang="en-US"/>
               <a:t>Click to edit Master title style</a:t>
             </a:r>
-            <a:endParaRPr lang="en-US"/>
           </a:p>
         </p:txBody>
       </p:sp>
@@ -7006,7 +7074,6 @@
               <a:rPr lang="en-US"/>
               <a:t>Fifth level</a:t>
             </a:r>
-            <a:endParaRPr lang="en-US"/>
           </a:p>
         </p:txBody>
       </p:sp>
@@ -7027,7 +7094,7 @@
           <a:p>
             <a:fld id="{03B38507-6AEA-4C49-9333-41CEBC218416}" type="datetimeFigureOut">
               <a:rPr lang="en-US" smtClean="0"/>
-              <a:t>12/9/2016</a:t>
+              <a:t>12/16/2016</a:t>
             </a:fld>
             <a:endParaRPr lang="en-US"/>
           </a:p>
@@ -7192,6 +7259,1252 @@
 </p:sldLayout>
 </file>
 
+<file path=ppt/slideLayouts/slideLayout13.xml><?xml version="1.0" encoding="utf-8"?>
+<p:sldLayout xmlns:a="http://schemas.openxmlformats.org/drawingml/2006/main" xmlns:r="http://schemas.openxmlformats.org/officeDocument/2006/relationships" xmlns:p="http://schemas.openxmlformats.org/presentationml/2006/main" showMasterSp="0" type="title" preserve="1">
+  <p:cSld name="Rubrikbild">
+    <p:bg>
+      <p:bgPr>
+        <a:solidFill>
+          <a:schemeClr val="tx1"/>
+        </a:solidFill>
+        <a:effectLst/>
+      </p:bgPr>
+    </p:bg>
+    <p:spTree>
+      <p:nvGrpSpPr>
+        <p:cNvPr id="1" name=""/>
+        <p:cNvGrpSpPr/>
+        <p:nvPr/>
+      </p:nvGrpSpPr>
+      <p:grpSpPr>
+        <a:xfrm>
+          <a:off x="0" y="0"/>
+          <a:ext cx="0" cy="0"/>
+          <a:chOff x="0" y="0"/>
+          <a:chExt cx="0" cy="0"/>
+        </a:xfrm>
+      </p:grpSpPr>
+      <p:sp>
+        <p:nvSpPr>
+          <p:cNvPr id="9" name="Line 9"/>
+          <p:cNvSpPr>
+            <a:spLocks noChangeShapeType="1"/>
+          </p:cNvSpPr>
+          <p:nvPr/>
+        </p:nvSpPr>
+        <p:spPr bwMode="gray">
+          <a:xfrm>
+            <a:off x="1835150" y="4221163"/>
+            <a:ext cx="7308850" cy="0"/>
+          </a:xfrm>
+          <a:prstGeom prst="line">
+            <a:avLst/>
+          </a:prstGeom>
+          <a:noFill/>
+          <a:ln w="19050">
+            <a:solidFill>
+              <a:schemeClr val="bg2"/>
+            </a:solidFill>
+            <a:round/>
+            <a:headEnd/>
+            <a:tailEnd/>
+          </a:ln>
+          <a:effectLst/>
+        </p:spPr>
+        <p:txBody>
+          <a:bodyPr/>
+          <a:lstStyle/>
+          <a:p>
+            <a:pPr algn="ctr">
+              <a:buClr>
+                <a:schemeClr val="bg2"/>
+              </a:buClr>
+              <a:defRPr/>
+            </a:pPr>
+            <a:endParaRPr lang="sv-SE">
+              <a:cs typeface="+mn-cs"/>
+            </a:endParaRPr>
+          </a:p>
+        </p:txBody>
+      </p:sp>
+      <p:sp>
+        <p:nvSpPr>
+          <p:cNvPr id="5122" name="Rectangle 2"/>
+          <p:cNvSpPr>
+            <a:spLocks noGrp="1" noChangeArrowheads="1"/>
+          </p:cNvSpPr>
+          <p:nvPr>
+            <p:ph type="subTitle" idx="1"/>
+          </p:nvPr>
+        </p:nvSpPr>
+        <p:spPr>
+          <a:xfrm>
+            <a:off x="1835150" y="4221163"/>
+            <a:ext cx="6913563" cy="1800225"/>
+          </a:xfrm>
+        </p:spPr>
+        <p:txBody>
+          <a:bodyPr tIns="118800" bIns="45720"/>
+          <a:lstStyle>
+            <a:lvl1pPr marL="0" indent="0">
+              <a:buFontTx/>
+              <a:buNone/>
+              <a:defRPr sz="1600" b="1">
+                <a:solidFill>
+                  <a:schemeClr val="accent1"/>
+                </a:solidFill>
+              </a:defRPr>
+            </a:lvl1pPr>
+          </a:lstStyle>
+          <a:p>
+            <a:r>
+              <a:rPr lang="en-US"/>
+              <a:t>Click to edit Master subtitle style</a:t>
+            </a:r>
+            <a:endParaRPr lang="en-GB" dirty="0"/>
+          </a:p>
+        </p:txBody>
+      </p:sp>
+      <p:sp>
+        <p:nvSpPr>
+          <p:cNvPr id="5123" name="Rectangle 3"/>
+          <p:cNvSpPr>
+            <a:spLocks noGrp="1" noChangeArrowheads="1"/>
+          </p:cNvSpPr>
+          <p:nvPr>
+            <p:ph type="ctrTitle"/>
+          </p:nvPr>
+        </p:nvSpPr>
+        <p:spPr>
+          <a:xfrm>
+            <a:off x="1835150" y="3500438"/>
+            <a:ext cx="6913563" cy="720725"/>
+          </a:xfrm>
+        </p:spPr>
+        <p:txBody>
+          <a:bodyPr tIns="45720" bIns="82800" anchor="b"/>
+          <a:lstStyle>
+            <a:lvl1pPr>
+              <a:defRPr sz="2800">
+                <a:solidFill>
+                  <a:schemeClr val="accent1"/>
+                </a:solidFill>
+              </a:defRPr>
+            </a:lvl1pPr>
+          </a:lstStyle>
+          <a:p>
+            <a:r>
+              <a:rPr lang="en-US"/>
+              <a:t>Click to edit Master title style</a:t>
+            </a:r>
+            <a:endParaRPr lang="en-GB" dirty="0"/>
+          </a:p>
+        </p:txBody>
+      </p:sp>
+    </p:spTree>
+    <p:extLst>
+      <p:ext uri="{BB962C8B-B14F-4D97-AF65-F5344CB8AC3E}">
+        <p14:creationId xmlns:p14="http://schemas.microsoft.com/office/powerpoint/2010/main" val="3089274564"/>
+      </p:ext>
+    </p:extLst>
+  </p:cSld>
+  <p:clrMapOvr>
+    <a:masterClrMapping/>
+  </p:clrMapOvr>
+</p:sldLayout>
+</file>
+
+<file path=ppt/slideLayouts/slideLayout14.xml><?xml version="1.0" encoding="utf-8"?>
+<p:sldLayout xmlns:a="http://schemas.openxmlformats.org/drawingml/2006/main" xmlns:r="http://schemas.openxmlformats.org/officeDocument/2006/relationships" xmlns:p="http://schemas.openxmlformats.org/presentationml/2006/main" type="secHead" preserve="1">
+  <p:cSld name="Avsnittsrubrik">
+    <p:bg>
+      <p:bgPr>
+        <a:solidFill>
+          <a:schemeClr val="tx2">
+            <a:lumMod val="50000"/>
+          </a:schemeClr>
+        </a:solidFill>
+        <a:effectLst/>
+      </p:bgPr>
+    </p:bg>
+    <p:spTree>
+      <p:nvGrpSpPr>
+        <p:cNvPr id="1" name=""/>
+        <p:cNvGrpSpPr/>
+        <p:nvPr/>
+      </p:nvGrpSpPr>
+      <p:grpSpPr>
+        <a:xfrm>
+          <a:off x="0" y="0"/>
+          <a:ext cx="0" cy="0"/>
+          <a:chOff x="0" y="0"/>
+          <a:chExt cx="0" cy="0"/>
+        </a:xfrm>
+      </p:grpSpPr>
+      <p:sp>
+        <p:nvSpPr>
+          <p:cNvPr id="2" name="Title 1"/>
+          <p:cNvSpPr>
+            <a:spLocks noGrp="1"/>
+          </p:cNvSpPr>
+          <p:nvPr>
+            <p:ph type="title"/>
+          </p:nvPr>
+        </p:nvSpPr>
+        <p:spPr>
+          <a:xfrm>
+            <a:off x="722313" y="4406900"/>
+            <a:ext cx="7772400" cy="1362075"/>
+          </a:xfrm>
+        </p:spPr>
+        <p:txBody>
+          <a:bodyPr anchor="t"/>
+          <a:lstStyle>
+            <a:lvl1pPr algn="l">
+              <a:defRPr sz="4000" b="1" cap="all">
+                <a:solidFill>
+                  <a:schemeClr val="bg1"/>
+                </a:solidFill>
+              </a:defRPr>
+            </a:lvl1pPr>
+          </a:lstStyle>
+          <a:p>
+            <a:r>
+              <a:rPr lang="en-US"/>
+              <a:t>Click to edit Master title style</a:t>
+            </a:r>
+            <a:endParaRPr lang="sv-SE" dirty="0"/>
+          </a:p>
+        </p:txBody>
+      </p:sp>
+      <p:sp>
+        <p:nvSpPr>
+          <p:cNvPr id="3" name="Text Placeholder 2"/>
+          <p:cNvSpPr>
+            <a:spLocks noGrp="1"/>
+          </p:cNvSpPr>
+          <p:nvPr>
+            <p:ph type="body" idx="1"/>
+          </p:nvPr>
+        </p:nvSpPr>
+        <p:spPr>
+          <a:xfrm>
+            <a:off x="722313" y="2906713"/>
+            <a:ext cx="7772400" cy="1500187"/>
+          </a:xfrm>
+        </p:spPr>
+        <p:txBody>
+          <a:bodyPr anchor="b"/>
+          <a:lstStyle>
+            <a:lvl1pPr marL="0" indent="0">
+              <a:buNone/>
+              <a:defRPr sz="2000">
+                <a:solidFill>
+                  <a:schemeClr val="bg1"/>
+                </a:solidFill>
+              </a:defRPr>
+            </a:lvl1pPr>
+            <a:lvl2pPr marL="457200" indent="0">
+              <a:buNone/>
+              <a:defRPr sz="1800"/>
+            </a:lvl2pPr>
+            <a:lvl3pPr marL="914400" indent="0">
+              <a:buNone/>
+              <a:defRPr sz="1600"/>
+            </a:lvl3pPr>
+            <a:lvl4pPr marL="1371600" indent="0">
+              <a:buNone/>
+              <a:defRPr sz="1400"/>
+            </a:lvl4pPr>
+            <a:lvl5pPr marL="1828800" indent="0">
+              <a:buNone/>
+              <a:defRPr sz="1400"/>
+            </a:lvl5pPr>
+            <a:lvl6pPr marL="2286000" indent="0">
+              <a:buNone/>
+              <a:defRPr sz="1400"/>
+            </a:lvl6pPr>
+            <a:lvl7pPr marL="2743200" indent="0">
+              <a:buNone/>
+              <a:defRPr sz="1400"/>
+            </a:lvl7pPr>
+            <a:lvl8pPr marL="3200400" indent="0">
+              <a:buNone/>
+              <a:defRPr sz="1400"/>
+            </a:lvl8pPr>
+            <a:lvl9pPr marL="3657600" indent="0">
+              <a:buNone/>
+              <a:defRPr sz="1400"/>
+            </a:lvl9pPr>
+          </a:lstStyle>
+          <a:p>
+            <a:pPr lvl="0"/>
+            <a:r>
+              <a:rPr lang="en-US"/>
+              <a:t>Edit Master text styles</a:t>
+            </a:r>
+          </a:p>
+        </p:txBody>
+      </p:sp>
+      <p:sp>
+        <p:nvSpPr>
+          <p:cNvPr id="10" name="Platshållare för bildnummer 5"/>
+          <p:cNvSpPr>
+            <a:spLocks noGrp="1"/>
+          </p:cNvSpPr>
+          <p:nvPr>
+            <p:ph type="sldNum" sz="quarter" idx="4"/>
+          </p:nvPr>
+        </p:nvSpPr>
+        <p:spPr>
+          <a:xfrm>
+            <a:off x="4680064" y="6350023"/>
+            <a:ext cx="468000" cy="365125"/>
+          </a:xfrm>
+          <a:prstGeom prst="rect">
+            <a:avLst/>
+          </a:prstGeom>
+        </p:spPr>
+        <p:txBody>
+          <a:bodyPr vert="horz" lIns="91440" tIns="45720" rIns="91440" bIns="45720" rtlCol="0" anchor="ctr"/>
+          <a:lstStyle>
+            <a:lvl1pPr algn="r">
+              <a:defRPr sz="900">
+                <a:solidFill>
+                  <a:schemeClr val="bg1"/>
+                </a:solidFill>
+                <a:latin typeface="Verdana" pitchFamily="34" charset="0"/>
+                <a:ea typeface="Verdana" pitchFamily="34" charset="0"/>
+                <a:cs typeface="Verdana" pitchFamily="34" charset="0"/>
+              </a:defRPr>
+            </a:lvl1pPr>
+          </a:lstStyle>
+          <a:p>
+            <a:fld id="{86405477-FFA1-47FF-A36F-47A3FC0E24E8}" type="slidenum">
+              <a:rPr lang="en-US" smtClean="0"/>
+              <a:t>‹#›</a:t>
+            </a:fld>
+            <a:endParaRPr lang="en-US"/>
+          </a:p>
+        </p:txBody>
+      </p:sp>
+    </p:spTree>
+    <p:extLst>
+      <p:ext uri="{BB962C8B-B14F-4D97-AF65-F5344CB8AC3E}">
+        <p14:creationId xmlns:p14="http://schemas.microsoft.com/office/powerpoint/2010/main" val="3629293501"/>
+      </p:ext>
+    </p:extLst>
+  </p:cSld>
+  <p:clrMapOvr>
+    <a:masterClrMapping/>
+  </p:clrMapOvr>
+</p:sldLayout>
+</file>
+
+<file path=ppt/slideLayouts/slideLayout15.xml><?xml version="1.0" encoding="utf-8"?>
+<p:sldLayout xmlns:a="http://schemas.openxmlformats.org/drawingml/2006/main" xmlns:r="http://schemas.openxmlformats.org/officeDocument/2006/relationships" xmlns:p="http://schemas.openxmlformats.org/presentationml/2006/main" type="obj" preserve="1">
+  <p:cSld name="Rubrik och innehåll">
+    <p:spTree>
+      <p:nvGrpSpPr>
+        <p:cNvPr id="1" name=""/>
+        <p:cNvGrpSpPr/>
+        <p:nvPr/>
+      </p:nvGrpSpPr>
+      <p:grpSpPr>
+        <a:xfrm>
+          <a:off x="0" y="0"/>
+          <a:ext cx="0" cy="0"/>
+          <a:chOff x="0" y="0"/>
+          <a:chExt cx="0" cy="0"/>
+        </a:xfrm>
+      </p:grpSpPr>
+      <p:sp>
+        <p:nvSpPr>
+          <p:cNvPr id="2" name="Title 1"/>
+          <p:cNvSpPr>
+            <a:spLocks noGrp="1"/>
+          </p:cNvSpPr>
+          <p:nvPr>
+            <p:ph type="title"/>
+          </p:nvPr>
+        </p:nvSpPr>
+        <p:spPr/>
+        <p:txBody>
+          <a:bodyPr/>
+          <a:lstStyle/>
+          <a:p>
+            <a:r>
+              <a:rPr lang="en-US"/>
+              <a:t>Click to edit Master title style</a:t>
+            </a:r>
+            <a:endParaRPr lang="sv-SE"/>
+          </a:p>
+        </p:txBody>
+      </p:sp>
+      <p:sp>
+        <p:nvSpPr>
+          <p:cNvPr id="3" name="Content Placeholder 2"/>
+          <p:cNvSpPr>
+            <a:spLocks noGrp="1"/>
+          </p:cNvSpPr>
+          <p:nvPr>
+            <p:ph idx="1"/>
+          </p:nvPr>
+        </p:nvSpPr>
+        <p:spPr/>
+        <p:txBody>
+          <a:bodyPr/>
+          <a:lstStyle>
+            <a:lvl1pPr marL="177800" indent="-177800">
+              <a:buClr>
+                <a:schemeClr val="accent1"/>
+              </a:buClr>
+              <a:buFont typeface="Wingdings" pitchFamily="2" charset="2"/>
+              <a:buChar char="§"/>
+              <a:defRPr/>
+            </a:lvl1pPr>
+            <a:lvl2pPr marL="541338" indent="-184150">
+              <a:buClr>
+                <a:schemeClr val="accent1"/>
+              </a:buClr>
+              <a:buFont typeface="Wingdings" pitchFamily="2" charset="2"/>
+              <a:buChar char="§"/>
+              <a:defRPr/>
+            </a:lvl2pPr>
+            <a:lvl3pPr marL="896938" indent="-176213">
+              <a:buClr>
+                <a:schemeClr val="accent1"/>
+              </a:buClr>
+              <a:buFont typeface="Wingdings" pitchFamily="2" charset="2"/>
+              <a:buChar char="§"/>
+              <a:defRPr/>
+            </a:lvl3pPr>
+            <a:lvl4pPr marL="1252538" indent="-176213">
+              <a:buClr>
+                <a:schemeClr val="accent1"/>
+              </a:buClr>
+              <a:buFont typeface="Wingdings" pitchFamily="2" charset="2"/>
+              <a:buChar char="§"/>
+              <a:defRPr/>
+            </a:lvl4pPr>
+            <a:lvl5pPr marL="1616075" indent="-184150">
+              <a:buClr>
+                <a:schemeClr val="accent1"/>
+              </a:buClr>
+              <a:buFont typeface="Wingdings" pitchFamily="2" charset="2"/>
+              <a:buChar char="§"/>
+              <a:defRPr/>
+            </a:lvl5pPr>
+          </a:lstStyle>
+          <a:p>
+            <a:pPr lvl="0"/>
+            <a:r>
+              <a:rPr lang="en-US"/>
+              <a:t>Edit Master text styles</a:t>
+            </a:r>
+          </a:p>
+          <a:p>
+            <a:pPr lvl="1"/>
+            <a:r>
+              <a:rPr lang="en-US"/>
+              <a:t>Second level</a:t>
+            </a:r>
+          </a:p>
+          <a:p>
+            <a:pPr lvl="2"/>
+            <a:r>
+              <a:rPr lang="en-US"/>
+              <a:t>Third level</a:t>
+            </a:r>
+          </a:p>
+          <a:p>
+            <a:pPr lvl="3"/>
+            <a:r>
+              <a:rPr lang="en-US"/>
+              <a:t>Fourth level</a:t>
+            </a:r>
+          </a:p>
+          <a:p>
+            <a:pPr lvl="4"/>
+            <a:r>
+              <a:rPr lang="en-US"/>
+              <a:t>Fifth level</a:t>
+            </a:r>
+            <a:endParaRPr lang="sv-SE" dirty="0"/>
+          </a:p>
+        </p:txBody>
+      </p:sp>
+    </p:spTree>
+    <p:extLst>
+      <p:ext uri="{BB962C8B-B14F-4D97-AF65-F5344CB8AC3E}">
+        <p14:creationId xmlns:p14="http://schemas.microsoft.com/office/powerpoint/2010/main" val="4196601275"/>
+      </p:ext>
+    </p:extLst>
+  </p:cSld>
+  <p:clrMapOvr>
+    <a:masterClrMapping/>
+  </p:clrMapOvr>
+</p:sldLayout>
+</file>
+
+<file path=ppt/slideLayouts/slideLayout16.xml><?xml version="1.0" encoding="utf-8"?>
+<p:sldLayout xmlns:a="http://schemas.openxmlformats.org/drawingml/2006/main" xmlns:r="http://schemas.openxmlformats.org/officeDocument/2006/relationships" xmlns:p="http://schemas.openxmlformats.org/presentationml/2006/main" type="twoObj" preserve="1">
+  <p:cSld name="Två innehållsdelar">
+    <p:spTree>
+      <p:nvGrpSpPr>
+        <p:cNvPr id="1" name=""/>
+        <p:cNvGrpSpPr/>
+        <p:nvPr/>
+      </p:nvGrpSpPr>
+      <p:grpSpPr>
+        <a:xfrm>
+          <a:off x="0" y="0"/>
+          <a:ext cx="0" cy="0"/>
+          <a:chOff x="0" y="0"/>
+          <a:chExt cx="0" cy="0"/>
+        </a:xfrm>
+      </p:grpSpPr>
+      <p:sp>
+        <p:nvSpPr>
+          <p:cNvPr id="2" name="Title 1"/>
+          <p:cNvSpPr>
+            <a:spLocks noGrp="1"/>
+          </p:cNvSpPr>
+          <p:nvPr>
+            <p:ph type="title"/>
+          </p:nvPr>
+        </p:nvSpPr>
+        <p:spPr/>
+        <p:txBody>
+          <a:bodyPr/>
+          <a:lstStyle/>
+          <a:p>
+            <a:r>
+              <a:rPr lang="en-US"/>
+              <a:t>Click to edit Master title style</a:t>
+            </a:r>
+            <a:endParaRPr lang="sv-SE"/>
+          </a:p>
+        </p:txBody>
+      </p:sp>
+      <p:sp>
+        <p:nvSpPr>
+          <p:cNvPr id="3" name="Content Placeholder 2"/>
+          <p:cNvSpPr>
+            <a:spLocks noGrp="1"/>
+          </p:cNvSpPr>
+          <p:nvPr>
+            <p:ph sz="half" idx="1"/>
+          </p:nvPr>
+        </p:nvSpPr>
+        <p:spPr>
+          <a:xfrm>
+            <a:off x="395288" y="1484313"/>
+            <a:ext cx="4100512" cy="4608512"/>
+          </a:xfrm>
+        </p:spPr>
+        <p:txBody>
+          <a:bodyPr/>
+          <a:lstStyle>
+            <a:lvl1pPr>
+              <a:defRPr sz="2800"/>
+            </a:lvl1pPr>
+            <a:lvl2pPr>
+              <a:defRPr sz="2400"/>
+            </a:lvl2pPr>
+            <a:lvl3pPr>
+              <a:defRPr sz="2000"/>
+            </a:lvl3pPr>
+            <a:lvl4pPr>
+              <a:defRPr sz="1800"/>
+            </a:lvl4pPr>
+            <a:lvl5pPr>
+              <a:defRPr sz="1800"/>
+            </a:lvl5pPr>
+            <a:lvl6pPr>
+              <a:defRPr sz="1800"/>
+            </a:lvl6pPr>
+            <a:lvl7pPr>
+              <a:defRPr sz="1800"/>
+            </a:lvl7pPr>
+            <a:lvl8pPr>
+              <a:defRPr sz="1800"/>
+            </a:lvl8pPr>
+            <a:lvl9pPr>
+              <a:defRPr sz="1800"/>
+            </a:lvl9pPr>
+          </a:lstStyle>
+          <a:p>
+            <a:pPr lvl="0"/>
+            <a:r>
+              <a:rPr lang="en-US"/>
+              <a:t>Edit Master text styles</a:t>
+            </a:r>
+          </a:p>
+          <a:p>
+            <a:pPr lvl="1"/>
+            <a:r>
+              <a:rPr lang="en-US"/>
+              <a:t>Second level</a:t>
+            </a:r>
+          </a:p>
+          <a:p>
+            <a:pPr lvl="2"/>
+            <a:r>
+              <a:rPr lang="en-US"/>
+              <a:t>Third level</a:t>
+            </a:r>
+          </a:p>
+          <a:p>
+            <a:pPr lvl="3"/>
+            <a:r>
+              <a:rPr lang="en-US"/>
+              <a:t>Fourth level</a:t>
+            </a:r>
+          </a:p>
+          <a:p>
+            <a:pPr lvl="4"/>
+            <a:r>
+              <a:rPr lang="en-US"/>
+              <a:t>Fifth level</a:t>
+            </a:r>
+            <a:endParaRPr lang="sv-SE" dirty="0"/>
+          </a:p>
+        </p:txBody>
+      </p:sp>
+      <p:sp>
+        <p:nvSpPr>
+          <p:cNvPr id="4" name="Content Placeholder 3"/>
+          <p:cNvSpPr>
+            <a:spLocks noGrp="1"/>
+          </p:cNvSpPr>
+          <p:nvPr>
+            <p:ph sz="half" idx="2"/>
+          </p:nvPr>
+        </p:nvSpPr>
+        <p:spPr>
+          <a:xfrm>
+            <a:off x="4648200" y="1484313"/>
+            <a:ext cx="4100513" cy="4608512"/>
+          </a:xfrm>
+        </p:spPr>
+        <p:txBody>
+          <a:bodyPr/>
+          <a:lstStyle>
+            <a:lvl1pPr>
+              <a:defRPr sz="2800"/>
+            </a:lvl1pPr>
+            <a:lvl2pPr>
+              <a:defRPr sz="2400"/>
+            </a:lvl2pPr>
+            <a:lvl3pPr>
+              <a:defRPr sz="2000"/>
+            </a:lvl3pPr>
+            <a:lvl4pPr>
+              <a:defRPr sz="1800"/>
+            </a:lvl4pPr>
+            <a:lvl5pPr>
+              <a:defRPr sz="1800"/>
+            </a:lvl5pPr>
+            <a:lvl6pPr>
+              <a:defRPr sz="1800"/>
+            </a:lvl6pPr>
+            <a:lvl7pPr>
+              <a:defRPr sz="1800"/>
+            </a:lvl7pPr>
+            <a:lvl8pPr>
+              <a:defRPr sz="1800"/>
+            </a:lvl8pPr>
+            <a:lvl9pPr>
+              <a:defRPr sz="1800"/>
+            </a:lvl9pPr>
+          </a:lstStyle>
+          <a:p>
+            <a:pPr lvl="0"/>
+            <a:r>
+              <a:rPr lang="en-US"/>
+              <a:t>Edit Master text styles</a:t>
+            </a:r>
+          </a:p>
+          <a:p>
+            <a:pPr lvl="1"/>
+            <a:r>
+              <a:rPr lang="en-US"/>
+              <a:t>Second level</a:t>
+            </a:r>
+          </a:p>
+          <a:p>
+            <a:pPr lvl="2"/>
+            <a:r>
+              <a:rPr lang="en-US"/>
+              <a:t>Third level</a:t>
+            </a:r>
+          </a:p>
+          <a:p>
+            <a:pPr lvl="3"/>
+            <a:r>
+              <a:rPr lang="en-US"/>
+              <a:t>Fourth level</a:t>
+            </a:r>
+          </a:p>
+          <a:p>
+            <a:pPr lvl="4"/>
+            <a:r>
+              <a:rPr lang="en-US"/>
+              <a:t>Fifth level</a:t>
+            </a:r>
+            <a:endParaRPr lang="sv-SE" dirty="0"/>
+          </a:p>
+        </p:txBody>
+      </p:sp>
+    </p:spTree>
+    <p:extLst>
+      <p:ext uri="{BB962C8B-B14F-4D97-AF65-F5344CB8AC3E}">
+        <p14:creationId xmlns:p14="http://schemas.microsoft.com/office/powerpoint/2010/main" val="552880447"/>
+      </p:ext>
+    </p:extLst>
+  </p:cSld>
+  <p:clrMapOvr>
+    <a:masterClrMapping/>
+  </p:clrMapOvr>
+</p:sldLayout>
+</file>
+
+<file path=ppt/slideLayouts/slideLayout17.xml><?xml version="1.0" encoding="utf-8"?>
+<p:sldLayout xmlns:a="http://schemas.openxmlformats.org/drawingml/2006/main" xmlns:r="http://schemas.openxmlformats.org/officeDocument/2006/relationships" xmlns:p="http://schemas.openxmlformats.org/presentationml/2006/main" type="twoTxTwoObj" preserve="1">
+  <p:cSld name="Jämförelse">
+    <p:spTree>
+      <p:nvGrpSpPr>
+        <p:cNvPr id="1" name=""/>
+        <p:cNvGrpSpPr/>
+        <p:nvPr/>
+      </p:nvGrpSpPr>
+      <p:grpSpPr>
+        <a:xfrm>
+          <a:off x="0" y="0"/>
+          <a:ext cx="0" cy="0"/>
+          <a:chOff x="0" y="0"/>
+          <a:chExt cx="0" cy="0"/>
+        </a:xfrm>
+      </p:grpSpPr>
+      <p:sp>
+        <p:nvSpPr>
+          <p:cNvPr id="2" name="Title 1"/>
+          <p:cNvSpPr>
+            <a:spLocks noGrp="1"/>
+          </p:cNvSpPr>
+          <p:nvPr>
+            <p:ph type="title"/>
+          </p:nvPr>
+        </p:nvSpPr>
+        <p:spPr>
+          <a:xfrm>
+            <a:off x="457200" y="274638"/>
+            <a:ext cx="8229600" cy="1143000"/>
+          </a:xfrm>
+        </p:spPr>
+        <p:txBody>
+          <a:bodyPr/>
+          <a:lstStyle>
+            <a:lvl1pPr>
+              <a:defRPr/>
+            </a:lvl1pPr>
+          </a:lstStyle>
+          <a:p>
+            <a:r>
+              <a:rPr lang="en-US"/>
+              <a:t>Click to edit Master title style</a:t>
+            </a:r>
+            <a:endParaRPr lang="sv-SE"/>
+          </a:p>
+        </p:txBody>
+      </p:sp>
+      <p:sp>
+        <p:nvSpPr>
+          <p:cNvPr id="3" name="Text Placeholder 2"/>
+          <p:cNvSpPr>
+            <a:spLocks noGrp="1"/>
+          </p:cNvSpPr>
+          <p:nvPr>
+            <p:ph type="body" idx="1"/>
+          </p:nvPr>
+        </p:nvSpPr>
+        <p:spPr>
+          <a:xfrm>
+            <a:off x="457200" y="1535113"/>
+            <a:ext cx="4040188" cy="639762"/>
+          </a:xfrm>
+        </p:spPr>
+        <p:txBody>
+          <a:bodyPr anchor="b"/>
+          <a:lstStyle>
+            <a:lvl1pPr marL="0" indent="0">
+              <a:buNone/>
+              <a:defRPr sz="2400" b="1"/>
+            </a:lvl1pPr>
+            <a:lvl2pPr marL="457200" indent="0">
+              <a:buNone/>
+              <a:defRPr sz="2000" b="1"/>
+            </a:lvl2pPr>
+            <a:lvl3pPr marL="914400" indent="0">
+              <a:buNone/>
+              <a:defRPr sz="1800" b="1"/>
+            </a:lvl3pPr>
+            <a:lvl4pPr marL="1371600" indent="0">
+              <a:buNone/>
+              <a:defRPr sz="1600" b="1"/>
+            </a:lvl4pPr>
+            <a:lvl5pPr marL="1828800" indent="0">
+              <a:buNone/>
+              <a:defRPr sz="1600" b="1"/>
+            </a:lvl5pPr>
+            <a:lvl6pPr marL="2286000" indent="0">
+              <a:buNone/>
+              <a:defRPr sz="1600" b="1"/>
+            </a:lvl6pPr>
+            <a:lvl7pPr marL="2743200" indent="0">
+              <a:buNone/>
+              <a:defRPr sz="1600" b="1"/>
+            </a:lvl7pPr>
+            <a:lvl8pPr marL="3200400" indent="0">
+              <a:buNone/>
+              <a:defRPr sz="1600" b="1"/>
+            </a:lvl8pPr>
+            <a:lvl9pPr marL="3657600" indent="0">
+              <a:buNone/>
+              <a:defRPr sz="1600" b="1"/>
+            </a:lvl9pPr>
+          </a:lstStyle>
+          <a:p>
+            <a:pPr lvl="0"/>
+            <a:r>
+              <a:rPr lang="en-US"/>
+              <a:t>Edit Master text styles</a:t>
+            </a:r>
+          </a:p>
+        </p:txBody>
+      </p:sp>
+      <p:sp>
+        <p:nvSpPr>
+          <p:cNvPr id="4" name="Content Placeholder 3"/>
+          <p:cNvSpPr>
+            <a:spLocks noGrp="1"/>
+          </p:cNvSpPr>
+          <p:nvPr>
+            <p:ph sz="half" idx="2"/>
+          </p:nvPr>
+        </p:nvSpPr>
+        <p:spPr>
+          <a:xfrm>
+            <a:off x="457200" y="2174875"/>
+            <a:ext cx="4040188" cy="3951288"/>
+          </a:xfrm>
+        </p:spPr>
+        <p:txBody>
+          <a:bodyPr/>
+          <a:lstStyle>
+            <a:lvl1pPr>
+              <a:defRPr sz="2400"/>
+            </a:lvl1pPr>
+            <a:lvl2pPr>
+              <a:defRPr sz="2000"/>
+            </a:lvl2pPr>
+            <a:lvl3pPr>
+              <a:defRPr sz="1800"/>
+            </a:lvl3pPr>
+            <a:lvl4pPr>
+              <a:defRPr sz="1600"/>
+            </a:lvl4pPr>
+            <a:lvl5pPr>
+              <a:defRPr sz="1600"/>
+            </a:lvl5pPr>
+            <a:lvl6pPr>
+              <a:defRPr sz="1600"/>
+            </a:lvl6pPr>
+            <a:lvl7pPr>
+              <a:defRPr sz="1600"/>
+            </a:lvl7pPr>
+            <a:lvl8pPr>
+              <a:defRPr sz="1600"/>
+            </a:lvl8pPr>
+            <a:lvl9pPr>
+              <a:defRPr sz="1600"/>
+            </a:lvl9pPr>
+          </a:lstStyle>
+          <a:p>
+            <a:pPr lvl="0"/>
+            <a:r>
+              <a:rPr lang="en-US"/>
+              <a:t>Edit Master text styles</a:t>
+            </a:r>
+          </a:p>
+          <a:p>
+            <a:pPr lvl="1"/>
+            <a:r>
+              <a:rPr lang="en-US"/>
+              <a:t>Second level</a:t>
+            </a:r>
+          </a:p>
+          <a:p>
+            <a:pPr lvl="2"/>
+            <a:r>
+              <a:rPr lang="en-US"/>
+              <a:t>Third level</a:t>
+            </a:r>
+          </a:p>
+          <a:p>
+            <a:pPr lvl="3"/>
+            <a:r>
+              <a:rPr lang="en-US"/>
+              <a:t>Fourth level</a:t>
+            </a:r>
+          </a:p>
+          <a:p>
+            <a:pPr lvl="4"/>
+            <a:r>
+              <a:rPr lang="en-US"/>
+              <a:t>Fifth level</a:t>
+            </a:r>
+            <a:endParaRPr lang="sv-SE" dirty="0"/>
+          </a:p>
+        </p:txBody>
+      </p:sp>
+      <p:sp>
+        <p:nvSpPr>
+          <p:cNvPr id="5" name="Text Placeholder 4"/>
+          <p:cNvSpPr>
+            <a:spLocks noGrp="1"/>
+          </p:cNvSpPr>
+          <p:nvPr>
+            <p:ph type="body" sz="quarter" idx="3"/>
+          </p:nvPr>
+        </p:nvSpPr>
+        <p:spPr>
+          <a:xfrm>
+            <a:off x="4645025" y="1535113"/>
+            <a:ext cx="4041775" cy="639762"/>
+          </a:xfrm>
+        </p:spPr>
+        <p:txBody>
+          <a:bodyPr anchor="b"/>
+          <a:lstStyle>
+            <a:lvl1pPr marL="0" indent="0">
+              <a:buNone/>
+              <a:defRPr sz="2400" b="1"/>
+            </a:lvl1pPr>
+            <a:lvl2pPr marL="457200" indent="0">
+              <a:buNone/>
+              <a:defRPr sz="2000" b="1"/>
+            </a:lvl2pPr>
+            <a:lvl3pPr marL="914400" indent="0">
+              <a:buNone/>
+              <a:defRPr sz="1800" b="1"/>
+            </a:lvl3pPr>
+            <a:lvl4pPr marL="1371600" indent="0">
+              <a:buNone/>
+              <a:defRPr sz="1600" b="1"/>
+            </a:lvl4pPr>
+            <a:lvl5pPr marL="1828800" indent="0">
+              <a:buNone/>
+              <a:defRPr sz="1600" b="1"/>
+            </a:lvl5pPr>
+            <a:lvl6pPr marL="2286000" indent="0">
+              <a:buNone/>
+              <a:defRPr sz="1600" b="1"/>
+            </a:lvl6pPr>
+            <a:lvl7pPr marL="2743200" indent="0">
+              <a:buNone/>
+              <a:defRPr sz="1600" b="1"/>
+            </a:lvl7pPr>
+            <a:lvl8pPr marL="3200400" indent="0">
+              <a:buNone/>
+              <a:defRPr sz="1600" b="1"/>
+            </a:lvl8pPr>
+            <a:lvl9pPr marL="3657600" indent="0">
+              <a:buNone/>
+              <a:defRPr sz="1600" b="1"/>
+            </a:lvl9pPr>
+          </a:lstStyle>
+          <a:p>
+            <a:pPr lvl="0"/>
+            <a:r>
+              <a:rPr lang="en-US"/>
+              <a:t>Edit Master text styles</a:t>
+            </a:r>
+          </a:p>
+        </p:txBody>
+      </p:sp>
+      <p:sp>
+        <p:nvSpPr>
+          <p:cNvPr id="6" name="Content Placeholder 5"/>
+          <p:cNvSpPr>
+            <a:spLocks noGrp="1"/>
+          </p:cNvSpPr>
+          <p:nvPr>
+            <p:ph sz="quarter" idx="4"/>
+          </p:nvPr>
+        </p:nvSpPr>
+        <p:spPr>
+          <a:xfrm>
+            <a:off x="4645025" y="2174875"/>
+            <a:ext cx="4041775" cy="3951288"/>
+          </a:xfrm>
+        </p:spPr>
+        <p:txBody>
+          <a:bodyPr/>
+          <a:lstStyle>
+            <a:lvl1pPr>
+              <a:defRPr sz="2400"/>
+            </a:lvl1pPr>
+            <a:lvl2pPr>
+              <a:defRPr sz="2000"/>
+            </a:lvl2pPr>
+            <a:lvl3pPr>
+              <a:defRPr sz="1800"/>
+            </a:lvl3pPr>
+            <a:lvl4pPr>
+              <a:defRPr sz="1600"/>
+            </a:lvl4pPr>
+            <a:lvl5pPr>
+              <a:defRPr sz="1600"/>
+            </a:lvl5pPr>
+            <a:lvl6pPr>
+              <a:defRPr sz="1600"/>
+            </a:lvl6pPr>
+            <a:lvl7pPr>
+              <a:defRPr sz="1600"/>
+            </a:lvl7pPr>
+            <a:lvl8pPr>
+              <a:defRPr sz="1600"/>
+            </a:lvl8pPr>
+            <a:lvl9pPr>
+              <a:defRPr sz="1600"/>
+            </a:lvl9pPr>
+          </a:lstStyle>
+          <a:p>
+            <a:pPr lvl="0"/>
+            <a:r>
+              <a:rPr lang="en-US"/>
+              <a:t>Edit Master text styles</a:t>
+            </a:r>
+          </a:p>
+          <a:p>
+            <a:pPr lvl="1"/>
+            <a:r>
+              <a:rPr lang="en-US"/>
+              <a:t>Second level</a:t>
+            </a:r>
+          </a:p>
+          <a:p>
+            <a:pPr lvl="2"/>
+            <a:r>
+              <a:rPr lang="en-US"/>
+              <a:t>Third level</a:t>
+            </a:r>
+          </a:p>
+          <a:p>
+            <a:pPr lvl="3"/>
+            <a:r>
+              <a:rPr lang="en-US"/>
+              <a:t>Fourth level</a:t>
+            </a:r>
+          </a:p>
+          <a:p>
+            <a:pPr lvl="4"/>
+            <a:r>
+              <a:rPr lang="en-US"/>
+              <a:t>Fifth level</a:t>
+            </a:r>
+            <a:endParaRPr lang="sv-SE" dirty="0"/>
+          </a:p>
+        </p:txBody>
+      </p:sp>
+    </p:spTree>
+    <p:extLst>
+      <p:ext uri="{BB962C8B-B14F-4D97-AF65-F5344CB8AC3E}">
+        <p14:creationId xmlns:p14="http://schemas.microsoft.com/office/powerpoint/2010/main" val="2435068001"/>
+      </p:ext>
+    </p:extLst>
+  </p:cSld>
+  <p:clrMapOvr>
+    <a:masterClrMapping/>
+  </p:clrMapOvr>
+</p:sldLayout>
+</file>
+
+<file path=ppt/slideLayouts/slideLayout18.xml><?xml version="1.0" encoding="utf-8"?>
+<p:sldLayout xmlns:a="http://schemas.openxmlformats.org/drawingml/2006/main" xmlns:r="http://schemas.openxmlformats.org/officeDocument/2006/relationships" xmlns:p="http://schemas.openxmlformats.org/presentationml/2006/main" type="titleOnly" preserve="1">
+  <p:cSld name="Endast rubrik">
+    <p:spTree>
+      <p:nvGrpSpPr>
+        <p:cNvPr id="1" name=""/>
+        <p:cNvGrpSpPr/>
+        <p:nvPr/>
+      </p:nvGrpSpPr>
+      <p:grpSpPr>
+        <a:xfrm>
+          <a:off x="0" y="0"/>
+          <a:ext cx="0" cy="0"/>
+          <a:chOff x="0" y="0"/>
+          <a:chExt cx="0" cy="0"/>
+        </a:xfrm>
+      </p:grpSpPr>
+      <p:sp>
+        <p:nvSpPr>
+          <p:cNvPr id="2" name="Title 1"/>
+          <p:cNvSpPr>
+            <a:spLocks noGrp="1"/>
+          </p:cNvSpPr>
+          <p:nvPr>
+            <p:ph type="title"/>
+          </p:nvPr>
+        </p:nvSpPr>
+        <p:spPr/>
+        <p:txBody>
+          <a:bodyPr/>
+          <a:lstStyle/>
+          <a:p>
+            <a:r>
+              <a:rPr lang="en-US"/>
+              <a:t>Click to edit Master title style</a:t>
+            </a:r>
+            <a:endParaRPr lang="sv-SE"/>
+          </a:p>
+        </p:txBody>
+      </p:sp>
+    </p:spTree>
+    <p:extLst>
+      <p:ext uri="{BB962C8B-B14F-4D97-AF65-F5344CB8AC3E}">
+        <p14:creationId xmlns:p14="http://schemas.microsoft.com/office/powerpoint/2010/main" val="28718634"/>
+      </p:ext>
+    </p:extLst>
+  </p:cSld>
+  <p:clrMapOvr>
+    <a:masterClrMapping/>
+  </p:clrMapOvr>
+</p:sldLayout>
+</file>
+
+<file path=ppt/slideLayouts/slideLayout19.xml><?xml version="1.0" encoding="utf-8"?>
+<p:sldLayout xmlns:a="http://schemas.openxmlformats.org/drawingml/2006/main" xmlns:r="http://schemas.openxmlformats.org/officeDocument/2006/relationships" xmlns:p="http://schemas.openxmlformats.org/presentationml/2006/main" type="titleOnly" preserve="1">
+  <p:cSld name="Endast rubrik utan logga">
+    <p:spTree>
+      <p:nvGrpSpPr>
+        <p:cNvPr id="1" name=""/>
+        <p:cNvGrpSpPr/>
+        <p:nvPr/>
+      </p:nvGrpSpPr>
+      <p:grpSpPr>
+        <a:xfrm>
+          <a:off x="0" y="0"/>
+          <a:ext cx="0" cy="0"/>
+          <a:chOff x="0" y="0"/>
+          <a:chExt cx="0" cy="0"/>
+        </a:xfrm>
+      </p:grpSpPr>
+      <p:sp>
+        <p:nvSpPr>
+          <p:cNvPr id="2" name="Title 1"/>
+          <p:cNvSpPr>
+            <a:spLocks noGrp="1"/>
+          </p:cNvSpPr>
+          <p:nvPr>
+            <p:ph type="title"/>
+          </p:nvPr>
+        </p:nvSpPr>
+        <p:spPr/>
+        <p:txBody>
+          <a:bodyPr/>
+          <a:lstStyle/>
+          <a:p>
+            <a:r>
+              <a:rPr lang="en-US"/>
+              <a:t>Click to edit Master title style</a:t>
+            </a:r>
+            <a:endParaRPr lang="sv-SE"/>
+          </a:p>
+        </p:txBody>
+      </p:sp>
+      <p:sp>
+        <p:nvSpPr>
+          <p:cNvPr id="3" name="Rectangle 2"/>
+          <p:cNvSpPr/>
+          <p:nvPr/>
+        </p:nvSpPr>
+        <p:spPr bwMode="auto">
+          <a:xfrm>
+            <a:off x="7040947" y="5974854"/>
+            <a:ext cx="2088232" cy="864096"/>
+          </a:xfrm>
+          <a:prstGeom prst="rect">
+            <a:avLst/>
+          </a:prstGeom>
+          <a:solidFill>
+            <a:schemeClr val="accent3"/>
+          </a:solidFill>
+          <a:ln w="9525" cap="flat" cmpd="sng" algn="ctr">
+            <a:solidFill>
+              <a:schemeClr val="bg1"/>
+            </a:solidFill>
+            <a:prstDash val="solid"/>
+            <a:round/>
+            <a:headEnd type="none" w="med" len="med"/>
+            <a:tailEnd type="none" w="med" len="med"/>
+          </a:ln>
+          <a:effectLst/>
+        </p:spPr>
+        <p:txBody>
+          <a:bodyPr vert="horz" wrap="none" lIns="0" tIns="0" rIns="0" bIns="0" numCol="1" rtlCol="0" anchor="ctr" anchorCtr="0" compatLnSpc="1">
+            <a:prstTxWarp prst="textNoShape">
+              <a:avLst/>
+            </a:prstTxWarp>
+          </a:bodyPr>
+          <a:lstStyle/>
+          <a:p>
+            <a:pPr marL="0" marR="0" indent="0" algn="ctr" defTabSz="914400" rtl="0" eaLnBrk="1" fontAlgn="base" latinLnBrk="0" hangingPunct="1">
+              <a:lnSpc>
+                <a:spcPct val="100000"/>
+              </a:lnSpc>
+              <a:spcBef>
+                <a:spcPct val="0"/>
+              </a:spcBef>
+              <a:spcAft>
+                <a:spcPct val="0"/>
+              </a:spcAft>
+              <a:buClr>
+                <a:schemeClr val="bg2"/>
+              </a:buClr>
+              <a:buSzTx/>
+              <a:buFontTx/>
+              <a:buNone/>
+              <a:tabLst/>
+            </a:pPr>
+            <a:endParaRPr kumimoji="0" lang="sv-SE" sz="1600" b="0" i="0" u="none" strike="noStrike" cap="none" normalizeH="0" baseline="0">
+              <a:ln>
+                <a:noFill/>
+              </a:ln>
+              <a:solidFill>
+                <a:schemeClr val="tx1"/>
+              </a:solidFill>
+              <a:effectLst/>
+              <a:latin typeface="Arial" charset="0"/>
+            </a:endParaRPr>
+          </a:p>
+        </p:txBody>
+      </p:sp>
+    </p:spTree>
+    <p:extLst>
+      <p:ext uri="{BB962C8B-B14F-4D97-AF65-F5344CB8AC3E}">
+        <p14:creationId xmlns:p14="http://schemas.microsoft.com/office/powerpoint/2010/main" val="98988299"/>
+      </p:ext>
+    </p:extLst>
+  </p:cSld>
+  <p:clrMapOvr>
+    <a:masterClrMapping/>
+  </p:clrMapOvr>
+</p:sldLayout>
+</file>
+
 <file path=ppt/slideLayouts/slideLayout2.xml><?xml version="1.0" encoding="utf-8"?>
 <p:sldLayout xmlns:a="http://schemas.openxmlformats.org/drawingml/2006/main" xmlns:r="http://schemas.openxmlformats.org/officeDocument/2006/relationships" xmlns:p="http://schemas.openxmlformats.org/presentationml/2006/main" type="obj" preserve="1">
   <p:cSld name="Title and Content">
@@ -7228,7 +8541,6 @@
               <a:rPr lang="en-US"/>
               <a:t>Click to edit Master title style</a:t>
             </a:r>
-            <a:endParaRPr lang="en-US"/>
           </a:p>
         </p:txBody>
       </p:sp>
@@ -7280,7 +8592,6 @@
               <a:rPr lang="en-US"/>
               <a:t>Fifth level</a:t>
             </a:r>
-            <a:endParaRPr lang="en-US"/>
           </a:p>
         </p:txBody>
       </p:sp>
@@ -7301,7 +8612,7 @@
           <a:p>
             <a:fld id="{03B38507-6AEA-4C49-9333-41CEBC218416}" type="datetimeFigureOut">
               <a:rPr lang="en-US" smtClean="0"/>
-              <a:t>12/9/2016</a:t>
+              <a:t>12/16/2016</a:t>
             </a:fld>
             <a:endParaRPr lang="en-US"/>
           </a:p>
@@ -7359,6 +8670,1093 @@
   <p:clrMapOvr>
     <a:masterClrMapping/>
   </p:clrMapOvr>
+</p:sldLayout>
+</file>
+
+<file path=ppt/slideLayouts/slideLayout20.xml><?xml version="1.0" encoding="utf-8"?>
+<p:sldLayout xmlns:a="http://schemas.openxmlformats.org/drawingml/2006/main" xmlns:r="http://schemas.openxmlformats.org/officeDocument/2006/relationships" xmlns:p="http://schemas.openxmlformats.org/presentationml/2006/main" type="blank" preserve="1">
+  <p:cSld name="Tom">
+    <p:spTree>
+      <p:nvGrpSpPr>
+        <p:cNvPr id="1" name=""/>
+        <p:cNvGrpSpPr/>
+        <p:nvPr/>
+      </p:nvGrpSpPr>
+      <p:grpSpPr>
+        <a:xfrm>
+          <a:off x="0" y="0"/>
+          <a:ext cx="0" cy="0"/>
+          <a:chOff x="0" y="0"/>
+          <a:chExt cx="0" cy="0"/>
+        </a:xfrm>
+      </p:grpSpPr>
+    </p:spTree>
+    <p:extLst>
+      <p:ext uri="{BB962C8B-B14F-4D97-AF65-F5344CB8AC3E}">
+        <p14:creationId xmlns:p14="http://schemas.microsoft.com/office/powerpoint/2010/main" val="2855738310"/>
+      </p:ext>
+    </p:extLst>
+  </p:cSld>
+  <p:clrMapOvr>
+    <a:masterClrMapping/>
+  </p:clrMapOvr>
+</p:sldLayout>
+</file>
+
+<file path=ppt/slideLayouts/slideLayout21.xml><?xml version="1.0" encoding="utf-8"?>
+<p:sldLayout xmlns:a="http://schemas.openxmlformats.org/drawingml/2006/main" xmlns:r="http://schemas.openxmlformats.org/officeDocument/2006/relationships" xmlns:p="http://schemas.openxmlformats.org/presentationml/2006/main" showMasterSp="0" type="titleOnly" preserve="1">
+  <p:cSld name="Helt tom med rubrik">
+    <p:spTree>
+      <p:nvGrpSpPr>
+        <p:cNvPr id="1" name=""/>
+        <p:cNvGrpSpPr/>
+        <p:nvPr/>
+      </p:nvGrpSpPr>
+      <p:grpSpPr>
+        <a:xfrm>
+          <a:off x="0" y="0"/>
+          <a:ext cx="0" cy="0"/>
+          <a:chOff x="0" y="0"/>
+          <a:chExt cx="0" cy="0"/>
+        </a:xfrm>
+      </p:grpSpPr>
+      <p:sp>
+        <p:nvSpPr>
+          <p:cNvPr id="2" name="Title 1"/>
+          <p:cNvSpPr>
+            <a:spLocks noGrp="1"/>
+          </p:cNvSpPr>
+          <p:nvPr>
+            <p:ph type="title"/>
+          </p:nvPr>
+        </p:nvSpPr>
+        <p:spPr/>
+        <p:txBody>
+          <a:bodyPr/>
+          <a:lstStyle/>
+          <a:p>
+            <a:r>
+              <a:rPr lang="en-US"/>
+              <a:t>Click to edit Master title style</a:t>
+            </a:r>
+            <a:endParaRPr lang="sv-SE"/>
+          </a:p>
+        </p:txBody>
+      </p:sp>
+    </p:spTree>
+    <p:extLst>
+      <p:ext uri="{BB962C8B-B14F-4D97-AF65-F5344CB8AC3E}">
+        <p14:creationId xmlns:p14="http://schemas.microsoft.com/office/powerpoint/2010/main" val="4221725716"/>
+      </p:ext>
+    </p:extLst>
+  </p:cSld>
+  <p:clrMapOvr>
+    <a:masterClrMapping/>
+  </p:clrMapOvr>
+</p:sldLayout>
+</file>
+
+<file path=ppt/slideLayouts/slideLayout22.xml><?xml version="1.0" encoding="utf-8"?>
+<p:sldLayout xmlns:a="http://schemas.openxmlformats.org/drawingml/2006/main" xmlns:r="http://schemas.openxmlformats.org/officeDocument/2006/relationships" xmlns:p="http://schemas.openxmlformats.org/presentationml/2006/main" showMasterSp="0" type="blank" preserve="1">
+  <p:cSld name="HeltTom">
+    <p:spTree>
+      <p:nvGrpSpPr>
+        <p:cNvPr id="1" name=""/>
+        <p:cNvGrpSpPr/>
+        <p:nvPr/>
+      </p:nvGrpSpPr>
+      <p:grpSpPr>
+        <a:xfrm>
+          <a:off x="0" y="0"/>
+          <a:ext cx="0" cy="0"/>
+          <a:chOff x="0" y="0"/>
+          <a:chExt cx="0" cy="0"/>
+        </a:xfrm>
+      </p:grpSpPr>
+    </p:spTree>
+    <p:extLst>
+      <p:ext uri="{BB962C8B-B14F-4D97-AF65-F5344CB8AC3E}">
+        <p14:creationId xmlns:p14="http://schemas.microsoft.com/office/powerpoint/2010/main" val="3664253506"/>
+      </p:ext>
+    </p:extLst>
+  </p:cSld>
+  <p:clrMapOvr>
+    <a:masterClrMapping/>
+  </p:clrMapOvr>
+</p:sldLayout>
+</file>
+
+<file path=ppt/slideLayouts/slideLayout23.xml><?xml version="1.0" encoding="utf-8"?>
+<p:sldLayout xmlns:a="http://schemas.openxmlformats.org/drawingml/2006/main" xmlns:r="http://schemas.openxmlformats.org/officeDocument/2006/relationships" xmlns:p="http://schemas.openxmlformats.org/presentationml/2006/main" type="objTx" preserve="1">
+  <p:cSld name="Innehåll med bildtext">
+    <p:spTree>
+      <p:nvGrpSpPr>
+        <p:cNvPr id="1" name=""/>
+        <p:cNvGrpSpPr/>
+        <p:nvPr/>
+      </p:nvGrpSpPr>
+      <p:grpSpPr>
+        <a:xfrm>
+          <a:off x="0" y="0"/>
+          <a:ext cx="0" cy="0"/>
+          <a:chOff x="0" y="0"/>
+          <a:chExt cx="0" cy="0"/>
+        </a:xfrm>
+      </p:grpSpPr>
+      <p:sp>
+        <p:nvSpPr>
+          <p:cNvPr id="2" name="Title 1"/>
+          <p:cNvSpPr>
+            <a:spLocks noGrp="1"/>
+          </p:cNvSpPr>
+          <p:nvPr>
+            <p:ph type="title"/>
+          </p:nvPr>
+        </p:nvSpPr>
+        <p:spPr>
+          <a:xfrm>
+            <a:off x="457200" y="273050"/>
+            <a:ext cx="3008313" cy="1162050"/>
+          </a:xfrm>
+        </p:spPr>
+        <p:txBody>
+          <a:bodyPr anchor="b"/>
+          <a:lstStyle>
+            <a:lvl1pPr algn="l">
+              <a:defRPr sz="2000" b="1"/>
+            </a:lvl1pPr>
+          </a:lstStyle>
+          <a:p>
+            <a:r>
+              <a:rPr lang="en-US"/>
+              <a:t>Click to edit Master title style</a:t>
+            </a:r>
+            <a:endParaRPr lang="sv-SE"/>
+          </a:p>
+        </p:txBody>
+      </p:sp>
+      <p:sp>
+        <p:nvSpPr>
+          <p:cNvPr id="3" name="Content Placeholder 2"/>
+          <p:cNvSpPr>
+            <a:spLocks noGrp="1"/>
+          </p:cNvSpPr>
+          <p:nvPr>
+            <p:ph idx="1"/>
+          </p:nvPr>
+        </p:nvSpPr>
+        <p:spPr>
+          <a:xfrm>
+            <a:off x="3575050" y="273050"/>
+            <a:ext cx="5111750" cy="5853113"/>
+          </a:xfrm>
+        </p:spPr>
+        <p:txBody>
+          <a:bodyPr/>
+          <a:lstStyle>
+            <a:lvl1pPr>
+              <a:defRPr sz="3200"/>
+            </a:lvl1pPr>
+            <a:lvl2pPr>
+              <a:defRPr sz="2800"/>
+            </a:lvl2pPr>
+            <a:lvl3pPr>
+              <a:defRPr sz="2400"/>
+            </a:lvl3pPr>
+            <a:lvl4pPr>
+              <a:defRPr sz="2000"/>
+            </a:lvl4pPr>
+            <a:lvl5pPr>
+              <a:defRPr sz="2000"/>
+            </a:lvl5pPr>
+            <a:lvl6pPr>
+              <a:defRPr sz="2000"/>
+            </a:lvl6pPr>
+            <a:lvl7pPr>
+              <a:defRPr sz="2000"/>
+            </a:lvl7pPr>
+            <a:lvl8pPr>
+              <a:defRPr sz="2000"/>
+            </a:lvl8pPr>
+            <a:lvl9pPr>
+              <a:defRPr sz="2000"/>
+            </a:lvl9pPr>
+          </a:lstStyle>
+          <a:p>
+            <a:pPr lvl="0"/>
+            <a:r>
+              <a:rPr lang="en-US"/>
+              <a:t>Edit Master text styles</a:t>
+            </a:r>
+          </a:p>
+          <a:p>
+            <a:pPr lvl="1"/>
+            <a:r>
+              <a:rPr lang="en-US"/>
+              <a:t>Second level</a:t>
+            </a:r>
+          </a:p>
+          <a:p>
+            <a:pPr lvl="2"/>
+            <a:r>
+              <a:rPr lang="en-US"/>
+              <a:t>Third level</a:t>
+            </a:r>
+          </a:p>
+          <a:p>
+            <a:pPr lvl="3"/>
+            <a:r>
+              <a:rPr lang="en-US"/>
+              <a:t>Fourth level</a:t>
+            </a:r>
+          </a:p>
+          <a:p>
+            <a:pPr lvl="4"/>
+            <a:r>
+              <a:rPr lang="en-US"/>
+              <a:t>Fifth level</a:t>
+            </a:r>
+            <a:endParaRPr lang="sv-SE"/>
+          </a:p>
+        </p:txBody>
+      </p:sp>
+      <p:sp>
+        <p:nvSpPr>
+          <p:cNvPr id="4" name="Text Placeholder 3"/>
+          <p:cNvSpPr>
+            <a:spLocks noGrp="1"/>
+          </p:cNvSpPr>
+          <p:nvPr>
+            <p:ph type="body" sz="half" idx="2"/>
+          </p:nvPr>
+        </p:nvSpPr>
+        <p:spPr>
+          <a:xfrm>
+            <a:off x="457200" y="1435100"/>
+            <a:ext cx="3008313" cy="4691063"/>
+          </a:xfrm>
+        </p:spPr>
+        <p:txBody>
+          <a:bodyPr/>
+          <a:lstStyle>
+            <a:lvl1pPr marL="0" indent="0">
+              <a:buNone/>
+              <a:defRPr sz="1400"/>
+            </a:lvl1pPr>
+            <a:lvl2pPr marL="457200" indent="0">
+              <a:buNone/>
+              <a:defRPr sz="1200"/>
+            </a:lvl2pPr>
+            <a:lvl3pPr marL="914400" indent="0">
+              <a:buNone/>
+              <a:defRPr sz="1000"/>
+            </a:lvl3pPr>
+            <a:lvl4pPr marL="1371600" indent="0">
+              <a:buNone/>
+              <a:defRPr sz="900"/>
+            </a:lvl4pPr>
+            <a:lvl5pPr marL="1828800" indent="0">
+              <a:buNone/>
+              <a:defRPr sz="900"/>
+            </a:lvl5pPr>
+            <a:lvl6pPr marL="2286000" indent="0">
+              <a:buNone/>
+              <a:defRPr sz="900"/>
+            </a:lvl6pPr>
+            <a:lvl7pPr marL="2743200" indent="0">
+              <a:buNone/>
+              <a:defRPr sz="900"/>
+            </a:lvl7pPr>
+            <a:lvl8pPr marL="3200400" indent="0">
+              <a:buNone/>
+              <a:defRPr sz="900"/>
+            </a:lvl8pPr>
+            <a:lvl9pPr marL="3657600" indent="0">
+              <a:buNone/>
+              <a:defRPr sz="900"/>
+            </a:lvl9pPr>
+          </a:lstStyle>
+          <a:p>
+            <a:pPr lvl="0"/>
+            <a:r>
+              <a:rPr lang="en-US"/>
+              <a:t>Edit Master text styles</a:t>
+            </a:r>
+          </a:p>
+        </p:txBody>
+      </p:sp>
+    </p:spTree>
+    <p:extLst>
+      <p:ext uri="{BB962C8B-B14F-4D97-AF65-F5344CB8AC3E}">
+        <p14:creationId xmlns:p14="http://schemas.microsoft.com/office/powerpoint/2010/main" val="1613913398"/>
+      </p:ext>
+    </p:extLst>
+  </p:cSld>
+  <p:clrMapOvr>
+    <a:masterClrMapping/>
+  </p:clrMapOvr>
+</p:sldLayout>
+</file>
+
+<file path=ppt/slideLayouts/slideLayout24.xml><?xml version="1.0" encoding="utf-8"?>
+<p:sldLayout xmlns:a="http://schemas.openxmlformats.org/drawingml/2006/main" xmlns:r="http://schemas.openxmlformats.org/officeDocument/2006/relationships" xmlns:p="http://schemas.openxmlformats.org/presentationml/2006/main" type="picTx" preserve="1">
+  <p:cSld name="Bild med bildtext">
+    <p:spTree>
+      <p:nvGrpSpPr>
+        <p:cNvPr id="1" name=""/>
+        <p:cNvGrpSpPr/>
+        <p:nvPr/>
+      </p:nvGrpSpPr>
+      <p:grpSpPr>
+        <a:xfrm>
+          <a:off x="0" y="0"/>
+          <a:ext cx="0" cy="0"/>
+          <a:chOff x="0" y="0"/>
+          <a:chExt cx="0" cy="0"/>
+        </a:xfrm>
+      </p:grpSpPr>
+      <p:sp>
+        <p:nvSpPr>
+          <p:cNvPr id="2" name="Title 1"/>
+          <p:cNvSpPr>
+            <a:spLocks noGrp="1"/>
+          </p:cNvSpPr>
+          <p:nvPr>
+            <p:ph type="title"/>
+          </p:nvPr>
+        </p:nvSpPr>
+        <p:spPr>
+          <a:xfrm>
+            <a:off x="1792288" y="4800600"/>
+            <a:ext cx="5486400" cy="566738"/>
+          </a:xfrm>
+        </p:spPr>
+        <p:txBody>
+          <a:bodyPr anchor="b"/>
+          <a:lstStyle>
+            <a:lvl1pPr algn="l">
+              <a:defRPr sz="2000" b="1"/>
+            </a:lvl1pPr>
+          </a:lstStyle>
+          <a:p>
+            <a:r>
+              <a:rPr lang="en-US"/>
+              <a:t>Click to edit Master title style</a:t>
+            </a:r>
+            <a:endParaRPr lang="sv-SE"/>
+          </a:p>
+        </p:txBody>
+      </p:sp>
+      <p:sp>
+        <p:nvSpPr>
+          <p:cNvPr id="3" name="Picture Placeholder 2"/>
+          <p:cNvSpPr>
+            <a:spLocks noGrp="1"/>
+          </p:cNvSpPr>
+          <p:nvPr>
+            <p:ph type="pic" idx="1"/>
+          </p:nvPr>
+        </p:nvSpPr>
+        <p:spPr>
+          <a:xfrm>
+            <a:off x="1792288" y="612775"/>
+            <a:ext cx="5486400" cy="4114800"/>
+          </a:xfrm>
+        </p:spPr>
+        <p:txBody>
+          <a:bodyPr/>
+          <a:lstStyle>
+            <a:lvl1pPr marL="0" indent="0">
+              <a:buNone/>
+              <a:defRPr sz="3200"/>
+            </a:lvl1pPr>
+            <a:lvl2pPr marL="457200" indent="0">
+              <a:buNone/>
+              <a:defRPr sz="2800"/>
+            </a:lvl2pPr>
+            <a:lvl3pPr marL="914400" indent="0">
+              <a:buNone/>
+              <a:defRPr sz="2400"/>
+            </a:lvl3pPr>
+            <a:lvl4pPr marL="1371600" indent="0">
+              <a:buNone/>
+              <a:defRPr sz="2000"/>
+            </a:lvl4pPr>
+            <a:lvl5pPr marL="1828800" indent="0">
+              <a:buNone/>
+              <a:defRPr sz="2000"/>
+            </a:lvl5pPr>
+            <a:lvl6pPr marL="2286000" indent="0">
+              <a:buNone/>
+              <a:defRPr sz="2000"/>
+            </a:lvl6pPr>
+            <a:lvl7pPr marL="2743200" indent="0">
+              <a:buNone/>
+              <a:defRPr sz="2000"/>
+            </a:lvl7pPr>
+            <a:lvl8pPr marL="3200400" indent="0">
+              <a:buNone/>
+              <a:defRPr sz="2000"/>
+            </a:lvl8pPr>
+            <a:lvl9pPr marL="3657600" indent="0">
+              <a:buNone/>
+              <a:defRPr sz="2000"/>
+            </a:lvl9pPr>
+          </a:lstStyle>
+          <a:p>
+            <a:pPr lvl="0"/>
+            <a:r>
+              <a:rPr lang="en-US" noProof="0"/>
+              <a:t>Click icon to add picture</a:t>
+            </a:r>
+            <a:endParaRPr lang="sv-SE" noProof="0"/>
+          </a:p>
+        </p:txBody>
+      </p:sp>
+      <p:sp>
+        <p:nvSpPr>
+          <p:cNvPr id="4" name="Text Placeholder 3"/>
+          <p:cNvSpPr>
+            <a:spLocks noGrp="1"/>
+          </p:cNvSpPr>
+          <p:nvPr>
+            <p:ph type="body" sz="half" idx="2"/>
+          </p:nvPr>
+        </p:nvSpPr>
+        <p:spPr>
+          <a:xfrm>
+            <a:off x="1792288" y="5367338"/>
+            <a:ext cx="5486400" cy="804862"/>
+          </a:xfrm>
+        </p:spPr>
+        <p:txBody>
+          <a:bodyPr/>
+          <a:lstStyle>
+            <a:lvl1pPr marL="0" indent="0">
+              <a:buNone/>
+              <a:defRPr sz="1400"/>
+            </a:lvl1pPr>
+            <a:lvl2pPr marL="457200" indent="0">
+              <a:buNone/>
+              <a:defRPr sz="1200"/>
+            </a:lvl2pPr>
+            <a:lvl3pPr marL="914400" indent="0">
+              <a:buNone/>
+              <a:defRPr sz="1000"/>
+            </a:lvl3pPr>
+            <a:lvl4pPr marL="1371600" indent="0">
+              <a:buNone/>
+              <a:defRPr sz="900"/>
+            </a:lvl4pPr>
+            <a:lvl5pPr marL="1828800" indent="0">
+              <a:buNone/>
+              <a:defRPr sz="900"/>
+            </a:lvl5pPr>
+            <a:lvl6pPr marL="2286000" indent="0">
+              <a:buNone/>
+              <a:defRPr sz="900"/>
+            </a:lvl6pPr>
+            <a:lvl7pPr marL="2743200" indent="0">
+              <a:buNone/>
+              <a:defRPr sz="900"/>
+            </a:lvl7pPr>
+            <a:lvl8pPr marL="3200400" indent="0">
+              <a:buNone/>
+              <a:defRPr sz="900"/>
+            </a:lvl8pPr>
+            <a:lvl9pPr marL="3657600" indent="0">
+              <a:buNone/>
+              <a:defRPr sz="900"/>
+            </a:lvl9pPr>
+          </a:lstStyle>
+          <a:p>
+            <a:pPr lvl="0"/>
+            <a:r>
+              <a:rPr lang="en-US"/>
+              <a:t>Edit Master text styles</a:t>
+            </a:r>
+          </a:p>
+        </p:txBody>
+      </p:sp>
+    </p:spTree>
+    <p:extLst>
+      <p:ext uri="{BB962C8B-B14F-4D97-AF65-F5344CB8AC3E}">
+        <p14:creationId xmlns:p14="http://schemas.microsoft.com/office/powerpoint/2010/main" val="2293872146"/>
+      </p:ext>
+    </p:extLst>
+  </p:cSld>
+  <p:clrMapOvr>
+    <a:masterClrMapping/>
+  </p:clrMapOvr>
+</p:sldLayout>
+</file>
+
+<file path=ppt/slideLayouts/slideLayout25.xml><?xml version="1.0" encoding="utf-8"?>
+<p:sldLayout xmlns:a="http://schemas.openxmlformats.org/drawingml/2006/main" xmlns:r="http://schemas.openxmlformats.org/officeDocument/2006/relationships" xmlns:p="http://schemas.openxmlformats.org/presentationml/2006/main" type="vertTx" preserve="1">
+  <p:cSld name="Rubrik och lodrät text">
+    <p:spTree>
+      <p:nvGrpSpPr>
+        <p:cNvPr id="1" name=""/>
+        <p:cNvGrpSpPr/>
+        <p:nvPr/>
+      </p:nvGrpSpPr>
+      <p:grpSpPr>
+        <a:xfrm>
+          <a:off x="0" y="0"/>
+          <a:ext cx="0" cy="0"/>
+          <a:chOff x="0" y="0"/>
+          <a:chExt cx="0" cy="0"/>
+        </a:xfrm>
+      </p:grpSpPr>
+      <p:sp>
+        <p:nvSpPr>
+          <p:cNvPr id="2" name="Title 1"/>
+          <p:cNvSpPr>
+            <a:spLocks noGrp="1"/>
+          </p:cNvSpPr>
+          <p:nvPr>
+            <p:ph type="title"/>
+          </p:nvPr>
+        </p:nvSpPr>
+        <p:spPr/>
+        <p:txBody>
+          <a:bodyPr/>
+          <a:lstStyle/>
+          <a:p>
+            <a:r>
+              <a:rPr lang="en-US"/>
+              <a:t>Click to edit Master title style</a:t>
+            </a:r>
+            <a:endParaRPr lang="sv-SE"/>
+          </a:p>
+        </p:txBody>
+      </p:sp>
+      <p:sp>
+        <p:nvSpPr>
+          <p:cNvPr id="3" name="Vertical Text Placeholder 2"/>
+          <p:cNvSpPr>
+            <a:spLocks noGrp="1"/>
+          </p:cNvSpPr>
+          <p:nvPr>
+            <p:ph type="body" orient="vert" idx="1"/>
+          </p:nvPr>
+        </p:nvSpPr>
+        <p:spPr/>
+        <p:txBody>
+          <a:bodyPr vert="eaVert"/>
+          <a:lstStyle/>
+          <a:p>
+            <a:pPr lvl="0"/>
+            <a:r>
+              <a:rPr lang="en-US"/>
+              <a:t>Edit Master text styles</a:t>
+            </a:r>
+          </a:p>
+          <a:p>
+            <a:pPr lvl="1"/>
+            <a:r>
+              <a:rPr lang="en-US"/>
+              <a:t>Second level</a:t>
+            </a:r>
+          </a:p>
+          <a:p>
+            <a:pPr lvl="2"/>
+            <a:r>
+              <a:rPr lang="en-US"/>
+              <a:t>Third level</a:t>
+            </a:r>
+          </a:p>
+          <a:p>
+            <a:pPr lvl="3"/>
+            <a:r>
+              <a:rPr lang="en-US"/>
+              <a:t>Fourth level</a:t>
+            </a:r>
+          </a:p>
+          <a:p>
+            <a:pPr lvl="4"/>
+            <a:r>
+              <a:rPr lang="en-US"/>
+              <a:t>Fifth level</a:t>
+            </a:r>
+            <a:endParaRPr lang="sv-SE"/>
+          </a:p>
+        </p:txBody>
+      </p:sp>
+    </p:spTree>
+    <p:extLst>
+      <p:ext uri="{BB962C8B-B14F-4D97-AF65-F5344CB8AC3E}">
+        <p14:creationId xmlns:p14="http://schemas.microsoft.com/office/powerpoint/2010/main" val="1831439556"/>
+      </p:ext>
+    </p:extLst>
+  </p:cSld>
+  <p:clrMapOvr>
+    <a:masterClrMapping/>
+  </p:clrMapOvr>
+</p:sldLayout>
+</file>
+
+<file path=ppt/slideLayouts/slideLayout26.xml><?xml version="1.0" encoding="utf-8"?>
+<p:sldLayout xmlns:a="http://schemas.openxmlformats.org/drawingml/2006/main" xmlns:r="http://schemas.openxmlformats.org/officeDocument/2006/relationships" xmlns:p="http://schemas.openxmlformats.org/presentationml/2006/main" type="vertTitleAndTx" preserve="1">
+  <p:cSld name="Lodrät rubrik och text">
+    <p:spTree>
+      <p:nvGrpSpPr>
+        <p:cNvPr id="1" name=""/>
+        <p:cNvGrpSpPr/>
+        <p:nvPr/>
+      </p:nvGrpSpPr>
+      <p:grpSpPr>
+        <a:xfrm>
+          <a:off x="0" y="0"/>
+          <a:ext cx="0" cy="0"/>
+          <a:chOff x="0" y="0"/>
+          <a:chExt cx="0" cy="0"/>
+        </a:xfrm>
+      </p:grpSpPr>
+      <p:sp>
+        <p:nvSpPr>
+          <p:cNvPr id="2" name="Vertical Title 1"/>
+          <p:cNvSpPr>
+            <a:spLocks noGrp="1"/>
+          </p:cNvSpPr>
+          <p:nvPr>
+            <p:ph type="title" orient="vert"/>
+          </p:nvPr>
+        </p:nvSpPr>
+        <p:spPr>
+          <a:xfrm>
+            <a:off x="6661150" y="765175"/>
+            <a:ext cx="2087563" cy="5327650"/>
+          </a:xfrm>
+        </p:spPr>
+        <p:txBody>
+          <a:bodyPr vert="eaVert"/>
+          <a:lstStyle/>
+          <a:p>
+            <a:r>
+              <a:rPr lang="en-US"/>
+              <a:t>Click to edit Master title style</a:t>
+            </a:r>
+            <a:endParaRPr lang="sv-SE"/>
+          </a:p>
+        </p:txBody>
+      </p:sp>
+      <p:sp>
+        <p:nvSpPr>
+          <p:cNvPr id="3" name="Vertical Text Placeholder 2"/>
+          <p:cNvSpPr>
+            <a:spLocks noGrp="1"/>
+          </p:cNvSpPr>
+          <p:nvPr>
+            <p:ph type="body" orient="vert" idx="1"/>
+          </p:nvPr>
+        </p:nvSpPr>
+        <p:spPr>
+          <a:xfrm>
+            <a:off x="395288" y="765175"/>
+            <a:ext cx="6113462" cy="5327650"/>
+          </a:xfrm>
+        </p:spPr>
+        <p:txBody>
+          <a:bodyPr vert="eaVert"/>
+          <a:lstStyle/>
+          <a:p>
+            <a:pPr lvl="0"/>
+            <a:r>
+              <a:rPr lang="en-US"/>
+              <a:t>Edit Master text styles</a:t>
+            </a:r>
+          </a:p>
+          <a:p>
+            <a:pPr lvl="1"/>
+            <a:r>
+              <a:rPr lang="en-US"/>
+              <a:t>Second level</a:t>
+            </a:r>
+          </a:p>
+          <a:p>
+            <a:pPr lvl="2"/>
+            <a:r>
+              <a:rPr lang="en-US"/>
+              <a:t>Third level</a:t>
+            </a:r>
+          </a:p>
+          <a:p>
+            <a:pPr lvl="3"/>
+            <a:r>
+              <a:rPr lang="en-US"/>
+              <a:t>Fourth level</a:t>
+            </a:r>
+          </a:p>
+          <a:p>
+            <a:pPr lvl="4"/>
+            <a:r>
+              <a:rPr lang="en-US"/>
+              <a:t>Fifth level</a:t>
+            </a:r>
+            <a:endParaRPr lang="sv-SE"/>
+          </a:p>
+        </p:txBody>
+      </p:sp>
+    </p:spTree>
+    <p:extLst>
+      <p:ext uri="{BB962C8B-B14F-4D97-AF65-F5344CB8AC3E}">
+        <p14:creationId xmlns:p14="http://schemas.microsoft.com/office/powerpoint/2010/main" val="3585053963"/>
+      </p:ext>
+    </p:extLst>
+  </p:cSld>
+  <p:clrMapOvr>
+    <a:masterClrMapping/>
+  </p:clrMapOvr>
+</p:sldLayout>
+</file>
+
+<file path=ppt/slideLayouts/slideLayout27.xml><?xml version="1.0" encoding="utf-8"?>
+<p:sldLayout xmlns:a="http://schemas.openxmlformats.org/drawingml/2006/main" xmlns:r="http://schemas.openxmlformats.org/officeDocument/2006/relationships" xmlns:p="http://schemas.openxmlformats.org/presentationml/2006/main" type="tbl">
+  <p:cSld name="Title and Table">
+    <p:spTree>
+      <p:nvGrpSpPr>
+        <p:cNvPr id="1" name=""/>
+        <p:cNvGrpSpPr/>
+        <p:nvPr/>
+      </p:nvGrpSpPr>
+      <p:grpSpPr>
+        <a:xfrm>
+          <a:off x="0" y="0"/>
+          <a:ext cx="0" cy="0"/>
+          <a:chOff x="0" y="0"/>
+          <a:chExt cx="0" cy="0"/>
+        </a:xfrm>
+      </p:grpSpPr>
+      <p:sp>
+        <p:nvSpPr>
+          <p:cNvPr id="2" name="Title 1"/>
+          <p:cNvSpPr>
+            <a:spLocks noGrp="1"/>
+          </p:cNvSpPr>
+          <p:nvPr>
+            <p:ph type="title"/>
+          </p:nvPr>
+        </p:nvSpPr>
+        <p:spPr>
+          <a:xfrm>
+            <a:off x="460375" y="167357"/>
+            <a:ext cx="7773988" cy="741363"/>
+          </a:xfrm>
+        </p:spPr>
+        <p:txBody>
+          <a:bodyPr/>
+          <a:lstStyle/>
+          <a:p>
+            <a:r>
+              <a:rPr lang="en-US"/>
+              <a:t>Click to edit Master title style</a:t>
+            </a:r>
+          </a:p>
+        </p:txBody>
+      </p:sp>
+      <p:sp>
+        <p:nvSpPr>
+          <p:cNvPr id="3" name="Table Placeholder 2"/>
+          <p:cNvSpPr>
+            <a:spLocks noGrp="1"/>
+          </p:cNvSpPr>
+          <p:nvPr>
+            <p:ph type="tbl" idx="1"/>
+          </p:nvPr>
+        </p:nvSpPr>
+        <p:spPr>
+          <a:xfrm>
+            <a:off x="458788" y="992188"/>
+            <a:ext cx="7751762" cy="4386262"/>
+          </a:xfrm>
+        </p:spPr>
+        <p:txBody>
+          <a:bodyPr/>
+          <a:lstStyle/>
+          <a:p>
+            <a:pPr lvl="0"/>
+            <a:r>
+              <a:rPr lang="en-US" noProof="0"/>
+              <a:t>Click icon to add table</a:t>
+            </a:r>
+          </a:p>
+        </p:txBody>
+      </p:sp>
+    </p:spTree>
+    <p:extLst>
+      <p:ext uri="{BB962C8B-B14F-4D97-AF65-F5344CB8AC3E}">
+        <p14:creationId xmlns:p14="http://schemas.microsoft.com/office/powerpoint/2010/main" val="670568514"/>
+      </p:ext>
+    </p:extLst>
+  </p:cSld>
+  <p:clrMapOvr>
+    <a:masterClrMapping/>
+  </p:clrMapOvr>
+</p:sldLayout>
+</file>
+
+<file path=ppt/slideLayouts/slideLayout28.xml><?xml version="1.0" encoding="utf-8"?>
+<p:sldLayout xmlns:a="http://schemas.openxmlformats.org/drawingml/2006/main" xmlns:r="http://schemas.openxmlformats.org/officeDocument/2006/relationships" xmlns:p="http://schemas.openxmlformats.org/presentationml/2006/main">
+  <p:cSld name="1_Title and Content">
+    <p:spTree>
+      <p:nvGrpSpPr>
+        <p:cNvPr id="1" name=""/>
+        <p:cNvGrpSpPr/>
+        <p:nvPr/>
+      </p:nvGrpSpPr>
+      <p:grpSpPr>
+        <a:xfrm>
+          <a:off x="0" y="0"/>
+          <a:ext cx="0" cy="0"/>
+          <a:chOff x="0" y="0"/>
+          <a:chExt cx="0" cy="0"/>
+        </a:xfrm>
+      </p:grpSpPr>
+      <p:sp>
+        <p:nvSpPr>
+          <p:cNvPr id="2" name="Title 1"/>
+          <p:cNvSpPr>
+            <a:spLocks noGrp="1"/>
+          </p:cNvSpPr>
+          <p:nvPr>
+            <p:ph type="title"/>
+          </p:nvPr>
+        </p:nvSpPr>
+        <p:spPr/>
+        <p:txBody>
+          <a:bodyPr/>
+          <a:lstStyle>
+            <a:lvl1pPr>
+              <a:defRPr>
+                <a:latin typeface="+mj-lt"/>
+              </a:defRPr>
+            </a:lvl1pPr>
+          </a:lstStyle>
+          <a:p>
+            <a:r>
+              <a:rPr lang="en-US"/>
+              <a:t>Click to edit Master title style</a:t>
+            </a:r>
+            <a:endParaRPr lang="en-US" dirty="0"/>
+          </a:p>
+        </p:txBody>
+      </p:sp>
+      <p:sp>
+        <p:nvSpPr>
+          <p:cNvPr id="6" name="Text Placeholder 5"/>
+          <p:cNvSpPr>
+            <a:spLocks noGrp="1"/>
+          </p:cNvSpPr>
+          <p:nvPr>
+            <p:ph type="body" sz="quarter" idx="10"/>
+          </p:nvPr>
+        </p:nvSpPr>
+        <p:spPr>
+          <a:xfrm>
+            <a:off x="381000" y="1411552"/>
+            <a:ext cx="8382000" cy="2210862"/>
+          </a:xfrm>
+        </p:spPr>
+        <p:txBody>
+          <a:bodyPr/>
+          <a:lstStyle>
+            <a:lvl1pPr>
+              <a:lnSpc>
+                <a:spcPct val="90000"/>
+              </a:lnSpc>
+              <a:defRPr>
+                <a:latin typeface="+mn-lt"/>
+              </a:defRPr>
+            </a:lvl1pPr>
+            <a:lvl2pPr>
+              <a:lnSpc>
+                <a:spcPct val="90000"/>
+              </a:lnSpc>
+              <a:defRPr>
+                <a:latin typeface="+mn-lt"/>
+              </a:defRPr>
+            </a:lvl2pPr>
+            <a:lvl3pPr>
+              <a:lnSpc>
+                <a:spcPct val="90000"/>
+              </a:lnSpc>
+              <a:defRPr>
+                <a:latin typeface="+mn-lt"/>
+              </a:defRPr>
+            </a:lvl3pPr>
+            <a:lvl4pPr>
+              <a:lnSpc>
+                <a:spcPct val="90000"/>
+              </a:lnSpc>
+              <a:defRPr>
+                <a:latin typeface="+mn-lt"/>
+              </a:defRPr>
+            </a:lvl4pPr>
+            <a:lvl5pPr>
+              <a:lnSpc>
+                <a:spcPct val="90000"/>
+              </a:lnSpc>
+              <a:defRPr>
+                <a:latin typeface="+mn-lt"/>
+              </a:defRPr>
+            </a:lvl5pPr>
+          </a:lstStyle>
+          <a:p>
+            <a:pPr lvl="0"/>
+            <a:r>
+              <a:rPr lang="en-US"/>
+              <a:t>Edit Master text styles</a:t>
+            </a:r>
+          </a:p>
+          <a:p>
+            <a:pPr lvl="1"/>
+            <a:r>
+              <a:rPr lang="en-US"/>
+              <a:t>Second level</a:t>
+            </a:r>
+          </a:p>
+          <a:p>
+            <a:pPr lvl="2"/>
+            <a:r>
+              <a:rPr lang="en-US"/>
+              <a:t>Third level</a:t>
+            </a:r>
+          </a:p>
+          <a:p>
+            <a:pPr lvl="3"/>
+            <a:r>
+              <a:rPr lang="en-US"/>
+              <a:t>Fourth level</a:t>
+            </a:r>
+          </a:p>
+          <a:p>
+            <a:pPr lvl="4"/>
+            <a:r>
+              <a:rPr lang="en-US"/>
+              <a:t>Fifth level</a:t>
+            </a:r>
+            <a:endParaRPr lang="en-US" dirty="0"/>
+          </a:p>
+        </p:txBody>
+      </p:sp>
+    </p:spTree>
+    <p:extLst>
+      <p:ext uri="{BB962C8B-B14F-4D97-AF65-F5344CB8AC3E}">
+        <p14:creationId xmlns:p14="http://schemas.microsoft.com/office/powerpoint/2010/main" val="363793855"/>
+      </p:ext>
+    </p:extLst>
+  </p:cSld>
+  <p:clrMapOvr>
+    <a:masterClrMapping/>
+  </p:clrMapOvr>
+  <p:transition>
+    <p:fade/>
+  </p:transition>
+</p:sldLayout>
+</file>
+
+<file path=ppt/slideLayouts/slideLayout29.xml><?xml version="1.0" encoding="utf-8"?>
+<p:sldLayout xmlns:a="http://schemas.openxmlformats.org/drawingml/2006/main" xmlns:r="http://schemas.openxmlformats.org/officeDocument/2006/relationships" xmlns:p="http://schemas.openxmlformats.org/presentationml/2006/main" type="tx">
+  <p:cSld name="Title and Text">
+    <p:spTree>
+      <p:nvGrpSpPr>
+        <p:cNvPr id="1" name=""/>
+        <p:cNvGrpSpPr/>
+        <p:nvPr/>
+      </p:nvGrpSpPr>
+      <p:grpSpPr>
+        <a:xfrm>
+          <a:off x="0" y="0"/>
+          <a:ext cx="0" cy="0"/>
+          <a:chOff x="0" y="0"/>
+          <a:chExt cx="0" cy="0"/>
+        </a:xfrm>
+      </p:grpSpPr>
+      <p:sp>
+        <p:nvSpPr>
+          <p:cNvPr id="2" name="Shape 1"/>
+          <p:cNvSpPr>
+            <a:spLocks noGrp="1"/>
+          </p:cNvSpPr>
+          <p:nvPr>
+            <p:ph type="title"/>
+          </p:nvPr>
+        </p:nvSpPr>
+        <p:spPr/>
+        <p:txBody>
+          <a:bodyPr rtlCol="0"/>
+          <a:lstStyle/>
+          <a:p>
+            <a:r>
+              <a:rPr lang="en-US"/>
+              <a:t>Click to edit Master title style</a:t>
+            </a:r>
+          </a:p>
+        </p:txBody>
+      </p:sp>
+      <p:sp>
+        <p:nvSpPr>
+          <p:cNvPr id="3" name="Shape 2"/>
+          <p:cNvSpPr>
+            <a:spLocks noGrp="1"/>
+          </p:cNvSpPr>
+          <p:nvPr>
+            <p:ph type="body" idx="1"/>
+          </p:nvPr>
+        </p:nvSpPr>
+        <p:spPr/>
+        <p:txBody>
+          <a:bodyPr rtlCol="0"/>
+          <a:lstStyle/>
+          <a:p>
+            <a:pPr lvl="0"/>
+            <a:r>
+              <a:rPr lang="en-US"/>
+              <a:t>Edit Master text styles</a:t>
+            </a:r>
+          </a:p>
+          <a:p>
+            <a:pPr lvl="1"/>
+            <a:r>
+              <a:rPr lang="en-US"/>
+              <a:t>Second level</a:t>
+            </a:r>
+          </a:p>
+          <a:p>
+            <a:pPr lvl="2"/>
+            <a:r>
+              <a:rPr lang="en-US"/>
+              <a:t>Third level</a:t>
+            </a:r>
+          </a:p>
+          <a:p>
+            <a:pPr lvl="3"/>
+            <a:r>
+              <a:rPr lang="en-US"/>
+              <a:t>Fourth level</a:t>
+            </a:r>
+          </a:p>
+          <a:p>
+            <a:pPr lvl="4"/>
+            <a:r>
+              <a:rPr lang="en-US"/>
+              <a:t>Fifth level</a:t>
+            </a:r>
+          </a:p>
+        </p:txBody>
+      </p:sp>
+    </p:spTree>
+    <p:extLst>
+      <p:ext uri="{BB962C8B-B14F-4D97-AF65-F5344CB8AC3E}">
+        <p14:creationId xmlns:p14="http://schemas.microsoft.com/office/powerpoint/2010/main" val="3024318703"/>
+      </p:ext>
+    </p:extLst>
+  </p:cSld>
+  <p:clrMapOvr>
+    <a:masterClrMapping/>
+  </p:clrMapOvr>
+  <p:hf hdr="0" ftr="0"/>
 </p:sldLayout>
 </file>
 
@@ -7407,7 +9805,6 @@
               <a:rPr lang="en-US"/>
               <a:t>Click to edit Master title style</a:t>
             </a:r>
-            <a:endParaRPr lang="en-US"/>
           </a:p>
         </p:txBody>
       </p:sp>
@@ -7547,7 +9944,7 @@
           <a:p>
             <a:fld id="{03B38507-6AEA-4C49-9333-41CEBC218416}" type="datetimeFigureOut">
               <a:rPr lang="en-US" smtClean="0"/>
-              <a:t>12/9/2016</a:t>
+              <a:t>12/16/2016</a:t>
             </a:fld>
             <a:endParaRPr lang="en-US"/>
           </a:p>
@@ -7644,7 +10041,6 @@
               <a:rPr lang="en-US"/>
               <a:t>Click to edit Master title style</a:t>
             </a:r>
-            <a:endParaRPr lang="en-US"/>
           </a:p>
         </p:txBody>
       </p:sp>
@@ -7701,7 +10097,6 @@
               <a:rPr lang="en-US"/>
               <a:t>Fifth level</a:t>
             </a:r>
-            <a:endParaRPr lang="en-US"/>
           </a:p>
         </p:txBody>
       </p:sp>
@@ -7758,7 +10153,6 @@
               <a:rPr lang="en-US"/>
               <a:t>Fifth level</a:t>
             </a:r>
-            <a:endParaRPr lang="en-US"/>
           </a:p>
         </p:txBody>
       </p:sp>
@@ -7779,7 +10173,7 @@
           <a:p>
             <a:fld id="{03B38507-6AEA-4C49-9333-41CEBC218416}" type="datetimeFigureOut">
               <a:rPr lang="en-US" smtClean="0"/>
-              <a:t>12/9/2016</a:t>
+              <a:t>12/16/2016</a:t>
             </a:fld>
             <a:endParaRPr lang="en-US"/>
           </a:p>
@@ -7881,7 +10275,6 @@
               <a:rPr lang="en-US"/>
               <a:t>Click to edit Master title style</a:t>
             </a:r>
-            <a:endParaRPr lang="en-US"/>
           </a:p>
         </p:txBody>
       </p:sp>
@@ -8003,7 +10396,6 @@
               <a:rPr lang="en-US"/>
               <a:t>Fifth level</a:t>
             </a:r>
-            <a:endParaRPr lang="en-US"/>
           </a:p>
         </p:txBody>
       </p:sp>
@@ -8125,7 +10517,6 @@
               <a:rPr lang="en-US"/>
               <a:t>Fifth level</a:t>
             </a:r>
-            <a:endParaRPr lang="en-US"/>
           </a:p>
         </p:txBody>
       </p:sp>
@@ -8146,7 +10537,7 @@
           <a:p>
             <a:fld id="{03B38507-6AEA-4C49-9333-41CEBC218416}" type="datetimeFigureOut">
               <a:rPr lang="en-US" smtClean="0"/>
-              <a:t>12/9/2016</a:t>
+              <a:t>12/16/2016</a:t>
             </a:fld>
             <a:endParaRPr lang="en-US"/>
           </a:p>
@@ -8243,7 +10634,6 @@
               <a:rPr lang="en-US"/>
               <a:t>Click to edit Master title style</a:t>
             </a:r>
-            <a:endParaRPr lang="en-US"/>
           </a:p>
         </p:txBody>
       </p:sp>
@@ -8264,7 +10654,7 @@
           <a:p>
             <a:fld id="{03B38507-6AEA-4C49-9333-41CEBC218416}" type="datetimeFigureOut">
               <a:rPr lang="en-US" smtClean="0"/>
-              <a:t>12/9/2016</a:t>
+              <a:t>12/16/2016</a:t>
             </a:fld>
             <a:endParaRPr lang="en-US"/>
           </a:p>
@@ -8359,7 +10749,7 @@
           <a:p>
             <a:fld id="{03B38507-6AEA-4C49-9333-41CEBC218416}" type="datetimeFigureOut">
               <a:rPr lang="en-US" smtClean="0"/>
-              <a:t>12/9/2016</a:t>
+              <a:t>12/16/2016</a:t>
             </a:fld>
             <a:endParaRPr lang="en-US"/>
           </a:p>
@@ -8465,7 +10855,6 @@
               <a:rPr lang="en-US"/>
               <a:t>Click to edit Master title style</a:t>
             </a:r>
-            <a:endParaRPr lang="en-US"/>
           </a:p>
         </p:txBody>
       </p:sp>
@@ -8550,7 +10939,6 @@
               <a:rPr lang="en-US"/>
               <a:t>Fifth level</a:t>
             </a:r>
-            <a:endParaRPr lang="en-US"/>
           </a:p>
         </p:txBody>
       </p:sp>
@@ -8636,7 +11024,7 @@
           <a:p>
             <a:fld id="{03B38507-6AEA-4C49-9333-41CEBC218416}" type="datetimeFigureOut">
               <a:rPr lang="en-US" smtClean="0"/>
-              <a:t>12/9/2016</a:t>
+              <a:t>12/16/2016</a:t>
             </a:fld>
             <a:endParaRPr lang="en-US"/>
           </a:p>
@@ -8742,7 +11130,6 @@
               <a:rPr lang="en-US"/>
               <a:t>Click to edit Master title style</a:t>
             </a:r>
-            <a:endParaRPr lang="en-US"/>
           </a:p>
         </p:txBody>
       </p:sp>
@@ -8889,7 +11276,7 @@
           <a:p>
             <a:fld id="{03B38507-6AEA-4C49-9333-41CEBC218416}" type="datetimeFigureOut">
               <a:rPr lang="en-US" smtClean="0"/>
-              <a:t>12/9/2016</a:t>
+              <a:t>12/16/2016</a:t>
             </a:fld>
             <a:endParaRPr lang="en-US"/>
           </a:p>
@@ -9001,7 +11388,6 @@
               <a:rPr lang="en-US"/>
               <a:t>Click to edit Master title style</a:t>
             </a:r>
-            <a:endParaRPr lang="en-US"/>
           </a:p>
         </p:txBody>
       </p:sp>
@@ -9063,7 +11449,6 @@
               <a:rPr lang="en-US"/>
               <a:t>Fifth level</a:t>
             </a:r>
-            <a:endParaRPr lang="en-US"/>
           </a:p>
         </p:txBody>
       </p:sp>
@@ -9102,7 +11487,7 @@
           <a:p>
             <a:fld id="{03B38507-6AEA-4C49-9333-41CEBC218416}" type="datetimeFigureOut">
               <a:rPr lang="en-US" smtClean="0"/>
-              <a:t>12/9/2016</a:t>
+              <a:t>12/16/2016</a:t>
             </a:fld>
             <a:endParaRPr lang="en-US"/>
           </a:p>
@@ -9491,6 +11876,615 @@
 </p:sldMaster>
 </file>
 
+<file path=ppt/slideMasters/slideMaster2.xml><?xml version="1.0" encoding="utf-8"?>
+<p:sldMaster xmlns:a="http://schemas.openxmlformats.org/drawingml/2006/main" xmlns:r="http://schemas.openxmlformats.org/officeDocument/2006/relationships" xmlns:p="http://schemas.openxmlformats.org/presentationml/2006/main" preserve="1">
+  <p:cSld>
+    <p:bg>
+      <p:bgPr>
+        <a:solidFill>
+          <a:schemeClr val="bg1"/>
+        </a:solidFill>
+        <a:effectLst/>
+      </p:bgPr>
+    </p:bg>
+    <p:spTree>
+      <p:nvGrpSpPr>
+        <p:cNvPr id="1" name=""/>
+        <p:cNvGrpSpPr/>
+        <p:nvPr/>
+      </p:nvGrpSpPr>
+      <p:grpSpPr>
+        <a:xfrm>
+          <a:off x="0" y="0"/>
+          <a:ext cx="0" cy="0"/>
+          <a:chOff x="0" y="0"/>
+          <a:chExt cx="0" cy="0"/>
+        </a:xfrm>
+      </p:grpSpPr>
+      <p:sp>
+        <p:nvSpPr>
+          <p:cNvPr id="1028" name="Rectangle 4"/>
+          <p:cNvSpPr>
+            <a:spLocks noGrp="1" noChangeArrowheads="1"/>
+          </p:cNvSpPr>
+          <p:nvPr>
+            <p:ph type="body" idx="1"/>
+          </p:nvPr>
+        </p:nvSpPr>
+        <p:spPr bwMode="gray">
+          <a:xfrm>
+            <a:off x="395288" y="1484313"/>
+            <a:ext cx="8353425" cy="4608512"/>
+          </a:xfrm>
+          <a:prstGeom prst="rect">
+            <a:avLst/>
+          </a:prstGeom>
+          <a:extLst>
+            <a:ext uri="{909E8E84-426E-40DD-AFC4-6F175D3DCCD1}">
+              <a14:hiddenFill xmlns:a14="http://schemas.microsoft.com/office/drawing/2010/main">
+                <a:solidFill>
+                  <a:srgbClr val="FFFFFF"/>
+                </a:solidFill>
+              </a14:hiddenFill>
+            </a:ext>
+            <a:ext uri="{91240B29-F687-4F45-9708-019B960494DF}">
+              <a14:hiddenLine xmlns:a14="http://schemas.microsoft.com/office/drawing/2010/main" w="9525">
+                <a:solidFill>
+                  <a:srgbClr val="000000"/>
+                </a:solidFill>
+                <a:miter lim="800000"/>
+                <a:headEnd/>
+                <a:tailEnd/>
+              </a14:hiddenLine>
+            </a:ext>
+            <a:ext uri="{53640926-AAD7-44D8-BBD7-CCE9431645EC}">
+              <a14:shadowObscured xmlns:a14="http://schemas.microsoft.com/office/drawing/2010/main" val="1"/>
+            </a:ext>
+          </a:extLst>
+        </p:spPr>
+        <p:txBody>
+          <a:bodyPr vert="horz" wrap="square" lIns="0" tIns="0" rIns="0" bIns="0" numCol="1" anchor="t" anchorCtr="0" compatLnSpc="1">
+            <a:prstTxWarp prst="textNoShape">
+              <a:avLst/>
+            </a:prstTxWarp>
+          </a:bodyPr>
+          <a:lstStyle/>
+          <a:p>
+            <a:pPr lvl="0"/>
+            <a:r>
+              <a:rPr lang="sv-SE" dirty="0"/>
+              <a:t>Klicka här för att ändra format på bakgrundstexten</a:t>
+            </a:r>
+          </a:p>
+          <a:p>
+            <a:pPr lvl="1"/>
+            <a:r>
+              <a:rPr lang="sv-SE" dirty="0"/>
+              <a:t>Nivå två</a:t>
+            </a:r>
+          </a:p>
+          <a:p>
+            <a:pPr lvl="2"/>
+            <a:r>
+              <a:rPr lang="sv-SE" dirty="0"/>
+              <a:t>Nivå tre</a:t>
+            </a:r>
+          </a:p>
+          <a:p>
+            <a:pPr lvl="3"/>
+            <a:r>
+              <a:rPr lang="sv-SE" dirty="0"/>
+              <a:t>Nivå fyra</a:t>
+            </a:r>
+          </a:p>
+          <a:p>
+            <a:pPr lvl="4"/>
+            <a:r>
+              <a:rPr lang="sv-SE" dirty="0"/>
+              <a:t>Nivå fem</a:t>
+            </a:r>
+            <a:endParaRPr lang="en-GB" dirty="0"/>
+          </a:p>
+        </p:txBody>
+      </p:sp>
+      <p:sp>
+        <p:nvSpPr>
+          <p:cNvPr id="1029" name="Rectangle 5"/>
+          <p:cNvSpPr>
+            <a:spLocks noGrp="1" noChangeArrowheads="1"/>
+          </p:cNvSpPr>
+          <p:nvPr>
+            <p:ph type="title"/>
+          </p:nvPr>
+        </p:nvSpPr>
+        <p:spPr bwMode="gray">
+          <a:xfrm>
+            <a:off x="395288" y="765175"/>
+            <a:ext cx="8353425" cy="360363"/>
+          </a:xfrm>
+          <a:prstGeom prst="rect">
+            <a:avLst/>
+          </a:prstGeom>
+          <a:extLst>
+            <a:ext uri="{909E8E84-426E-40DD-AFC4-6F175D3DCCD1}">
+              <a14:hiddenFill xmlns:a14="http://schemas.microsoft.com/office/drawing/2010/main">
+                <a:solidFill>
+                  <a:srgbClr val="FFFFFF"/>
+                </a:solidFill>
+              </a14:hiddenFill>
+            </a:ext>
+            <a:ext uri="{91240B29-F687-4F45-9708-019B960494DF}">
+              <a14:hiddenLine xmlns:a14="http://schemas.microsoft.com/office/drawing/2010/main" w="9525">
+                <a:solidFill>
+                  <a:srgbClr val="000000"/>
+                </a:solidFill>
+                <a:miter lim="800000"/>
+                <a:headEnd/>
+                <a:tailEnd/>
+              </a14:hiddenLine>
+            </a:ext>
+            <a:ext uri="{53640926-AAD7-44D8-BBD7-CCE9431645EC}">
+              <a14:shadowObscured xmlns:a14="http://schemas.microsoft.com/office/drawing/2010/main" val="1"/>
+            </a:ext>
+          </a:extLst>
+        </p:spPr>
+        <p:txBody>
+          <a:bodyPr vert="horz" wrap="square" lIns="0" tIns="0" rIns="0" bIns="0" numCol="1" anchor="ctr" anchorCtr="0" compatLnSpc="1">
+            <a:prstTxWarp prst="textNoShape">
+              <a:avLst/>
+            </a:prstTxWarp>
+          </a:bodyPr>
+          <a:lstStyle/>
+          <a:p>
+            <a:pPr lvl="0"/>
+            <a:r>
+              <a:rPr lang="en-GB" dirty="0"/>
+              <a:t>Click to add title</a:t>
+            </a:r>
+          </a:p>
+        </p:txBody>
+      </p:sp>
+    </p:spTree>
+    <p:extLst>
+      <p:ext uri="{BB962C8B-B14F-4D97-AF65-F5344CB8AC3E}">
+        <p14:creationId xmlns:p14="http://schemas.microsoft.com/office/powerpoint/2010/main" val="3836378480"/>
+      </p:ext>
+    </p:extLst>
+  </p:cSld>
+  <p:clrMap bg1="lt1" tx1="dk1" bg2="lt2" tx2="dk2" accent1="accent1" accent2="accent2" accent3="accent3" accent4="accent4" accent5="accent5" accent6="accent6" hlink="hlink" folHlink="folHlink"/>
+  <p:sldLayoutIdLst>
+    <p:sldLayoutId id="2147484030" r:id="rId1"/>
+    <p:sldLayoutId id="2147484031" r:id="rId2"/>
+    <p:sldLayoutId id="2147484032" r:id="rId3"/>
+    <p:sldLayoutId id="2147484033" r:id="rId4"/>
+    <p:sldLayoutId id="2147484034" r:id="rId5"/>
+    <p:sldLayoutId id="2147484035" r:id="rId6"/>
+    <p:sldLayoutId id="2147484036" r:id="rId7"/>
+    <p:sldLayoutId id="2147484037" r:id="rId8"/>
+    <p:sldLayoutId id="2147484038" r:id="rId9"/>
+    <p:sldLayoutId id="2147484039" r:id="rId10"/>
+    <p:sldLayoutId id="2147484040" r:id="rId11"/>
+    <p:sldLayoutId id="2147484041" r:id="rId12"/>
+    <p:sldLayoutId id="2147484042" r:id="rId13"/>
+    <p:sldLayoutId id="2147484043" r:id="rId14"/>
+    <p:sldLayoutId id="2147484044" r:id="rId15"/>
+    <p:sldLayoutId id="2147484045" r:id="rId16"/>
+    <p:sldLayoutId id="2147484046" r:id="rId17"/>
+  </p:sldLayoutIdLst>
+  <p:txStyles>
+    <p:titleStyle>
+      <a:lvl1pPr algn="l" rtl="0" eaLnBrk="1" fontAlgn="base" hangingPunct="1">
+        <a:spcBef>
+          <a:spcPct val="0"/>
+        </a:spcBef>
+        <a:spcAft>
+          <a:spcPct val="0"/>
+        </a:spcAft>
+        <a:defRPr sz="2000" b="1">
+          <a:solidFill>
+            <a:schemeClr val="tx1"/>
+          </a:solidFill>
+          <a:latin typeface="+mj-lt"/>
+          <a:ea typeface="+mj-ea"/>
+          <a:cs typeface="+mj-cs"/>
+        </a:defRPr>
+      </a:lvl1pPr>
+      <a:lvl2pPr algn="l" rtl="0" eaLnBrk="1" fontAlgn="base" hangingPunct="1">
+        <a:spcBef>
+          <a:spcPct val="0"/>
+        </a:spcBef>
+        <a:spcAft>
+          <a:spcPct val="0"/>
+        </a:spcAft>
+        <a:defRPr sz="2000" b="1">
+          <a:solidFill>
+            <a:schemeClr val="bg1"/>
+          </a:solidFill>
+          <a:latin typeface="Arial" charset="0"/>
+        </a:defRPr>
+      </a:lvl2pPr>
+      <a:lvl3pPr algn="l" rtl="0" eaLnBrk="1" fontAlgn="base" hangingPunct="1">
+        <a:spcBef>
+          <a:spcPct val="0"/>
+        </a:spcBef>
+        <a:spcAft>
+          <a:spcPct val="0"/>
+        </a:spcAft>
+        <a:defRPr sz="2000" b="1">
+          <a:solidFill>
+            <a:schemeClr val="bg1"/>
+          </a:solidFill>
+          <a:latin typeface="Arial" charset="0"/>
+        </a:defRPr>
+      </a:lvl3pPr>
+      <a:lvl4pPr algn="l" rtl="0" eaLnBrk="1" fontAlgn="base" hangingPunct="1">
+        <a:spcBef>
+          <a:spcPct val="0"/>
+        </a:spcBef>
+        <a:spcAft>
+          <a:spcPct val="0"/>
+        </a:spcAft>
+        <a:defRPr sz="2000" b="1">
+          <a:solidFill>
+            <a:schemeClr val="bg1"/>
+          </a:solidFill>
+          <a:latin typeface="Arial" charset="0"/>
+        </a:defRPr>
+      </a:lvl4pPr>
+      <a:lvl5pPr algn="l" rtl="0" eaLnBrk="1" fontAlgn="base" hangingPunct="1">
+        <a:spcBef>
+          <a:spcPct val="0"/>
+        </a:spcBef>
+        <a:spcAft>
+          <a:spcPct val="0"/>
+        </a:spcAft>
+        <a:defRPr sz="2000" b="1">
+          <a:solidFill>
+            <a:schemeClr val="bg1"/>
+          </a:solidFill>
+          <a:latin typeface="Arial" charset="0"/>
+        </a:defRPr>
+      </a:lvl5pPr>
+      <a:lvl6pPr marL="457200" algn="l" rtl="0" eaLnBrk="1" fontAlgn="base" hangingPunct="1">
+        <a:spcBef>
+          <a:spcPct val="0"/>
+        </a:spcBef>
+        <a:spcAft>
+          <a:spcPct val="0"/>
+        </a:spcAft>
+        <a:defRPr sz="2000" b="1">
+          <a:solidFill>
+            <a:schemeClr val="bg1"/>
+          </a:solidFill>
+          <a:latin typeface="Arial" charset="0"/>
+        </a:defRPr>
+      </a:lvl6pPr>
+      <a:lvl7pPr marL="914400" algn="l" rtl="0" eaLnBrk="1" fontAlgn="base" hangingPunct="1">
+        <a:spcBef>
+          <a:spcPct val="0"/>
+        </a:spcBef>
+        <a:spcAft>
+          <a:spcPct val="0"/>
+        </a:spcAft>
+        <a:defRPr sz="2000" b="1">
+          <a:solidFill>
+            <a:schemeClr val="bg1"/>
+          </a:solidFill>
+          <a:latin typeface="Arial" charset="0"/>
+        </a:defRPr>
+      </a:lvl7pPr>
+      <a:lvl8pPr marL="1371600" algn="l" rtl="0" eaLnBrk="1" fontAlgn="base" hangingPunct="1">
+        <a:spcBef>
+          <a:spcPct val="0"/>
+        </a:spcBef>
+        <a:spcAft>
+          <a:spcPct val="0"/>
+        </a:spcAft>
+        <a:defRPr sz="2000" b="1">
+          <a:solidFill>
+            <a:schemeClr val="bg1"/>
+          </a:solidFill>
+          <a:latin typeface="Arial" charset="0"/>
+        </a:defRPr>
+      </a:lvl8pPr>
+      <a:lvl9pPr marL="1828800" algn="l" rtl="0" eaLnBrk="1" fontAlgn="base" hangingPunct="1">
+        <a:spcBef>
+          <a:spcPct val="0"/>
+        </a:spcBef>
+        <a:spcAft>
+          <a:spcPct val="0"/>
+        </a:spcAft>
+        <a:defRPr sz="2000" b="1">
+          <a:solidFill>
+            <a:schemeClr val="bg1"/>
+          </a:solidFill>
+          <a:latin typeface="Arial" charset="0"/>
+        </a:defRPr>
+      </a:lvl9pPr>
+    </p:titleStyle>
+    <p:bodyStyle>
+      <a:lvl1pPr marL="177800" indent="-177800" algn="l" rtl="0" eaLnBrk="1" fontAlgn="base" hangingPunct="1">
+        <a:spcBef>
+          <a:spcPct val="40000"/>
+        </a:spcBef>
+        <a:spcAft>
+          <a:spcPct val="0"/>
+        </a:spcAft>
+        <a:buClr>
+          <a:schemeClr val="accent1"/>
+        </a:buClr>
+        <a:buFont typeface="Wingdings" pitchFamily="2" charset="2"/>
+        <a:buChar char="§"/>
+        <a:defRPr lang="sv-SE" dirty="0" smtClean="0">
+          <a:solidFill>
+            <a:schemeClr val="tx1"/>
+          </a:solidFill>
+          <a:latin typeface="+mn-lt"/>
+          <a:ea typeface="+mn-ea"/>
+          <a:cs typeface="+mn-cs"/>
+        </a:defRPr>
+      </a:lvl1pPr>
+      <a:lvl2pPr marL="541338" indent="-184150" algn="l" rtl="0" eaLnBrk="1" fontAlgn="base" hangingPunct="1">
+        <a:spcBef>
+          <a:spcPct val="40000"/>
+        </a:spcBef>
+        <a:spcAft>
+          <a:spcPct val="0"/>
+        </a:spcAft>
+        <a:buClr>
+          <a:schemeClr val="accent1"/>
+        </a:buClr>
+        <a:buFont typeface="Wingdings" pitchFamily="2" charset="2"/>
+        <a:buChar char="§"/>
+        <a:defRPr lang="sv-SE" sz="1600" dirty="0" smtClean="0">
+          <a:solidFill>
+            <a:schemeClr val="tx1"/>
+          </a:solidFill>
+          <a:latin typeface="+mn-lt"/>
+          <a:ea typeface="+mn-ea"/>
+          <a:cs typeface="+mn-cs"/>
+        </a:defRPr>
+      </a:lvl2pPr>
+      <a:lvl3pPr marL="896938" indent="-176213" algn="l" rtl="0" eaLnBrk="1" fontAlgn="base" hangingPunct="1">
+        <a:spcBef>
+          <a:spcPct val="40000"/>
+        </a:spcBef>
+        <a:spcAft>
+          <a:spcPct val="0"/>
+        </a:spcAft>
+        <a:buClr>
+          <a:schemeClr val="accent1"/>
+        </a:buClr>
+        <a:buFont typeface="Wingdings" pitchFamily="2" charset="2"/>
+        <a:buChar char="§"/>
+        <a:defRPr lang="sv-SE" sz="1600" dirty="0" smtClean="0">
+          <a:solidFill>
+            <a:schemeClr val="tx1"/>
+          </a:solidFill>
+          <a:latin typeface="+mn-lt"/>
+          <a:ea typeface="+mn-ea"/>
+          <a:cs typeface="+mn-cs"/>
+        </a:defRPr>
+      </a:lvl3pPr>
+      <a:lvl4pPr marL="1252538" indent="-176213" algn="l" rtl="0" eaLnBrk="1" fontAlgn="base" hangingPunct="1">
+        <a:spcBef>
+          <a:spcPct val="40000"/>
+        </a:spcBef>
+        <a:spcAft>
+          <a:spcPct val="0"/>
+        </a:spcAft>
+        <a:buClr>
+          <a:schemeClr val="accent1"/>
+        </a:buClr>
+        <a:buSzPct val="120000"/>
+        <a:buFont typeface="Wingdings" pitchFamily="2" charset="2"/>
+        <a:buChar char="§"/>
+        <a:defRPr lang="sv-SE" sz="1400" dirty="0" smtClean="0">
+          <a:solidFill>
+            <a:schemeClr val="tx1"/>
+          </a:solidFill>
+          <a:latin typeface="+mn-lt"/>
+          <a:ea typeface="+mn-ea"/>
+          <a:cs typeface="+mn-cs"/>
+        </a:defRPr>
+      </a:lvl4pPr>
+      <a:lvl5pPr marL="1616075" indent="-184150" algn="l" rtl="0" eaLnBrk="1" fontAlgn="base" hangingPunct="1">
+        <a:spcBef>
+          <a:spcPct val="40000"/>
+        </a:spcBef>
+        <a:spcAft>
+          <a:spcPct val="0"/>
+        </a:spcAft>
+        <a:buClr>
+          <a:schemeClr val="accent1"/>
+        </a:buClr>
+        <a:buFont typeface="Wingdings" pitchFamily="2" charset="2"/>
+        <a:buChar char="§"/>
+        <a:defRPr lang="en-GB" sz="1400" dirty="0" smtClean="0">
+          <a:solidFill>
+            <a:schemeClr val="tx1"/>
+          </a:solidFill>
+          <a:latin typeface="+mn-lt"/>
+          <a:ea typeface="+mn-ea"/>
+          <a:cs typeface="+mn-cs"/>
+        </a:defRPr>
+      </a:lvl5pPr>
+      <a:lvl6pPr marL="2073275" indent="-184150" algn="l" rtl="0" eaLnBrk="1" fontAlgn="base" hangingPunct="1">
+        <a:spcBef>
+          <a:spcPct val="40000"/>
+        </a:spcBef>
+        <a:spcAft>
+          <a:spcPct val="0"/>
+        </a:spcAft>
+        <a:buClr>
+          <a:schemeClr val="bg2"/>
+        </a:buClr>
+        <a:buFont typeface="Arial" charset="0"/>
+        <a:buChar char="–"/>
+        <a:defRPr sz="1400">
+          <a:solidFill>
+            <a:schemeClr val="tx1"/>
+          </a:solidFill>
+          <a:latin typeface="+mn-lt"/>
+        </a:defRPr>
+      </a:lvl6pPr>
+      <a:lvl7pPr marL="2530475" indent="-184150" algn="l" rtl="0" eaLnBrk="1" fontAlgn="base" hangingPunct="1">
+        <a:spcBef>
+          <a:spcPct val="40000"/>
+        </a:spcBef>
+        <a:spcAft>
+          <a:spcPct val="0"/>
+        </a:spcAft>
+        <a:buClr>
+          <a:schemeClr val="bg2"/>
+        </a:buClr>
+        <a:buFont typeface="Arial" charset="0"/>
+        <a:buChar char="–"/>
+        <a:defRPr sz="1400">
+          <a:solidFill>
+            <a:schemeClr val="tx1"/>
+          </a:solidFill>
+          <a:latin typeface="+mn-lt"/>
+        </a:defRPr>
+      </a:lvl7pPr>
+      <a:lvl8pPr marL="2987675" indent="-184150" algn="l" rtl="0" eaLnBrk="1" fontAlgn="base" hangingPunct="1">
+        <a:spcBef>
+          <a:spcPct val="40000"/>
+        </a:spcBef>
+        <a:spcAft>
+          <a:spcPct val="0"/>
+        </a:spcAft>
+        <a:buClr>
+          <a:schemeClr val="bg2"/>
+        </a:buClr>
+        <a:buFont typeface="Arial" charset="0"/>
+        <a:buChar char="–"/>
+        <a:defRPr sz="1400">
+          <a:solidFill>
+            <a:schemeClr val="tx1"/>
+          </a:solidFill>
+          <a:latin typeface="+mn-lt"/>
+        </a:defRPr>
+      </a:lvl8pPr>
+      <a:lvl9pPr marL="3444875" indent="-184150" algn="l" rtl="0" eaLnBrk="1" fontAlgn="base" hangingPunct="1">
+        <a:spcBef>
+          <a:spcPct val="40000"/>
+        </a:spcBef>
+        <a:spcAft>
+          <a:spcPct val="0"/>
+        </a:spcAft>
+        <a:buClr>
+          <a:schemeClr val="bg2"/>
+        </a:buClr>
+        <a:buFont typeface="Arial" charset="0"/>
+        <a:buChar char="–"/>
+        <a:defRPr sz="1400">
+          <a:solidFill>
+            <a:schemeClr val="tx1"/>
+          </a:solidFill>
+          <a:latin typeface="+mn-lt"/>
+        </a:defRPr>
+      </a:lvl9pPr>
+    </p:bodyStyle>
+    <p:otherStyle>
+      <a:defPPr>
+        <a:defRPr lang="sv-SE"/>
+      </a:defPPr>
+      <a:lvl1pPr marL="0" algn="l" defTabSz="914400" rtl="0" eaLnBrk="1" latinLnBrk="0" hangingPunct="1">
+        <a:defRPr sz="1800" kern="1200">
+          <a:solidFill>
+            <a:schemeClr val="tx1"/>
+          </a:solidFill>
+          <a:latin typeface="+mn-lt"/>
+          <a:ea typeface="+mn-ea"/>
+          <a:cs typeface="+mn-cs"/>
+        </a:defRPr>
+      </a:lvl1pPr>
+      <a:lvl2pPr marL="457200" algn="l" defTabSz="914400" rtl="0" eaLnBrk="1" latinLnBrk="0" hangingPunct="1">
+        <a:defRPr sz="1800" kern="1200">
+          <a:solidFill>
+            <a:schemeClr val="tx1"/>
+          </a:solidFill>
+          <a:latin typeface="+mn-lt"/>
+          <a:ea typeface="+mn-ea"/>
+          <a:cs typeface="+mn-cs"/>
+        </a:defRPr>
+      </a:lvl2pPr>
+      <a:lvl3pPr marL="914400" algn="l" defTabSz="914400" rtl="0" eaLnBrk="1" latinLnBrk="0" hangingPunct="1">
+        <a:defRPr sz="1800" kern="1200">
+          <a:solidFill>
+            <a:schemeClr val="tx1"/>
+          </a:solidFill>
+          <a:latin typeface="+mn-lt"/>
+          <a:ea typeface="+mn-ea"/>
+          <a:cs typeface="+mn-cs"/>
+        </a:defRPr>
+      </a:lvl3pPr>
+      <a:lvl4pPr marL="1371600" algn="l" defTabSz="914400" rtl="0" eaLnBrk="1" latinLnBrk="0" hangingPunct="1">
+        <a:defRPr sz="1800" kern="1200">
+          <a:solidFill>
+            <a:schemeClr val="tx1"/>
+          </a:solidFill>
+          <a:latin typeface="+mn-lt"/>
+          <a:ea typeface="+mn-ea"/>
+          <a:cs typeface="+mn-cs"/>
+        </a:defRPr>
+      </a:lvl4pPr>
+      <a:lvl5pPr marL="1828800" algn="l" defTabSz="914400" rtl="0" eaLnBrk="1" latinLnBrk="0" hangingPunct="1">
+        <a:defRPr sz="1800" kern="1200">
+          <a:solidFill>
+            <a:schemeClr val="tx1"/>
+          </a:solidFill>
+          <a:latin typeface="+mn-lt"/>
+          <a:ea typeface="+mn-ea"/>
+          <a:cs typeface="+mn-cs"/>
+        </a:defRPr>
+      </a:lvl5pPr>
+      <a:lvl6pPr marL="2286000" algn="l" defTabSz="914400" rtl="0" eaLnBrk="1" latinLnBrk="0" hangingPunct="1">
+        <a:defRPr sz="1800" kern="1200">
+          <a:solidFill>
+            <a:schemeClr val="tx1"/>
+          </a:solidFill>
+          <a:latin typeface="+mn-lt"/>
+          <a:ea typeface="+mn-ea"/>
+          <a:cs typeface="+mn-cs"/>
+        </a:defRPr>
+      </a:lvl6pPr>
+      <a:lvl7pPr marL="2743200" algn="l" defTabSz="914400" rtl="0" eaLnBrk="1" latinLnBrk="0" hangingPunct="1">
+        <a:defRPr sz="1800" kern="1200">
+          <a:solidFill>
+            <a:schemeClr val="tx1"/>
+          </a:solidFill>
+          <a:latin typeface="+mn-lt"/>
+          <a:ea typeface="+mn-ea"/>
+          <a:cs typeface="+mn-cs"/>
+        </a:defRPr>
+      </a:lvl7pPr>
+      <a:lvl8pPr marL="3200400" algn="l" defTabSz="914400" rtl="0" eaLnBrk="1" latinLnBrk="0" hangingPunct="1">
+        <a:defRPr sz="1800" kern="1200">
+          <a:solidFill>
+            <a:schemeClr val="tx1"/>
+          </a:solidFill>
+          <a:latin typeface="+mn-lt"/>
+          <a:ea typeface="+mn-ea"/>
+          <a:cs typeface="+mn-cs"/>
+        </a:defRPr>
+      </a:lvl8pPr>
+      <a:lvl9pPr marL="3657600" algn="l" defTabSz="914400" rtl="0" eaLnBrk="1" latinLnBrk="0" hangingPunct="1">
+        <a:defRPr sz="1800" kern="1200">
+          <a:solidFill>
+            <a:schemeClr val="tx1"/>
+          </a:solidFill>
+          <a:latin typeface="+mn-lt"/>
+          <a:ea typeface="+mn-ea"/>
+          <a:cs typeface="+mn-cs"/>
+        </a:defRPr>
+      </a:lvl9pPr>
+    </p:otherStyle>
+  </p:txStyles>
+</p:sldMaster>
+</file>
+
 <file path=ppt/slides/slide1.xml><?xml version="1.0" encoding="utf-8"?>
 <p:sld xmlns:a="http://schemas.openxmlformats.org/drawingml/2006/main" xmlns:r="http://schemas.openxmlformats.org/officeDocument/2006/relationships" xmlns:p="http://schemas.openxmlformats.org/presentationml/2006/main">
   <p:cSld>
@@ -9510,6 +12504,28 @@
       </p:grpSpPr>
       <p:sp>
         <p:nvSpPr>
+          <p:cNvPr id="4098" name="Underrubrik 6"/>
+          <p:cNvSpPr>
+            <a:spLocks noGrp="1"/>
+          </p:cNvSpPr>
+          <p:nvPr>
+            <p:ph type="subTitle" idx="1"/>
+          </p:nvPr>
+        </p:nvSpPr>
+        <p:spPr/>
+        <p:txBody>
+          <a:bodyPr/>
+          <a:lstStyle/>
+          <a:p>
+            <a:r>
+              <a:rPr lang="en-GB" dirty="0"/>
+              <a:t>Introduction to Orchestrations</a:t>
+            </a:r>
+          </a:p>
+        </p:txBody>
+      </p:sp>
+      <p:sp>
+        <p:nvSpPr>
           <p:cNvPr id="4099" name="Rubrik 5"/>
           <p:cNvSpPr>
             <a:spLocks noGrp="1"/>
@@ -9525,35 +12541,9 @@
           <a:p>
             <a:r>
               <a:rPr lang="en-US" dirty="0"/>
-              <a:t>Developing Integration Solutions using Microsoft BizTalk </a:t>
-            </a:r>
-            <a:r>
-              <a:rPr lang="en-US"/>
-              <a:t>Server 2013</a:t>
+              <a:t>Developing Integration Solutions using Microsoft BizTalk Server 2016</a:t>
             </a:r>
             <a:endParaRPr lang="en-GB" dirty="0"/>
-          </a:p>
-        </p:txBody>
-      </p:sp>
-      <p:sp>
-        <p:nvSpPr>
-          <p:cNvPr id="4098" name="Underrubrik 6"/>
-          <p:cNvSpPr>
-            <a:spLocks noGrp="1"/>
-          </p:cNvSpPr>
-          <p:nvPr>
-            <p:ph type="subTitle" idx="1"/>
-          </p:nvPr>
-        </p:nvSpPr>
-        <p:spPr/>
-        <p:txBody>
-          <a:bodyPr/>
-          <a:lstStyle/>
-          <a:p>
-            <a:r>
-              <a:rPr lang="en-GB" dirty="0"/>
-              <a:t>Introduction to Orchestrations</a:t>
-            </a:r>
           </a:p>
         </p:txBody>
       </p:sp>
@@ -9564,14 +12554,17 @@
             <a:spLocks noGrp="1"/>
           </p:cNvSpPr>
           <p:nvPr>
-            <p:ph type="dt" sz="half" idx="10"/>
+            <p:ph type="dt" sz="half" idx="4294967295"/>
           </p:nvPr>
         </p:nvSpPr>
         <p:spPr>
           <a:xfrm>
-            <a:off x="790216" y="6350023"/>
-            <a:ext cx="1117487" cy="365125"/>
+            <a:off x="0" y="6350000"/>
+            <a:ext cx="1117600" cy="365125"/>
           </a:xfrm>
+          <a:prstGeom prst="rect">
+            <a:avLst/>
+          </a:prstGeom>
         </p:spPr>
         <p:txBody>
           <a:bodyPr/>
@@ -9592,10 +12585,18 @@
             <a:spLocks noGrp="1"/>
           </p:cNvSpPr>
           <p:nvPr>
-            <p:ph type="sldNum" sz="quarter" idx="12"/>
+            <p:ph type="sldNum" sz="quarter" idx="4294967295"/>
           </p:nvPr>
         </p:nvSpPr>
-        <p:spPr/>
+        <p:spPr>
+          <a:xfrm>
+            <a:off x="7086600" y="6356350"/>
+            <a:ext cx="2057400" cy="365125"/>
+          </a:xfrm>
+          <a:prstGeom prst="rect">
+            <a:avLst/>
+          </a:prstGeom>
+        </p:spPr>
         <p:txBody>
           <a:bodyPr/>
           <a:lstStyle/>
@@ -9802,7 +12803,7 @@
                   </a:extLst>
                 </a:gridCol>
               </a:tblGrid>
-              <a:tr h="318218">
+              <a:tr h="518146">
                 <a:tc>
                   <a:txBody>
                     <a:bodyPr/>
@@ -9844,7 +12845,7 @@
                   </a:ext>
                 </a:extLst>
               </a:tr>
-              <a:tr h="329854">
+              <a:tr h="518146">
                 <a:tc>
                   <a:txBody>
                     <a:bodyPr/>
@@ -10042,6 +13043,554 @@
       </p:pic>
       <p:sp>
         <p:nvSpPr>
+          <p:cNvPr id="26" name="AutoShape 5"/>
+          <p:cNvSpPr>
+            <a:spLocks noChangeArrowheads="1"/>
+          </p:cNvSpPr>
+          <p:nvPr/>
+        </p:nvSpPr>
+        <p:spPr bwMode="auto">
+          <a:xfrm>
+            <a:off x="539552" y="4667192"/>
+            <a:ext cx="5308807" cy="2081448"/>
+          </a:xfrm>
+          <a:prstGeom prst="roundRect">
+            <a:avLst>
+              <a:gd name="adj" fmla="val 4167"/>
+            </a:avLst>
+          </a:prstGeom>
+          <a:ln>
+            <a:headEnd/>
+            <a:tailEnd/>
+          </a:ln>
+        </p:spPr>
+        <p:style>
+          <a:lnRef idx="1">
+            <a:schemeClr val="accent6"/>
+          </a:lnRef>
+          <a:fillRef idx="2">
+            <a:schemeClr val="accent6"/>
+          </a:fillRef>
+          <a:effectRef idx="1">
+            <a:schemeClr val="accent6"/>
+          </a:effectRef>
+          <a:fontRef idx="minor">
+            <a:schemeClr val="dk1"/>
+          </a:fontRef>
+        </p:style>
+        <p:txBody>
+          <a:bodyPr/>
+          <a:lstStyle/>
+          <a:p>
+            <a:pPr marL="58738" algn="l">
+              <a:lnSpc>
+                <a:spcPct val="90000"/>
+              </a:lnSpc>
+              <a:spcBef>
+                <a:spcPct val="40000"/>
+              </a:spcBef>
+              <a:buClr>
+                <a:srgbClr val="8DACD0"/>
+              </a:buClr>
+              <a:buSzPct val="70000"/>
+              <a:buFont typeface="Wingdings" pitchFamily="2" charset="2"/>
+              <a:buNone/>
+            </a:pPr>
+            <a:r>
+              <a:rPr lang="en-US" sz="2000" dirty="0"/>
+              <a:t>Other</a:t>
+            </a:r>
+          </a:p>
+        </p:txBody>
+      </p:sp>
+      <p:sp>
+        <p:nvSpPr>
+          <p:cNvPr id="2" name="Title 1"/>
+          <p:cNvSpPr>
+            <a:spLocks noGrp="1"/>
+          </p:cNvSpPr>
+          <p:nvPr>
+            <p:ph type="title"/>
+          </p:nvPr>
+        </p:nvSpPr>
+        <p:spPr/>
+        <p:txBody>
+          <a:bodyPr/>
+          <a:lstStyle/>
+          <a:p>
+            <a:r>
+              <a:rPr lang="sv-SE" dirty="0"/>
+              <a:t>Orchestration Shapes</a:t>
+            </a:r>
+          </a:p>
+        </p:txBody>
+      </p:sp>
+      <p:sp>
+        <p:nvSpPr>
+          <p:cNvPr id="30" name="AutoShape 6"/>
+          <p:cNvSpPr>
+            <a:spLocks noChangeArrowheads="1"/>
+          </p:cNvSpPr>
+          <p:nvPr/>
+        </p:nvSpPr>
+        <p:spPr bwMode="auto">
+          <a:xfrm>
+            <a:off x="781777" y="5035133"/>
+            <a:ext cx="4833831" cy="1639907"/>
+          </a:xfrm>
+          <a:prstGeom prst="roundRect">
+            <a:avLst>
+              <a:gd name="adj" fmla="val 4167"/>
+            </a:avLst>
+          </a:prstGeom>
+          <a:ln>
+            <a:headEnd/>
+            <a:tailEnd/>
+          </a:ln>
+        </p:spPr>
+        <p:style>
+          <a:lnRef idx="1">
+            <a:schemeClr val="accent1"/>
+          </a:lnRef>
+          <a:fillRef idx="2">
+            <a:schemeClr val="accent1"/>
+          </a:fillRef>
+          <a:effectRef idx="1">
+            <a:schemeClr val="accent1"/>
+          </a:effectRef>
+          <a:fontRef idx="minor">
+            <a:schemeClr val="dk1"/>
+          </a:fontRef>
+        </p:style>
+        <p:txBody>
+          <a:bodyPr/>
+          <a:lstStyle/>
+          <a:p>
+            <a:pPr marL="225425" indent="-225425" algn="l">
+              <a:lnSpc>
+                <a:spcPct val="90000"/>
+              </a:lnSpc>
+              <a:spcBef>
+                <a:spcPct val="40000"/>
+              </a:spcBef>
+              <a:buClr>
+                <a:srgbClr val="8DACD0"/>
+              </a:buClr>
+              <a:buSzPct val="80000"/>
+              <a:buFont typeface="Wingdings" pitchFamily="2" charset="2"/>
+              <a:buBlip>
+                <a:blip r:embed="rId2"/>
+              </a:buBlip>
+            </a:pPr>
+            <a:endParaRPr lang="en-US" dirty="0"/>
+          </a:p>
+        </p:txBody>
+      </p:sp>
+      <p:graphicFrame>
+        <p:nvGraphicFramePr>
+          <p:cNvPr id="31" name="Content Placeholder 3"/>
+          <p:cNvGraphicFramePr>
+            <a:graphicFrameLocks/>
+          </p:cNvGraphicFramePr>
+          <p:nvPr>
+            <p:extLst>
+              <p:ext uri="{D42A27DB-BD31-4B8C-83A1-F6EECF244321}">
+                <p14:modId xmlns:p14="http://schemas.microsoft.com/office/powerpoint/2010/main" val="2336758422"/>
+              </p:ext>
+            </p:extLst>
+          </p:nvPr>
+        </p:nvGraphicFramePr>
+        <p:xfrm>
+          <a:off x="944652" y="5201434"/>
+          <a:ext cx="4491444" cy="1366146"/>
+        </p:xfrm>
+        <a:graphic>
+          <a:graphicData uri="http://schemas.openxmlformats.org/drawingml/2006/table">
+            <a:tbl>
+              <a:tblPr bandRow="1">
+                <a:tableStyleId>{3B4B98B0-60AC-42C2-AFA5-B58CD77FA1E5}</a:tableStyleId>
+              </a:tblPr>
+              <a:tblGrid>
+                <a:gridCol w="1683132">
+                  <a:extLst>
+                    <a:ext uri="{9D8B030D-6E8A-4147-A177-3AD203B41FA5}">
+                      <a16:colId xmlns:a16="http://schemas.microsoft.com/office/drawing/2014/main" val="20000"/>
+                    </a:ext>
+                  </a:extLst>
+                </a:gridCol>
+                <a:gridCol w="2808312">
+                  <a:extLst>
+                    <a:ext uri="{9D8B030D-6E8A-4147-A177-3AD203B41FA5}">
+                      <a16:colId xmlns:a16="http://schemas.microsoft.com/office/drawing/2014/main" val="20001"/>
+                    </a:ext>
+                  </a:extLst>
+                </a:gridCol>
+              </a:tblGrid>
+              <a:tr h="518146">
+                <a:tc>
+                  <a:txBody>
+                    <a:bodyPr/>
+                    <a:lstStyle/>
+                    <a:p>
+                      <a:r>
+                        <a:rPr lang="sv-SE" sz="1400" baseline="0" dirty="0"/>
+                        <a:t>     Expression</a:t>
+                      </a:r>
+                      <a:endParaRPr lang="sv-SE" sz="1400" dirty="0"/>
+                    </a:p>
+                  </a:txBody>
+                  <a:tcPr marL="91439" marR="91439" marT="45713" marB="45713"/>
+                </a:tc>
+                <a:tc>
+                  <a:txBody>
+                    <a:bodyPr/>
+                    <a:lstStyle/>
+                    <a:p>
+                      <a:r>
+                        <a:rPr lang="sv-SE" sz="1400" dirty="0"/>
+                        <a:t>Perform</a:t>
+                      </a:r>
+                      <a:r>
+                        <a:rPr lang="sv-SE" sz="1400" baseline="0" dirty="0"/>
+                        <a:t> XLANG/s statements or call .NET components.</a:t>
+                      </a:r>
+                      <a:endParaRPr lang="sv-SE" sz="1400" dirty="0"/>
+                    </a:p>
+                  </a:txBody>
+                  <a:tcPr marL="91439" marR="91439" marT="45713" marB="45713"/>
+                </a:tc>
+                <a:extLst>
+                  <a:ext uri="{0D108BD9-81ED-4DB2-BD59-A6C34878D82A}">
+                    <a16:rowId xmlns:a16="http://schemas.microsoft.com/office/drawing/2014/main" val="10000"/>
+                  </a:ext>
+                </a:extLst>
+              </a:tr>
+              <a:tr h="329854">
+                <a:tc>
+                  <a:txBody>
+                    <a:bodyPr/>
+                    <a:lstStyle/>
+                    <a:p>
+                      <a:r>
+                        <a:rPr lang="sv-SE" sz="1400" kern="1200" baseline="0" dirty="0">
+                          <a:solidFill>
+                            <a:schemeClr val="tx1"/>
+                          </a:solidFill>
+                          <a:latin typeface="+mn-lt"/>
+                          <a:ea typeface="+mn-ea"/>
+                          <a:cs typeface="+mn-cs"/>
+                        </a:rPr>
+                        <a:t>     Call Rules</a:t>
+                      </a:r>
+                    </a:p>
+                  </a:txBody>
+                  <a:tcPr marL="91439" marR="91439" marT="45713" marB="45713"/>
+                </a:tc>
+                <a:tc>
+                  <a:txBody>
+                    <a:bodyPr/>
+                    <a:lstStyle/>
+                    <a:p>
+                      <a:pPr marL="0" marR="0" lvl="0" indent="0" algn="l" defTabSz="914400" rtl="0" eaLnBrk="1" fontAlgn="auto" latinLnBrk="0" hangingPunct="1">
+                        <a:lnSpc>
+                          <a:spcPct val="100000"/>
+                        </a:lnSpc>
+                        <a:spcBef>
+                          <a:spcPts val="0"/>
+                        </a:spcBef>
+                        <a:spcAft>
+                          <a:spcPts val="0"/>
+                        </a:spcAft>
+                        <a:buClrTx/>
+                        <a:buSzTx/>
+                        <a:buFontTx/>
+                        <a:buNone/>
+                        <a:tabLst/>
+                        <a:defRPr/>
+                      </a:pPr>
+                      <a:r>
+                        <a:rPr lang="en-US" sz="1400" kern="1200" baseline="0" dirty="0">
+                          <a:solidFill>
+                            <a:schemeClr val="tx1"/>
+                          </a:solidFill>
+                          <a:latin typeface="+mn-lt"/>
+                          <a:ea typeface="+mn-ea"/>
+                          <a:cs typeface="+mn-cs"/>
+                        </a:rPr>
+                        <a:t>Call a Business Rules Policy.</a:t>
+                      </a:r>
+                    </a:p>
+                  </a:txBody>
+                  <a:tcPr marL="91439" marR="91439" marT="45713" marB="45713"/>
+                </a:tc>
+                <a:extLst>
+                  <a:ext uri="{0D108BD9-81ED-4DB2-BD59-A6C34878D82A}">
+                    <a16:rowId xmlns:a16="http://schemas.microsoft.com/office/drawing/2014/main" val="10001"/>
+                  </a:ext>
+                </a:extLst>
+              </a:tr>
+              <a:tr h="518146">
+                <a:tc>
+                  <a:txBody>
+                    <a:bodyPr/>
+                    <a:lstStyle/>
+                    <a:p>
+                      <a:r>
+                        <a:rPr lang="sv-SE" sz="1400" kern="1200" baseline="0" dirty="0">
+                          <a:solidFill>
+                            <a:schemeClr val="tx1"/>
+                          </a:solidFill>
+                          <a:latin typeface="+mn-lt"/>
+                          <a:ea typeface="+mn-ea"/>
+                          <a:cs typeface="+mn-cs"/>
+                        </a:rPr>
+                        <a:t>     Compensation</a:t>
+                      </a:r>
+                    </a:p>
+                  </a:txBody>
+                  <a:tcPr marL="91439" marR="91439" marT="45713" marB="45713"/>
+                </a:tc>
+                <a:tc>
+                  <a:txBody>
+                    <a:bodyPr/>
+                    <a:lstStyle/>
+                    <a:p>
+                      <a:pPr marL="0" marR="0" lvl="0" indent="0" algn="l" defTabSz="914400" rtl="0" eaLnBrk="1" fontAlgn="auto" latinLnBrk="0" hangingPunct="1">
+                        <a:lnSpc>
+                          <a:spcPct val="100000"/>
+                        </a:lnSpc>
+                        <a:spcBef>
+                          <a:spcPts val="0"/>
+                        </a:spcBef>
+                        <a:spcAft>
+                          <a:spcPts val="0"/>
+                        </a:spcAft>
+                        <a:buClrTx/>
+                        <a:buSzTx/>
+                        <a:buFontTx/>
+                        <a:buNone/>
+                        <a:tabLst/>
+                        <a:defRPr/>
+                      </a:pPr>
+                      <a:r>
+                        <a:rPr lang="en-US" sz="1400" kern="1200" baseline="0" dirty="0">
+                          <a:solidFill>
+                            <a:schemeClr val="tx1"/>
+                          </a:solidFill>
+                          <a:latin typeface="+mn-lt"/>
+                          <a:ea typeface="+mn-ea"/>
+                          <a:cs typeface="+mn-cs"/>
+                        </a:rPr>
+                        <a:t>Enables you apply compensation logic after a failure has occurred.</a:t>
+                      </a:r>
+                    </a:p>
+                  </a:txBody>
+                  <a:tcPr marL="91439" marR="91439" marT="45713" marB="45713"/>
+                </a:tc>
+                <a:extLst>
+                  <a:ext uri="{0D108BD9-81ED-4DB2-BD59-A6C34878D82A}">
+                    <a16:rowId xmlns:a16="http://schemas.microsoft.com/office/drawing/2014/main" val="10002"/>
+                  </a:ext>
+                </a:extLst>
+              </a:tr>
+            </a:tbl>
+          </a:graphicData>
+        </a:graphic>
+      </p:graphicFrame>
+      <p:pic>
+        <p:nvPicPr>
+          <p:cNvPr id="1037" name="Picture 13"/>
+          <p:cNvPicPr>
+            <a:picLocks noChangeAspect="1" noChangeArrowheads="1"/>
+          </p:cNvPicPr>
+          <p:nvPr/>
+        </p:nvPicPr>
+        <p:blipFill>
+          <a:blip r:embed="rId5">
+            <a:extLst>
+              <a:ext uri="{28A0092B-C50C-407E-A947-70E740481C1C}">
+                <a14:useLocalDpi xmlns:a14="http://schemas.microsoft.com/office/drawing/2010/main" val="0"/>
+              </a:ext>
+            </a:extLst>
+          </a:blip>
+          <a:srcRect/>
+          <a:stretch>
+            <a:fillRect/>
+          </a:stretch>
+        </p:blipFill>
+        <p:spPr bwMode="auto">
+          <a:xfrm>
+            <a:off x="989842" y="5225284"/>
+            <a:ext cx="270625" cy="264182"/>
+          </a:xfrm>
+          <a:prstGeom prst="rect">
+            <a:avLst/>
+          </a:prstGeom>
+          <a:noFill/>
+          <a:ln>
+            <a:noFill/>
+          </a:ln>
+          <a:effectLst/>
+          <a:extLst>
+            <a:ext uri="{909E8E84-426E-40DD-AFC4-6F175D3DCCD1}">
+              <a14:hiddenFill xmlns:a14="http://schemas.microsoft.com/office/drawing/2010/main">
+                <a:solidFill>
+                  <a:schemeClr val="accent1"/>
+                </a:solidFill>
+              </a14:hiddenFill>
+            </a:ext>
+            <a:ext uri="{91240B29-F687-4F45-9708-019B960494DF}">
+              <a14:hiddenLine xmlns:a14="http://schemas.microsoft.com/office/drawing/2010/main" w="9525">
+                <a:solidFill>
+                  <a:schemeClr val="tx1"/>
+                </a:solidFill>
+                <a:miter lim="800000"/>
+                <a:headEnd/>
+                <a:tailEnd/>
+              </a14:hiddenLine>
+            </a:ext>
+            <a:ext uri="{AF507438-7753-43E0-B8FC-AC1667EBCBE1}">
+              <a14:hiddenEffects xmlns:a14="http://schemas.microsoft.com/office/drawing/2010/main">
+                <a:effectLst>
+                  <a:outerShdw dist="35921" dir="2700000" algn="ctr" rotWithShape="0">
+                    <a:schemeClr val="bg2"/>
+                  </a:outerShdw>
+                </a:effectLst>
+              </a14:hiddenEffects>
+            </a:ext>
+          </a:extLst>
+        </p:spPr>
+      </p:pic>
+      <p:pic>
+        <p:nvPicPr>
+          <p:cNvPr id="1036" name="Picture 12"/>
+          <p:cNvPicPr>
+            <a:picLocks noChangeAspect="1" noChangeArrowheads="1"/>
+          </p:cNvPicPr>
+          <p:nvPr/>
+        </p:nvPicPr>
+        <p:blipFill>
+          <a:blip r:embed="rId6">
+            <a:extLst>
+              <a:ext uri="{28A0092B-C50C-407E-A947-70E740481C1C}">
+                <a14:useLocalDpi xmlns:a14="http://schemas.microsoft.com/office/drawing/2010/main" val="0"/>
+              </a:ext>
+            </a:extLst>
+          </a:blip>
+          <a:srcRect/>
+          <a:stretch>
+            <a:fillRect/>
+          </a:stretch>
+        </p:blipFill>
+        <p:spPr bwMode="auto">
+          <a:xfrm>
+            <a:off x="981138" y="5753830"/>
+            <a:ext cx="288032" cy="267458"/>
+          </a:xfrm>
+          <a:prstGeom prst="rect">
+            <a:avLst/>
+          </a:prstGeom>
+          <a:noFill/>
+          <a:ln>
+            <a:noFill/>
+          </a:ln>
+          <a:effectLst/>
+          <a:extLst>
+            <a:ext uri="{909E8E84-426E-40DD-AFC4-6F175D3DCCD1}">
+              <a14:hiddenFill xmlns:a14="http://schemas.microsoft.com/office/drawing/2010/main">
+                <a:solidFill>
+                  <a:schemeClr val="accent1"/>
+                </a:solidFill>
+              </a14:hiddenFill>
+            </a:ext>
+            <a:ext uri="{91240B29-F687-4F45-9708-019B960494DF}">
+              <a14:hiddenLine xmlns:a14="http://schemas.microsoft.com/office/drawing/2010/main" w="9525">
+                <a:solidFill>
+                  <a:schemeClr val="tx1"/>
+                </a:solidFill>
+                <a:miter lim="800000"/>
+                <a:headEnd/>
+                <a:tailEnd/>
+              </a14:hiddenLine>
+            </a:ext>
+            <a:ext uri="{AF507438-7753-43E0-B8FC-AC1667EBCBE1}">
+              <a14:hiddenEffects xmlns:a14="http://schemas.microsoft.com/office/drawing/2010/main">
+                <a:effectLst>
+                  <a:outerShdw dist="35921" dir="2700000" algn="ctr" rotWithShape="0">
+                    <a:schemeClr val="bg2"/>
+                  </a:outerShdw>
+                </a:effectLst>
+              </a14:hiddenEffects>
+            </a:ext>
+          </a:extLst>
+        </p:spPr>
+      </p:pic>
+      <p:pic>
+        <p:nvPicPr>
+          <p:cNvPr id="1046" name="Picture 22"/>
+          <p:cNvPicPr>
+            <a:picLocks noChangeAspect="1" noChangeArrowheads="1"/>
+          </p:cNvPicPr>
+          <p:nvPr/>
+        </p:nvPicPr>
+        <p:blipFill>
+          <a:blip r:embed="rId7">
+            <a:extLst>
+              <a:ext uri="{28A0092B-C50C-407E-A947-70E740481C1C}">
+                <a14:useLocalDpi xmlns:a14="http://schemas.microsoft.com/office/drawing/2010/main" val="0"/>
+              </a:ext>
+            </a:extLst>
+          </a:blip>
+          <a:srcRect/>
+          <a:stretch>
+            <a:fillRect/>
+          </a:stretch>
+        </p:blipFill>
+        <p:spPr bwMode="auto">
+          <a:xfrm>
+            <a:off x="1000505" y="6086263"/>
+            <a:ext cx="249299" cy="223057"/>
+          </a:xfrm>
+          <a:prstGeom prst="rect">
+            <a:avLst/>
+          </a:prstGeom>
+          <a:noFill/>
+          <a:ln>
+            <a:noFill/>
+          </a:ln>
+          <a:effectLst/>
+          <a:extLst>
+            <a:ext uri="{909E8E84-426E-40DD-AFC4-6F175D3DCCD1}">
+              <a14:hiddenFill xmlns:a14="http://schemas.microsoft.com/office/drawing/2010/main">
+                <a:solidFill>
+                  <a:schemeClr val="accent1"/>
+                </a:solidFill>
+              </a14:hiddenFill>
+            </a:ext>
+            <a:ext uri="{91240B29-F687-4F45-9708-019B960494DF}">
+              <a14:hiddenLine xmlns:a14="http://schemas.microsoft.com/office/drawing/2010/main" w="9525">
+                <a:solidFill>
+                  <a:schemeClr val="tx1"/>
+                </a:solidFill>
+                <a:miter lim="800000"/>
+                <a:headEnd/>
+                <a:tailEnd/>
+              </a14:hiddenLine>
+            </a:ext>
+            <a:ext uri="{AF507438-7753-43E0-B8FC-AC1667EBCBE1}">
+              <a14:hiddenEffects xmlns:a14="http://schemas.microsoft.com/office/drawing/2010/main">
+                <a:effectLst>
+                  <a:outerShdw dist="35921" dir="2700000" algn="ctr" rotWithShape="0">
+                    <a:schemeClr val="bg2"/>
+                  </a:outerShdw>
+                </a:effectLst>
+              </a14:hiddenEffects>
+            </a:ext>
+          </a:extLst>
+        </p:spPr>
+      </p:pic>
+      <p:sp>
+        <p:nvSpPr>
           <p:cNvPr id="23" name="AutoShape 5"/>
           <p:cNvSpPr>
             <a:spLocks noChangeArrowheads="1"/>
@@ -10098,90 +13647,6 @@
             <a:r>
               <a:rPr lang="en-US" sz="2000" dirty="0"/>
               <a:t>Nesting Orchestrations</a:t>
-            </a:r>
-          </a:p>
-        </p:txBody>
-      </p:sp>
-      <p:sp>
-        <p:nvSpPr>
-          <p:cNvPr id="26" name="AutoShape 5"/>
-          <p:cNvSpPr>
-            <a:spLocks noChangeArrowheads="1"/>
-          </p:cNvSpPr>
-          <p:nvPr/>
-        </p:nvSpPr>
-        <p:spPr bwMode="auto">
-          <a:xfrm>
-            <a:off x="539552" y="4667192"/>
-            <a:ext cx="5308807" cy="2081448"/>
-          </a:xfrm>
-          <a:prstGeom prst="roundRect">
-            <a:avLst>
-              <a:gd name="adj" fmla="val 4167"/>
-            </a:avLst>
-          </a:prstGeom>
-          <a:ln>
-            <a:headEnd/>
-            <a:tailEnd/>
-          </a:ln>
-        </p:spPr>
-        <p:style>
-          <a:lnRef idx="1">
-            <a:schemeClr val="accent6"/>
-          </a:lnRef>
-          <a:fillRef idx="2">
-            <a:schemeClr val="accent6"/>
-          </a:fillRef>
-          <a:effectRef idx="1">
-            <a:schemeClr val="accent6"/>
-          </a:effectRef>
-          <a:fontRef idx="minor">
-            <a:schemeClr val="dk1"/>
-          </a:fontRef>
-        </p:style>
-        <p:txBody>
-          <a:bodyPr/>
-          <a:lstStyle/>
-          <a:p>
-            <a:pPr marL="58738" algn="l">
-              <a:lnSpc>
-                <a:spcPct val="90000"/>
-              </a:lnSpc>
-              <a:spcBef>
-                <a:spcPct val="40000"/>
-              </a:spcBef>
-              <a:buClr>
-                <a:srgbClr val="8DACD0"/>
-              </a:buClr>
-              <a:buSzPct val="70000"/>
-              <a:buFont typeface="Wingdings" pitchFamily="2" charset="2"/>
-              <a:buNone/>
-            </a:pPr>
-            <a:r>
-              <a:rPr lang="en-US" sz="2000" dirty="0"/>
-              <a:t>Other</a:t>
-            </a:r>
-          </a:p>
-        </p:txBody>
-      </p:sp>
-      <p:sp>
-        <p:nvSpPr>
-          <p:cNvPr id="2" name="Title 1"/>
-          <p:cNvSpPr>
-            <a:spLocks noGrp="1"/>
-          </p:cNvSpPr>
-          <p:nvPr>
-            <p:ph type="title"/>
-          </p:nvPr>
-        </p:nvSpPr>
-        <p:spPr/>
-        <p:txBody>
-          <a:bodyPr/>
-          <a:lstStyle/>
-          <a:p>
-            <a:r>
-              <a:rPr lang="sv-SE" dirty="0"/>
-              <a:t>Orchestration Shapes</a:t>
             </a:r>
           </a:p>
         </p:txBody>
@@ -10256,7 +13721,7 @@
           <p:nvPr>
             <p:extLst>
               <p:ext uri="{D42A27DB-BD31-4B8C-83A1-F6EECF244321}">
-                <p14:modId xmlns:p14="http://schemas.microsoft.com/office/powerpoint/2010/main" val="2117211495"/>
+                <p14:modId xmlns:p14="http://schemas.microsoft.com/office/powerpoint/2010/main" val="2949818721"/>
               </p:ext>
             </p:extLst>
           </p:nvPr>
@@ -10431,7 +13896,7 @@
           <p:nvPr/>
         </p:nvPicPr>
         <p:blipFill>
-          <a:blip r:embed="rId5">
+          <a:blip r:embed="rId8">
             <a:extLst>
               <a:ext uri="{28A0092B-C50C-407E-A947-70E740481C1C}">
                 <a14:useLocalDpi xmlns:a14="http://schemas.microsoft.com/office/drawing/2010/main" val="0"/>
@@ -10495,7 +13960,7 @@
           <p:nvPr/>
         </p:nvPicPr>
         <p:blipFill>
-          <a:blip r:embed="rId6">
+          <a:blip r:embed="rId9">
             <a:extLst>
               <a:ext uri="{28A0092B-C50C-407E-A947-70E740481C1C}">
                 <a14:useLocalDpi xmlns:a14="http://schemas.microsoft.com/office/drawing/2010/main" val="0"/>
@@ -10511,470 +13976,6 @@
           <a:xfrm>
             <a:off x="4080755" y="4276694"/>
             <a:ext cx="257418" cy="250644"/>
-          </a:xfrm>
-          <a:prstGeom prst="rect">
-            <a:avLst/>
-          </a:prstGeom>
-          <a:noFill/>
-          <a:ln>
-            <a:noFill/>
-          </a:ln>
-          <a:effectLst/>
-          <a:extLst>
-            <a:ext uri="{909E8E84-426E-40DD-AFC4-6F175D3DCCD1}">
-              <a14:hiddenFill xmlns:a14="http://schemas.microsoft.com/office/drawing/2010/main">
-                <a:solidFill>
-                  <a:schemeClr val="accent1"/>
-                </a:solidFill>
-              </a14:hiddenFill>
-            </a:ext>
-            <a:ext uri="{91240B29-F687-4F45-9708-019B960494DF}">
-              <a14:hiddenLine xmlns:a14="http://schemas.microsoft.com/office/drawing/2010/main" w="9525">
-                <a:solidFill>
-                  <a:schemeClr val="tx1"/>
-                </a:solidFill>
-                <a:miter lim="800000"/>
-                <a:headEnd/>
-                <a:tailEnd/>
-              </a14:hiddenLine>
-            </a:ext>
-            <a:ext uri="{AF507438-7753-43E0-B8FC-AC1667EBCBE1}">
-              <a14:hiddenEffects xmlns:a14="http://schemas.microsoft.com/office/drawing/2010/main">
-                <a:effectLst>
-                  <a:outerShdw dist="35921" dir="2700000" algn="ctr" rotWithShape="0">
-                    <a:schemeClr val="bg2"/>
-                  </a:outerShdw>
-                </a:effectLst>
-              </a14:hiddenEffects>
-            </a:ext>
-          </a:extLst>
-        </p:spPr>
-      </p:pic>
-      <p:sp>
-        <p:nvSpPr>
-          <p:cNvPr id="30" name="AutoShape 6"/>
-          <p:cNvSpPr>
-            <a:spLocks noChangeArrowheads="1"/>
-          </p:cNvSpPr>
-          <p:nvPr/>
-        </p:nvSpPr>
-        <p:spPr bwMode="auto">
-          <a:xfrm>
-            <a:off x="781777" y="5035133"/>
-            <a:ext cx="4833831" cy="1639907"/>
-          </a:xfrm>
-          <a:prstGeom prst="roundRect">
-            <a:avLst>
-              <a:gd name="adj" fmla="val 4167"/>
-            </a:avLst>
-          </a:prstGeom>
-          <a:ln>
-            <a:headEnd/>
-            <a:tailEnd/>
-          </a:ln>
-        </p:spPr>
-        <p:style>
-          <a:lnRef idx="1">
-            <a:schemeClr val="accent1"/>
-          </a:lnRef>
-          <a:fillRef idx="2">
-            <a:schemeClr val="accent1"/>
-          </a:fillRef>
-          <a:effectRef idx="1">
-            <a:schemeClr val="accent1"/>
-          </a:effectRef>
-          <a:fontRef idx="minor">
-            <a:schemeClr val="dk1"/>
-          </a:fontRef>
-        </p:style>
-        <p:txBody>
-          <a:bodyPr/>
-          <a:lstStyle/>
-          <a:p>
-            <a:pPr marL="225425" indent="-225425" algn="l">
-              <a:lnSpc>
-                <a:spcPct val="90000"/>
-              </a:lnSpc>
-              <a:spcBef>
-                <a:spcPct val="40000"/>
-              </a:spcBef>
-              <a:buClr>
-                <a:srgbClr val="8DACD0"/>
-              </a:buClr>
-              <a:buSzPct val="80000"/>
-              <a:buFont typeface="Wingdings" pitchFamily="2" charset="2"/>
-              <a:buBlip>
-                <a:blip r:embed="rId2"/>
-              </a:buBlip>
-            </a:pPr>
-            <a:endParaRPr lang="en-US" dirty="0"/>
-          </a:p>
-        </p:txBody>
-      </p:sp>
-      <p:graphicFrame>
-        <p:nvGraphicFramePr>
-          <p:cNvPr id="31" name="Content Placeholder 3"/>
-          <p:cNvGraphicFramePr>
-            <a:graphicFrameLocks/>
-          </p:cNvGraphicFramePr>
-          <p:nvPr>
-            <p:extLst>
-              <p:ext uri="{D42A27DB-BD31-4B8C-83A1-F6EECF244321}">
-                <p14:modId xmlns:p14="http://schemas.microsoft.com/office/powerpoint/2010/main" val="2336758422"/>
-              </p:ext>
-            </p:extLst>
-          </p:nvPr>
-        </p:nvGraphicFramePr>
-        <p:xfrm>
-          <a:off x="944652" y="5201434"/>
-          <a:ext cx="4491444" cy="1366146"/>
-        </p:xfrm>
-        <a:graphic>
-          <a:graphicData uri="http://schemas.openxmlformats.org/drawingml/2006/table">
-            <a:tbl>
-              <a:tblPr bandRow="1">
-                <a:tableStyleId>{3B4B98B0-60AC-42C2-AFA5-B58CD77FA1E5}</a:tableStyleId>
-              </a:tblPr>
-              <a:tblGrid>
-                <a:gridCol w="1683132">
-                  <a:extLst>
-                    <a:ext uri="{9D8B030D-6E8A-4147-A177-3AD203B41FA5}">
-                      <a16:colId xmlns:a16="http://schemas.microsoft.com/office/drawing/2014/main" val="20000"/>
-                    </a:ext>
-                  </a:extLst>
-                </a:gridCol>
-                <a:gridCol w="2808312">
-                  <a:extLst>
-                    <a:ext uri="{9D8B030D-6E8A-4147-A177-3AD203B41FA5}">
-                      <a16:colId xmlns:a16="http://schemas.microsoft.com/office/drawing/2014/main" val="20001"/>
-                    </a:ext>
-                  </a:extLst>
-                </a:gridCol>
-              </a:tblGrid>
-              <a:tr h="318218">
-                <a:tc>
-                  <a:txBody>
-                    <a:bodyPr/>
-                    <a:lstStyle/>
-                    <a:p>
-                      <a:r>
-                        <a:rPr lang="sv-SE" sz="1400" baseline="0" dirty="0"/>
-                        <a:t>     Expression</a:t>
-                      </a:r>
-                      <a:endParaRPr lang="sv-SE" sz="1400" dirty="0"/>
-                    </a:p>
-                  </a:txBody>
-                  <a:tcPr marL="91439" marR="91439" marT="45713" marB="45713"/>
-                </a:tc>
-                <a:tc>
-                  <a:txBody>
-                    <a:bodyPr/>
-                    <a:lstStyle/>
-                    <a:p>
-                      <a:r>
-                        <a:rPr lang="sv-SE" sz="1400" dirty="0"/>
-                        <a:t>Perform</a:t>
-                      </a:r>
-                      <a:r>
-                        <a:rPr lang="sv-SE" sz="1400" baseline="0" dirty="0"/>
-                        <a:t> XLANG/s statements or call .NET components.</a:t>
-                      </a:r>
-                      <a:endParaRPr lang="sv-SE" sz="1400" dirty="0"/>
-                    </a:p>
-                  </a:txBody>
-                  <a:tcPr marL="91439" marR="91439" marT="45713" marB="45713"/>
-                </a:tc>
-                <a:extLst>
-                  <a:ext uri="{0D108BD9-81ED-4DB2-BD59-A6C34878D82A}">
-                    <a16:rowId xmlns:a16="http://schemas.microsoft.com/office/drawing/2014/main" val="10000"/>
-                  </a:ext>
-                </a:extLst>
-              </a:tr>
-              <a:tr h="329854">
-                <a:tc>
-                  <a:txBody>
-                    <a:bodyPr/>
-                    <a:lstStyle/>
-                    <a:p>
-                      <a:r>
-                        <a:rPr lang="sv-SE" sz="1400" kern="1200" baseline="0" dirty="0">
-                          <a:solidFill>
-                            <a:schemeClr val="tx1"/>
-                          </a:solidFill>
-                          <a:latin typeface="+mn-lt"/>
-                          <a:ea typeface="+mn-ea"/>
-                          <a:cs typeface="+mn-cs"/>
-                        </a:rPr>
-                        <a:t>     Call Rules</a:t>
-                      </a:r>
-                    </a:p>
-                  </a:txBody>
-                  <a:tcPr marL="91439" marR="91439" marT="45713" marB="45713"/>
-                </a:tc>
-                <a:tc>
-                  <a:txBody>
-                    <a:bodyPr/>
-                    <a:lstStyle/>
-                    <a:p>
-                      <a:pPr marL="0" marR="0" lvl="0" indent="0" algn="l" defTabSz="914400" rtl="0" eaLnBrk="1" fontAlgn="auto" latinLnBrk="0" hangingPunct="1">
-                        <a:lnSpc>
-                          <a:spcPct val="100000"/>
-                        </a:lnSpc>
-                        <a:spcBef>
-                          <a:spcPts val="0"/>
-                        </a:spcBef>
-                        <a:spcAft>
-                          <a:spcPts val="0"/>
-                        </a:spcAft>
-                        <a:buClrTx/>
-                        <a:buSzTx/>
-                        <a:buFontTx/>
-                        <a:buNone/>
-                        <a:tabLst/>
-                        <a:defRPr/>
-                      </a:pPr>
-                      <a:r>
-                        <a:rPr lang="en-US" sz="1400" kern="1200" baseline="0" dirty="0">
-                          <a:solidFill>
-                            <a:schemeClr val="tx1"/>
-                          </a:solidFill>
-                          <a:latin typeface="+mn-lt"/>
-                          <a:ea typeface="+mn-ea"/>
-                          <a:cs typeface="+mn-cs"/>
-                        </a:rPr>
-                        <a:t>Call a Business Rules Policy.</a:t>
-                      </a:r>
-                    </a:p>
-                  </a:txBody>
-                  <a:tcPr marL="91439" marR="91439" marT="45713" marB="45713"/>
-                </a:tc>
-                <a:extLst>
-                  <a:ext uri="{0D108BD9-81ED-4DB2-BD59-A6C34878D82A}">
-                    <a16:rowId xmlns:a16="http://schemas.microsoft.com/office/drawing/2014/main" val="10001"/>
-                  </a:ext>
-                </a:extLst>
-              </a:tr>
-              <a:tr h="329854">
-                <a:tc>
-                  <a:txBody>
-                    <a:bodyPr/>
-                    <a:lstStyle/>
-                    <a:p>
-                      <a:r>
-                        <a:rPr lang="sv-SE" sz="1400" kern="1200" baseline="0" dirty="0">
-                          <a:solidFill>
-                            <a:schemeClr val="tx1"/>
-                          </a:solidFill>
-                          <a:latin typeface="+mn-lt"/>
-                          <a:ea typeface="+mn-ea"/>
-                          <a:cs typeface="+mn-cs"/>
-                        </a:rPr>
-                        <a:t>     Compensation</a:t>
-                      </a:r>
-                    </a:p>
-                  </a:txBody>
-                  <a:tcPr marL="91439" marR="91439" marT="45713" marB="45713"/>
-                </a:tc>
-                <a:tc>
-                  <a:txBody>
-                    <a:bodyPr/>
-                    <a:lstStyle/>
-                    <a:p>
-                      <a:pPr marL="0" marR="0" lvl="0" indent="0" algn="l" defTabSz="914400" rtl="0" eaLnBrk="1" fontAlgn="auto" latinLnBrk="0" hangingPunct="1">
-                        <a:lnSpc>
-                          <a:spcPct val="100000"/>
-                        </a:lnSpc>
-                        <a:spcBef>
-                          <a:spcPts val="0"/>
-                        </a:spcBef>
-                        <a:spcAft>
-                          <a:spcPts val="0"/>
-                        </a:spcAft>
-                        <a:buClrTx/>
-                        <a:buSzTx/>
-                        <a:buFontTx/>
-                        <a:buNone/>
-                        <a:tabLst/>
-                        <a:defRPr/>
-                      </a:pPr>
-                      <a:r>
-                        <a:rPr lang="en-US" sz="1400" kern="1200" baseline="0" dirty="0">
-                          <a:solidFill>
-                            <a:schemeClr val="tx1"/>
-                          </a:solidFill>
-                          <a:latin typeface="+mn-lt"/>
-                          <a:ea typeface="+mn-ea"/>
-                          <a:cs typeface="+mn-cs"/>
-                        </a:rPr>
-                        <a:t>Enables you apply compensation logic after a failure has occurred.</a:t>
-                      </a:r>
-                    </a:p>
-                  </a:txBody>
-                  <a:tcPr marL="91439" marR="91439" marT="45713" marB="45713"/>
-                </a:tc>
-                <a:extLst>
-                  <a:ext uri="{0D108BD9-81ED-4DB2-BD59-A6C34878D82A}">
-                    <a16:rowId xmlns:a16="http://schemas.microsoft.com/office/drawing/2014/main" val="10002"/>
-                  </a:ext>
-                </a:extLst>
-              </a:tr>
-            </a:tbl>
-          </a:graphicData>
-        </a:graphic>
-      </p:graphicFrame>
-      <p:pic>
-        <p:nvPicPr>
-          <p:cNvPr id="1037" name="Picture 13"/>
-          <p:cNvPicPr>
-            <a:picLocks noChangeAspect="1" noChangeArrowheads="1"/>
-          </p:cNvPicPr>
-          <p:nvPr/>
-        </p:nvPicPr>
-        <p:blipFill>
-          <a:blip r:embed="rId7">
-            <a:extLst>
-              <a:ext uri="{28A0092B-C50C-407E-A947-70E740481C1C}">
-                <a14:useLocalDpi xmlns:a14="http://schemas.microsoft.com/office/drawing/2010/main" val="0"/>
-              </a:ext>
-            </a:extLst>
-          </a:blip>
-          <a:srcRect/>
-          <a:stretch>
-            <a:fillRect/>
-          </a:stretch>
-        </p:blipFill>
-        <p:spPr bwMode="auto">
-          <a:xfrm>
-            <a:off x="989842" y="5225284"/>
-            <a:ext cx="270625" cy="264182"/>
-          </a:xfrm>
-          <a:prstGeom prst="rect">
-            <a:avLst/>
-          </a:prstGeom>
-          <a:noFill/>
-          <a:ln>
-            <a:noFill/>
-          </a:ln>
-          <a:effectLst/>
-          <a:extLst>
-            <a:ext uri="{909E8E84-426E-40DD-AFC4-6F175D3DCCD1}">
-              <a14:hiddenFill xmlns:a14="http://schemas.microsoft.com/office/drawing/2010/main">
-                <a:solidFill>
-                  <a:schemeClr val="accent1"/>
-                </a:solidFill>
-              </a14:hiddenFill>
-            </a:ext>
-            <a:ext uri="{91240B29-F687-4F45-9708-019B960494DF}">
-              <a14:hiddenLine xmlns:a14="http://schemas.microsoft.com/office/drawing/2010/main" w="9525">
-                <a:solidFill>
-                  <a:schemeClr val="tx1"/>
-                </a:solidFill>
-                <a:miter lim="800000"/>
-                <a:headEnd/>
-                <a:tailEnd/>
-              </a14:hiddenLine>
-            </a:ext>
-            <a:ext uri="{AF507438-7753-43E0-B8FC-AC1667EBCBE1}">
-              <a14:hiddenEffects xmlns:a14="http://schemas.microsoft.com/office/drawing/2010/main">
-                <a:effectLst>
-                  <a:outerShdw dist="35921" dir="2700000" algn="ctr" rotWithShape="0">
-                    <a:schemeClr val="bg2"/>
-                  </a:outerShdw>
-                </a:effectLst>
-              </a14:hiddenEffects>
-            </a:ext>
-          </a:extLst>
-        </p:spPr>
-      </p:pic>
-      <p:pic>
-        <p:nvPicPr>
-          <p:cNvPr id="1036" name="Picture 12"/>
-          <p:cNvPicPr>
-            <a:picLocks noChangeAspect="1" noChangeArrowheads="1"/>
-          </p:cNvPicPr>
-          <p:nvPr/>
-        </p:nvPicPr>
-        <p:blipFill>
-          <a:blip r:embed="rId8">
-            <a:extLst>
-              <a:ext uri="{28A0092B-C50C-407E-A947-70E740481C1C}">
-                <a14:useLocalDpi xmlns:a14="http://schemas.microsoft.com/office/drawing/2010/main" val="0"/>
-              </a:ext>
-            </a:extLst>
-          </a:blip>
-          <a:srcRect/>
-          <a:stretch>
-            <a:fillRect/>
-          </a:stretch>
-        </p:blipFill>
-        <p:spPr bwMode="auto">
-          <a:xfrm>
-            <a:off x="981138" y="5753830"/>
-            <a:ext cx="288032" cy="267458"/>
-          </a:xfrm>
-          <a:prstGeom prst="rect">
-            <a:avLst/>
-          </a:prstGeom>
-          <a:noFill/>
-          <a:ln>
-            <a:noFill/>
-          </a:ln>
-          <a:effectLst/>
-          <a:extLst>
-            <a:ext uri="{909E8E84-426E-40DD-AFC4-6F175D3DCCD1}">
-              <a14:hiddenFill xmlns:a14="http://schemas.microsoft.com/office/drawing/2010/main">
-                <a:solidFill>
-                  <a:schemeClr val="accent1"/>
-                </a:solidFill>
-              </a14:hiddenFill>
-            </a:ext>
-            <a:ext uri="{91240B29-F687-4F45-9708-019B960494DF}">
-              <a14:hiddenLine xmlns:a14="http://schemas.microsoft.com/office/drawing/2010/main" w="9525">
-                <a:solidFill>
-                  <a:schemeClr val="tx1"/>
-                </a:solidFill>
-                <a:miter lim="800000"/>
-                <a:headEnd/>
-                <a:tailEnd/>
-              </a14:hiddenLine>
-            </a:ext>
-            <a:ext uri="{AF507438-7753-43E0-B8FC-AC1667EBCBE1}">
-              <a14:hiddenEffects xmlns:a14="http://schemas.microsoft.com/office/drawing/2010/main">
-                <a:effectLst>
-                  <a:outerShdw dist="35921" dir="2700000" algn="ctr" rotWithShape="0">
-                    <a:schemeClr val="bg2"/>
-                  </a:outerShdw>
-                </a:effectLst>
-              </a14:hiddenEffects>
-            </a:ext>
-          </a:extLst>
-        </p:spPr>
-      </p:pic>
-      <p:pic>
-        <p:nvPicPr>
-          <p:cNvPr id="1046" name="Picture 22"/>
-          <p:cNvPicPr>
-            <a:picLocks noChangeAspect="1" noChangeArrowheads="1"/>
-          </p:cNvPicPr>
-          <p:nvPr/>
-        </p:nvPicPr>
-        <p:blipFill>
-          <a:blip r:embed="rId9">
-            <a:extLst>
-              <a:ext uri="{28A0092B-C50C-407E-A947-70E740481C1C}">
-                <a14:useLocalDpi xmlns:a14="http://schemas.microsoft.com/office/drawing/2010/main" val="0"/>
-              </a:ext>
-            </a:extLst>
-          </a:blip>
-          <a:srcRect/>
-          <a:stretch>
-            <a:fillRect/>
-          </a:stretch>
-        </p:blipFill>
-        <p:spPr bwMode="auto">
-          <a:xfrm>
-            <a:off x="1000505" y="6086263"/>
-            <a:ext cx="249299" cy="223057"/>
           </a:xfrm>
           <a:prstGeom prst="rect">
             <a:avLst/>
@@ -12892,8 +15893,8 @@
           </p:nvPr>
         </p:nvGraphicFramePr>
         <p:xfrm>
-          <a:off x="628650" y="1825625"/>
-          <a:ext cx="7886700" cy="4351338"/>
+          <a:off x="395288" y="1484313"/>
+          <a:ext cx="8353425" cy="4608512"/>
         </p:xfrm>
         <a:graphic>
           <a:graphicData uri="http://schemas.openxmlformats.org/drawingml/2006/diagram">
@@ -15239,7 +18240,7 @@
             <a:spLocks noGrp="1"/>
           </p:cNvSpPr>
           <p:nvPr>
-            <p:ph type="sldNum" sz="quarter" idx="12"/>
+            <p:ph type="sldNum" sz="quarter" idx="4"/>
           </p:nvPr>
         </p:nvSpPr>
         <p:spPr>
@@ -15305,8 +18306,8 @@
         </p:nvSpPr>
         <p:spPr bwMode="auto">
           <a:xfrm>
-            <a:off x="857250" y="3744328"/>
-            <a:ext cx="7715250" cy="1298996"/>
+            <a:off x="857250" y="3672320"/>
+            <a:ext cx="7715250" cy="908808"/>
           </a:xfrm>
           <a:prstGeom prst="roundRect">
             <a:avLst>
@@ -15585,7 +18586,7 @@
                   </a:schemeClr>
                 </a:solidFill>
               </a:rPr>
-              <a:t>Module 14: Windows Azure BizTalk Services</a:t>
+              <a:t>Extra modules</a:t>
             </a:r>
             <a:endParaRPr lang="en-US" sz="1400" dirty="0">
               <a:solidFill>
@@ -19136,7 +22137,7 @@
             <a:spLocks noGrp="1"/>
           </p:cNvSpPr>
           <p:nvPr>
-            <p:ph type="sldNum" sz="quarter" idx="12"/>
+            <p:ph type="sldNum" sz="quarter" idx="4"/>
           </p:nvPr>
         </p:nvSpPr>
         <p:spPr>
@@ -20025,7 +23026,7 @@
                   </a:ext>
                 </a:extLst>
               </a:tr>
-              <a:tr h="329854">
+              <a:tr h="518146">
                 <a:tc>
                   <a:txBody>
                     <a:bodyPr/>
@@ -20090,7 +23091,7 @@
                   </a:ext>
                 </a:extLst>
               </a:tr>
-              <a:tr h="288032">
+              <a:tr h="304786">
                 <a:tc>
                   <a:txBody>
                     <a:bodyPr/>
@@ -20155,7 +23156,7 @@
                   </a:ext>
                 </a:extLst>
               </a:tr>
-              <a:tr h="288032">
+              <a:tr h="304786">
                 <a:tc>
                   <a:txBody>
                     <a:bodyPr/>
@@ -20239,7 +23240,7 @@
                   </a:ext>
                 </a:extLst>
               </a:tr>
-              <a:tr h="326532">
+              <a:tr h="518146">
                 <a:tc>
                   <a:txBody>
                     <a:bodyPr/>
@@ -20334,7 +23335,7 @@
                   </a:ext>
                 </a:extLst>
               </a:tr>
-              <a:tr h="326532">
+              <a:tr h="460112">
                 <a:tc>
                   <a:txBody>
                     <a:bodyPr/>
@@ -20377,7 +23378,7 @@
                   </a:ext>
                 </a:extLst>
               </a:tr>
-              <a:tr h="326532">
+              <a:tr h="518146">
                 <a:tc>
                   <a:txBody>
                     <a:bodyPr/>
@@ -21169,7 +24170,7 @@
         <p:spPr/>
         <p:txBody>
           <a:bodyPr>
-            <a:normAutofit fontScale="77500" lnSpcReduction="20000"/>
+            <a:normAutofit fontScale="70000" lnSpcReduction="20000"/>
           </a:bodyPr>
           <a:lstStyle/>
           <a:p>
@@ -21244,7 +24245,7 @@
             <a:spLocks noGrp="1"/>
           </p:cNvSpPr>
           <p:nvPr>
-            <p:ph type="sldNum" sz="quarter" idx="12"/>
+            <p:ph type="sldNum" sz="quarter" idx="4"/>
           </p:nvPr>
         </p:nvSpPr>
         <p:spPr>
@@ -21504,7 +24505,7 @@
               <a:defRPr/>
             </a:pPr>
             <a:r>
-              <a:rPr lang="sv-SE" dirty="0">
+              <a:rPr lang="sv-SE" sz="1400" dirty="0">
                 <a:latin typeface="+mn-lt"/>
                 <a:cs typeface="+mn-cs"/>
               </a:rPr>
@@ -21727,8 +24728,11 @@
           <a:noFill/>
           <a:ln w="9525" algn="ctr">
             <a:solidFill>
-              <a:schemeClr val="tx1"/>
+              <a:schemeClr val="bg1">
+                <a:lumMod val="50000"/>
+              </a:schemeClr>
             </a:solidFill>
+            <a:prstDash val="sysDash"/>
             <a:round/>
             <a:headEnd/>
             <a:tailEnd/>
@@ -21801,7 +24805,7 @@
               <a:defRPr/>
             </a:pPr>
             <a:r>
-              <a:rPr lang="sv-SE" dirty="0">
+              <a:rPr lang="sv-SE" sz="1400" dirty="0">
                 <a:latin typeface="+mn-lt"/>
                 <a:cs typeface="+mn-cs"/>
               </a:rPr>
@@ -21830,8 +24834,11 @@
           <a:noFill/>
           <a:ln w="9525" algn="ctr">
             <a:solidFill>
-              <a:schemeClr val="tx1"/>
+              <a:schemeClr val="bg1">
+                <a:lumMod val="50000"/>
+              </a:schemeClr>
             </a:solidFill>
+            <a:prstDash val="sysDash"/>
             <a:round/>
             <a:headEnd/>
             <a:tailEnd/>
@@ -21904,7 +24911,7 @@
               <a:defRPr/>
             </a:pPr>
             <a:r>
-              <a:rPr lang="sv-SE" dirty="0">
+              <a:rPr lang="sv-SE" sz="1400" dirty="0">
                 <a:latin typeface="+mn-lt"/>
                 <a:cs typeface="+mn-cs"/>
               </a:rPr>
@@ -21933,8 +24940,11 @@
           <a:noFill/>
           <a:ln w="9525" algn="ctr">
             <a:solidFill>
-              <a:schemeClr val="tx1"/>
+              <a:schemeClr val="bg1">
+                <a:lumMod val="50000"/>
+              </a:schemeClr>
             </a:solidFill>
+            <a:prstDash val="sysDash"/>
             <a:round/>
             <a:headEnd/>
             <a:tailEnd/>
@@ -22007,7 +25017,7 @@
               <a:defRPr/>
             </a:pPr>
             <a:r>
-              <a:rPr lang="sv-SE" dirty="0">
+              <a:rPr lang="sv-SE" sz="1400" dirty="0">
                 <a:latin typeface="+mn-lt"/>
                 <a:cs typeface="+mn-cs"/>
               </a:rPr>
@@ -22036,8 +25046,11 @@
           <a:noFill/>
           <a:ln w="9525" algn="ctr">
             <a:solidFill>
-              <a:schemeClr val="tx1"/>
+              <a:schemeClr val="bg1">
+                <a:lumMod val="50000"/>
+              </a:schemeClr>
             </a:solidFill>
+            <a:prstDash val="sysDash"/>
             <a:round/>
             <a:headEnd/>
             <a:tailEnd/>
@@ -23637,7 +26650,7 @@
                   </a:ext>
                 </a:extLst>
               </a:tr>
-              <a:tr h="640055">
+              <a:tr h="640066">
                 <a:tc>
                   <a:txBody>
                     <a:bodyPr/>
@@ -23775,7 +26788,7 @@
                   </a:ext>
                 </a:extLst>
               </a:tr>
-              <a:tr h="640055">
+              <a:tr h="640066">
                 <a:tc>
                   <a:txBody>
                     <a:bodyPr/>
@@ -23874,7 +26887,7 @@
                   </a:ext>
                 </a:extLst>
               </a:tr>
-              <a:tr h="640055">
+              <a:tr h="640066">
                 <a:tc>
                   <a:txBody>
                     <a:bodyPr/>
@@ -24311,7 +27324,7 @@
                   </a:ext>
                 </a:extLst>
               </a:tr>
-              <a:tr h="288032">
+              <a:tr h="304786">
                 <a:tc>
                   <a:txBody>
                     <a:bodyPr/>
@@ -24370,7 +27383,7 @@
                   </a:ext>
                 </a:extLst>
               </a:tr>
-              <a:tr h="288032">
+              <a:tr h="518146">
                 <a:tc>
                   <a:txBody>
                     <a:bodyPr/>
@@ -25739,7 +28752,7 @@
                   </a:ext>
                 </a:extLst>
               </a:tr>
-              <a:tr h="288032">
+              <a:tr h="518146">
                 <a:tc>
                   <a:txBody>
                     <a:bodyPr/>
@@ -25796,7 +28809,7 @@
                   </a:ext>
                 </a:extLst>
               </a:tr>
-              <a:tr h="288032">
+              <a:tr h="304786">
                 <a:tc>
                   <a:txBody>
                     <a:bodyPr/>
@@ -25892,7 +28905,7 @@
                   </a:ext>
                 </a:extLst>
               </a:tr>
-              <a:tr h="326532">
+              <a:tr h="518146">
                 <a:tc>
                   <a:txBody>
                     <a:bodyPr/>
@@ -25938,7 +28951,7 @@
                   </a:ext>
                 </a:extLst>
               </a:tr>
-              <a:tr h="326532">
+              <a:tr h="731506">
                 <a:tc>
                   <a:txBody>
                     <a:bodyPr/>
@@ -26024,7 +29037,7 @@
                   </a:ext>
                 </a:extLst>
               </a:tr>
-              <a:tr h="326532">
+              <a:tr h="518146">
                 <a:tc>
                   <a:txBody>
                     <a:bodyPr/>
@@ -27029,6 +30042,407 @@
 </file>
 
 <file path=ppt/theme/theme2.xml><?xml version="1.0" encoding="utf-8"?>
+<a:theme xmlns:a="http://schemas.openxmlformats.org/drawingml/2006/main" name="Anpassad Addskills Theme">
+  <a:themeElements>
+    <a:clrScheme name="© 2008 Logica Slide Master 1">
+      <a:dk1>
+        <a:srgbClr val="000000"/>
+      </a:dk1>
+      <a:lt1>
+        <a:srgbClr val="FFFFFF"/>
+      </a:lt1>
+      <a:dk2>
+        <a:srgbClr val="DDDDDD"/>
+      </a:dk2>
+      <a:lt2>
+        <a:srgbClr val="5F5F5F"/>
+      </a:lt2>
+      <a:accent1>
+        <a:srgbClr val="FFCC00"/>
+      </a:accent1>
+      <a:accent2>
+        <a:srgbClr val="8D979B"/>
+      </a:accent2>
+      <a:accent3>
+        <a:srgbClr val="FFFFFF"/>
+      </a:accent3>
+      <a:accent4>
+        <a:srgbClr val="000000"/>
+      </a:accent4>
+      <a:accent5>
+        <a:srgbClr val="FFE2AA"/>
+      </a:accent5>
+      <a:accent6>
+        <a:srgbClr val="7F888C"/>
+      </a:accent6>
+      <a:hlink>
+        <a:srgbClr val="A5AA78"/>
+      </a:hlink>
+      <a:folHlink>
+        <a:srgbClr val="CE6700"/>
+      </a:folHlink>
+    </a:clrScheme>
+    <a:fontScheme name="© 2008 Logica Slide Master">
+      <a:majorFont>
+        <a:latin typeface="Arial"/>
+        <a:ea typeface=""/>
+        <a:cs typeface=""/>
+      </a:majorFont>
+      <a:minorFont>
+        <a:latin typeface="Arial"/>
+        <a:ea typeface=""/>
+        <a:cs typeface=""/>
+      </a:minorFont>
+    </a:fontScheme>
+    <a:fmtScheme name="Office">
+      <a:fillStyleLst>
+        <a:solidFill>
+          <a:schemeClr val="phClr"/>
+        </a:solidFill>
+        <a:gradFill rotWithShape="1">
+          <a:gsLst>
+            <a:gs pos="0">
+              <a:schemeClr val="phClr">
+                <a:tint val="50000"/>
+                <a:satMod val="300000"/>
+              </a:schemeClr>
+            </a:gs>
+            <a:gs pos="35000">
+              <a:schemeClr val="phClr">
+                <a:tint val="37000"/>
+                <a:satMod val="300000"/>
+              </a:schemeClr>
+            </a:gs>
+            <a:gs pos="100000">
+              <a:schemeClr val="phClr">
+                <a:tint val="15000"/>
+                <a:satMod val="350000"/>
+              </a:schemeClr>
+            </a:gs>
+          </a:gsLst>
+          <a:lin ang="16200000" scaled="1"/>
+        </a:gradFill>
+        <a:gradFill rotWithShape="1">
+          <a:gsLst>
+            <a:gs pos="0">
+              <a:schemeClr val="phClr">
+                <a:shade val="51000"/>
+                <a:satMod val="130000"/>
+              </a:schemeClr>
+            </a:gs>
+            <a:gs pos="80000">
+              <a:schemeClr val="phClr">
+                <a:shade val="93000"/>
+                <a:satMod val="130000"/>
+              </a:schemeClr>
+            </a:gs>
+            <a:gs pos="100000">
+              <a:schemeClr val="phClr">
+                <a:shade val="94000"/>
+                <a:satMod val="135000"/>
+              </a:schemeClr>
+            </a:gs>
+          </a:gsLst>
+          <a:lin ang="16200000" scaled="0"/>
+        </a:gradFill>
+      </a:fillStyleLst>
+      <a:lnStyleLst>
+        <a:ln w="9525" cap="flat" cmpd="sng" algn="ctr">
+          <a:solidFill>
+            <a:schemeClr val="phClr">
+              <a:shade val="95000"/>
+              <a:satMod val="105000"/>
+            </a:schemeClr>
+          </a:solidFill>
+          <a:prstDash val="solid"/>
+        </a:ln>
+        <a:ln w="25400" cap="flat" cmpd="sng" algn="ctr">
+          <a:solidFill>
+            <a:schemeClr val="phClr"/>
+          </a:solidFill>
+          <a:prstDash val="solid"/>
+        </a:ln>
+        <a:ln w="38100" cap="flat" cmpd="sng" algn="ctr">
+          <a:solidFill>
+            <a:schemeClr val="phClr"/>
+          </a:solidFill>
+          <a:prstDash val="solid"/>
+        </a:ln>
+      </a:lnStyleLst>
+      <a:effectStyleLst>
+        <a:effectStyle>
+          <a:effectLst>
+            <a:outerShdw blurRad="40000" dist="20000" dir="5400000" rotWithShape="0">
+              <a:srgbClr val="000000">
+                <a:alpha val="38000"/>
+              </a:srgbClr>
+            </a:outerShdw>
+          </a:effectLst>
+        </a:effectStyle>
+        <a:effectStyle>
+          <a:effectLst>
+            <a:outerShdw blurRad="40000" dist="23000" dir="5400000" rotWithShape="0">
+              <a:srgbClr val="000000">
+                <a:alpha val="35000"/>
+              </a:srgbClr>
+            </a:outerShdw>
+          </a:effectLst>
+        </a:effectStyle>
+        <a:effectStyle>
+          <a:effectLst>
+            <a:outerShdw blurRad="40000" dist="23000" dir="5400000" rotWithShape="0">
+              <a:srgbClr val="000000">
+                <a:alpha val="35000"/>
+              </a:srgbClr>
+            </a:outerShdw>
+          </a:effectLst>
+          <a:scene3d>
+            <a:camera prst="orthographicFront">
+              <a:rot lat="0" lon="0" rev="0"/>
+            </a:camera>
+            <a:lightRig rig="threePt" dir="t">
+              <a:rot lat="0" lon="0" rev="1200000"/>
+            </a:lightRig>
+          </a:scene3d>
+          <a:sp3d>
+            <a:bevelT w="63500" h="25400"/>
+          </a:sp3d>
+        </a:effectStyle>
+      </a:effectStyleLst>
+      <a:bgFillStyleLst>
+        <a:solidFill>
+          <a:schemeClr val="phClr"/>
+        </a:solidFill>
+        <a:gradFill rotWithShape="1">
+          <a:gsLst>
+            <a:gs pos="0">
+              <a:schemeClr val="phClr">
+                <a:tint val="40000"/>
+                <a:satMod val="350000"/>
+              </a:schemeClr>
+            </a:gs>
+            <a:gs pos="40000">
+              <a:schemeClr val="phClr">
+                <a:tint val="45000"/>
+                <a:shade val="99000"/>
+                <a:satMod val="350000"/>
+              </a:schemeClr>
+            </a:gs>
+            <a:gs pos="100000">
+              <a:schemeClr val="phClr">
+                <a:shade val="20000"/>
+                <a:satMod val="255000"/>
+              </a:schemeClr>
+            </a:gs>
+          </a:gsLst>
+          <a:path path="circle">
+            <a:fillToRect l="50000" t="-80000" r="50000" b="180000"/>
+          </a:path>
+        </a:gradFill>
+        <a:gradFill rotWithShape="1">
+          <a:gsLst>
+            <a:gs pos="0">
+              <a:schemeClr val="phClr">
+                <a:tint val="80000"/>
+                <a:satMod val="300000"/>
+              </a:schemeClr>
+            </a:gs>
+            <a:gs pos="100000">
+              <a:schemeClr val="phClr">
+                <a:shade val="30000"/>
+                <a:satMod val="200000"/>
+              </a:schemeClr>
+            </a:gs>
+          </a:gsLst>
+          <a:path path="circle">
+            <a:fillToRect l="50000" t="50000" r="50000" b="50000"/>
+          </a:path>
+        </a:gradFill>
+      </a:bgFillStyleLst>
+    </a:fmtScheme>
+  </a:themeElements>
+  <a:objectDefaults>
+    <a:spDef>
+      <a:spPr bwMode="auto">
+        <a:xfrm>
+          <a:off x="0" y="0"/>
+          <a:ext cx="1" cy="1"/>
+        </a:xfrm>
+        <a:custGeom>
+          <a:avLst/>
+          <a:gdLst/>
+          <a:ahLst/>
+          <a:cxnLst/>
+          <a:rect l="0" t="0" r="0" b="0"/>
+          <a:pathLst/>
+        </a:custGeom>
+        <a:solidFill>
+          <a:schemeClr val="bg1"/>
+        </a:solidFill>
+        <a:ln w="9525" cap="flat" cmpd="sng" algn="ctr">
+          <a:solidFill>
+            <a:schemeClr val="tx1"/>
+          </a:solidFill>
+          <a:prstDash val="solid"/>
+          <a:round/>
+          <a:headEnd type="none" w="med" len="med"/>
+          <a:tailEnd type="none" w="med" len="med"/>
+        </a:ln>
+        <a:effectLst/>
+      </a:spPr>
+      <a:bodyPr vert="horz" wrap="none" lIns="0" tIns="0" rIns="0" bIns="0" numCol="1" anchor="ctr" anchorCtr="0" compatLnSpc="1">
+        <a:prstTxWarp prst="textNoShape">
+          <a:avLst/>
+        </a:prstTxWarp>
+      </a:bodyPr>
+      <a:lstStyle>
+        <a:defPPr marL="0" marR="0" indent="0" algn="ctr" defTabSz="914400" rtl="0" eaLnBrk="1" fontAlgn="base" latinLnBrk="0" hangingPunct="1">
+          <a:lnSpc>
+            <a:spcPct val="100000"/>
+          </a:lnSpc>
+          <a:spcBef>
+            <a:spcPct val="0"/>
+          </a:spcBef>
+          <a:spcAft>
+            <a:spcPct val="0"/>
+          </a:spcAft>
+          <a:buClr>
+            <a:schemeClr val="bg2"/>
+          </a:buClr>
+          <a:buSzTx/>
+          <a:buFontTx/>
+          <a:buNone/>
+          <a:tabLst/>
+          <a:defRPr kumimoji="0" lang="de-DE" sz="1600" b="0" i="0" u="none" strike="noStrike" cap="none" normalizeH="0" baseline="0" smtClean="0">
+            <a:ln>
+              <a:noFill/>
+            </a:ln>
+            <a:solidFill>
+              <a:schemeClr val="tx1"/>
+            </a:solidFill>
+            <a:effectLst/>
+            <a:latin typeface="Arial" charset="0"/>
+          </a:defRPr>
+        </a:defPPr>
+      </a:lstStyle>
+    </a:spDef>
+    <a:lnDef>
+      <a:spPr bwMode="auto">
+        <a:xfrm>
+          <a:off x="0" y="0"/>
+          <a:ext cx="1" cy="1"/>
+        </a:xfrm>
+        <a:custGeom>
+          <a:avLst/>
+          <a:gdLst/>
+          <a:ahLst/>
+          <a:cxnLst/>
+          <a:rect l="0" t="0" r="0" b="0"/>
+          <a:pathLst/>
+        </a:custGeom>
+        <a:solidFill>
+          <a:schemeClr val="bg1"/>
+        </a:solidFill>
+        <a:ln w="9525" cap="flat" cmpd="sng" algn="ctr">
+          <a:solidFill>
+            <a:schemeClr val="tx1"/>
+          </a:solidFill>
+          <a:prstDash val="solid"/>
+          <a:round/>
+          <a:headEnd type="none" w="med" len="med"/>
+          <a:tailEnd type="none" w="med" len="med"/>
+        </a:ln>
+        <a:effectLst/>
+      </a:spPr>
+      <a:bodyPr vert="horz" wrap="none" lIns="0" tIns="0" rIns="0" bIns="0" numCol="1" anchor="ctr" anchorCtr="0" compatLnSpc="1">
+        <a:prstTxWarp prst="textNoShape">
+          <a:avLst/>
+        </a:prstTxWarp>
+      </a:bodyPr>
+      <a:lstStyle>
+        <a:defPPr marL="0" marR="0" indent="0" algn="ctr" defTabSz="914400" rtl="0" eaLnBrk="1" fontAlgn="base" latinLnBrk="0" hangingPunct="1">
+          <a:lnSpc>
+            <a:spcPct val="100000"/>
+          </a:lnSpc>
+          <a:spcBef>
+            <a:spcPct val="0"/>
+          </a:spcBef>
+          <a:spcAft>
+            <a:spcPct val="0"/>
+          </a:spcAft>
+          <a:buClr>
+            <a:schemeClr val="bg2"/>
+          </a:buClr>
+          <a:buSzTx/>
+          <a:buFontTx/>
+          <a:buNone/>
+          <a:tabLst/>
+          <a:defRPr kumimoji="0" lang="de-DE" sz="1600" b="0" i="0" u="none" strike="noStrike" cap="none" normalizeH="0" baseline="0" smtClean="0">
+            <a:ln>
+              <a:noFill/>
+            </a:ln>
+            <a:solidFill>
+              <a:schemeClr val="tx1"/>
+            </a:solidFill>
+            <a:effectLst/>
+            <a:latin typeface="Arial" charset="0"/>
+          </a:defRPr>
+        </a:defPPr>
+      </a:lstStyle>
+    </a:lnDef>
+  </a:objectDefaults>
+  <a:extraClrSchemeLst>
+    <a:extraClrScheme>
+      <a:clrScheme name="© 2008 Logica Slide Master 1">
+        <a:dk1>
+          <a:srgbClr val="000000"/>
+        </a:dk1>
+        <a:lt1>
+          <a:srgbClr val="FFFFFF"/>
+        </a:lt1>
+        <a:dk2>
+          <a:srgbClr val="DDDDDD"/>
+        </a:dk2>
+        <a:lt2>
+          <a:srgbClr val="5F5F5F"/>
+        </a:lt2>
+        <a:accent1>
+          <a:srgbClr val="FFCC00"/>
+        </a:accent1>
+        <a:accent2>
+          <a:srgbClr val="8D979B"/>
+        </a:accent2>
+        <a:accent3>
+          <a:srgbClr val="FFFFFF"/>
+        </a:accent3>
+        <a:accent4>
+          <a:srgbClr val="000000"/>
+        </a:accent4>
+        <a:accent5>
+          <a:srgbClr val="FFE2AA"/>
+        </a:accent5>
+        <a:accent6>
+          <a:srgbClr val="7F888C"/>
+        </a:accent6>
+        <a:hlink>
+          <a:srgbClr val="A5AA78"/>
+        </a:hlink>
+        <a:folHlink>
+          <a:srgbClr val="CE6700"/>
+        </a:folHlink>
+      </a:clrScheme>
+      <a:clrMap bg1="lt1" tx1="dk1" bg2="lt2" tx2="dk2" accent1="accent1" accent2="accent2" accent3="accent3" accent4="accent4" accent5="accent5" accent6="accent6" hlink="hlink" folHlink="folHlink"/>
+    </a:extraClrScheme>
+  </a:extraClrSchemeLst>
+  <a:extLst>
+    <a:ext uri="{05A4C25C-085E-4340-85A3-A5531E510DB2}">
+      <thm15:themeFamily xmlns:thm15="http://schemas.microsoft.com/office/thememl/2012/main" name="Default.potx" id="{50080178-9A08-4EFD-9B63-B252A6E24CE2}" vid="{E87812AB-6A0B-4E42-B8B8-4F8BBA431F6F}"/>
+    </a:ext>
+  </a:extLst>
+</a:theme>
+</file>
+
+<file path=ppt/theme/theme3.xml><?xml version="1.0" encoding="utf-8"?>
 <a:theme xmlns:a="http://schemas.openxmlformats.org/drawingml/2006/main" name="Office Theme">
   <a:themeElements>
     <a:clrScheme name="">
@@ -27311,7 +30725,7 @@
 </a:theme>
 </file>
 
-<file path=ppt/theme/theme3.xml><?xml version="1.0" encoding="utf-8"?>
+<file path=ppt/theme/theme4.xml><?xml version="1.0" encoding="utf-8"?>
 <a:theme xmlns:a="http://schemas.openxmlformats.org/drawingml/2006/main" name="Office Theme">
   <a:themeElements>
     <a:clrScheme name="">
